--- a/powerpoints/Day_14.pptx
+++ b/powerpoints/Day_14.pptx
@@ -5,11 +5,20 @@
     <p:sldMasterId id="2147483690" r:id="rId1"/>
   </p:sldMasterIdLst>
   <p:notesMasterIdLst>
-    <p:notesMasterId r:id="rId4"/>
+    <p:notesMasterId r:id="rId13"/>
   </p:notesMasterIdLst>
   <p:sldIdLst>
     <p:sldId id="256" r:id="rId2"/>
-    <p:sldId id="261" r:id="rId3"/>
+    <p:sldId id="300" r:id="rId3"/>
+    <p:sldId id="301" r:id="rId4"/>
+    <p:sldId id="340" r:id="rId5"/>
+    <p:sldId id="302" r:id="rId6"/>
+    <p:sldId id="303" r:id="rId7"/>
+    <p:sldId id="265" r:id="rId8"/>
+    <p:sldId id="266" r:id="rId9"/>
+    <p:sldId id="274" r:id="rId10"/>
+    <p:sldId id="268" r:id="rId11"/>
+    <p:sldId id="316" r:id="rId12"/>
   </p:sldIdLst>
   <p:sldSz cx="9144000" cy="6858000" type="screen4x3"/>
   <p:notesSz cx="7010400" cy="9296400"/>
@@ -303,7 +312,7 @@
           <a:p>
             <a:fld id="{C5AED41E-5E74-41F9-B856-E5BCA1C196A4}" type="datetimeFigureOut">
               <a:rPr lang="en-US" smtClean="0"/>
-              <a:t>4/5/2021</a:t>
+              <a:t>9/27/2021</a:t>
             </a:fld>
             <a:endParaRPr lang="en-US"/>
           </a:p>
@@ -575,6 +584,214 @@
   <p:cSld>
     <p:spTree>
       <p:nvGrpSpPr>
+        <p:cNvPr id="1" name="Shape 228"/>
+        <p:cNvGrpSpPr/>
+        <p:nvPr/>
+      </p:nvGrpSpPr>
+      <p:grpSpPr>
+        <a:xfrm>
+          <a:off x="0" y="0"/>
+          <a:ext cx="0" cy="0"/>
+          <a:chOff x="0" y="0"/>
+          <a:chExt cx="0" cy="0"/>
+        </a:xfrm>
+      </p:grpSpPr>
+      <p:sp>
+        <p:nvSpPr>
+          <p:cNvPr id="229" name="Google Shape;229;p4:notes"/>
+          <p:cNvSpPr txBox="1">
+            <a:spLocks noGrp="1"/>
+          </p:cNvSpPr>
+          <p:nvPr>
+            <p:ph type="body" idx="1"/>
+          </p:nvPr>
+        </p:nvSpPr>
+        <p:spPr>
+          <a:xfrm>
+            <a:off x="701040" y="4415790"/>
+            <a:ext cx="5608320" cy="4183380"/>
+          </a:xfrm>
+          <a:prstGeom prst="rect">
+            <a:avLst/>
+          </a:prstGeom>
+        </p:spPr>
+        <p:txBody>
+          <a:bodyPr spcFirstLastPara="1" wrap="square" lIns="93150" tIns="46575" rIns="93150" bIns="46575" anchor="t" anchorCtr="0">
+            <a:noAutofit/>
+          </a:bodyPr>
+          <a:lstStyle/>
+          <a:p>
+            <a:pPr marL="0" lvl="0" indent="0" algn="l" rtl="0">
+              <a:spcBef>
+                <a:spcPts val="0"/>
+              </a:spcBef>
+              <a:spcAft>
+                <a:spcPts val="0"/>
+              </a:spcAft>
+              <a:buNone/>
+            </a:pPr>
+            <a:endParaRPr/>
+          </a:p>
+        </p:txBody>
+      </p:sp>
+      <p:sp>
+        <p:nvSpPr>
+          <p:cNvPr id="230" name="Google Shape;230;p4:notes"/>
+          <p:cNvSpPr>
+            <a:spLocks noGrp="1" noRot="1" noChangeAspect="1"/>
+          </p:cNvSpPr>
+          <p:nvPr>
+            <p:ph type="sldImg" idx="2"/>
+          </p:nvPr>
+        </p:nvSpPr>
+        <p:spPr>
+          <a:xfrm>
+            <a:off x="1181100" y="696913"/>
+            <a:ext cx="4648200" cy="3486150"/>
+          </a:xfrm>
+          <a:custGeom>
+            <a:avLst/>
+            <a:gdLst/>
+            <a:ahLst/>
+            <a:cxnLst/>
+            <a:rect l="l" t="t" r="r" b="b"/>
+            <a:pathLst>
+              <a:path w="120000" h="120000" extrusionOk="0">
+                <a:moveTo>
+                  <a:pt x="0" y="0"/>
+                </a:moveTo>
+                <a:lnTo>
+                  <a:pt x="120000" y="0"/>
+                </a:lnTo>
+                <a:lnTo>
+                  <a:pt x="120000" y="120000"/>
+                </a:lnTo>
+                <a:lnTo>
+                  <a:pt x="0" y="120000"/>
+                </a:lnTo>
+                <a:close/>
+              </a:path>
+            </a:pathLst>
+          </a:custGeom>
+        </p:spPr>
+      </p:sp>
+    </p:spTree>
+  </p:cSld>
+  <p:clrMapOvr>
+    <a:masterClrMapping/>
+  </p:clrMapOvr>
+</p:notes>
+</file>
+
+<file path=ppt/notesSlides/notesSlide2.xml><?xml version="1.0" encoding="utf-8"?>
+<p:notes xmlns:a="http://schemas.openxmlformats.org/drawingml/2006/main" xmlns:r="http://schemas.openxmlformats.org/officeDocument/2006/relationships" xmlns:p="http://schemas.openxmlformats.org/presentationml/2006/main" showMasterSp="0" showMasterPhAnim="0">
+  <p:cSld>
+    <p:spTree>
+      <p:nvGrpSpPr>
+        <p:cNvPr id="1" name="Shape 249"/>
+        <p:cNvGrpSpPr/>
+        <p:nvPr/>
+      </p:nvGrpSpPr>
+      <p:grpSpPr>
+        <a:xfrm>
+          <a:off x="0" y="0"/>
+          <a:ext cx="0" cy="0"/>
+          <a:chOff x="0" y="0"/>
+          <a:chExt cx="0" cy="0"/>
+        </a:xfrm>
+      </p:grpSpPr>
+      <p:sp>
+        <p:nvSpPr>
+          <p:cNvPr id="250" name="Google Shape;250;p7:notes"/>
+          <p:cNvSpPr txBox="1">
+            <a:spLocks noGrp="1"/>
+          </p:cNvSpPr>
+          <p:nvPr>
+            <p:ph type="body" idx="1"/>
+          </p:nvPr>
+        </p:nvSpPr>
+        <p:spPr>
+          <a:xfrm>
+            <a:off x="701040" y="4415790"/>
+            <a:ext cx="5608320" cy="4183380"/>
+          </a:xfrm>
+          <a:prstGeom prst="rect">
+            <a:avLst/>
+          </a:prstGeom>
+        </p:spPr>
+        <p:txBody>
+          <a:bodyPr spcFirstLastPara="1" wrap="square" lIns="93150" tIns="46575" rIns="93150" bIns="46575" anchor="t" anchorCtr="0">
+            <a:noAutofit/>
+          </a:bodyPr>
+          <a:lstStyle/>
+          <a:p>
+            <a:pPr marL="0" lvl="0" indent="0" algn="l" rtl="0">
+              <a:spcBef>
+                <a:spcPts val="0"/>
+              </a:spcBef>
+              <a:spcAft>
+                <a:spcPts val="0"/>
+              </a:spcAft>
+              <a:buNone/>
+            </a:pPr>
+            <a:endParaRPr/>
+          </a:p>
+        </p:txBody>
+      </p:sp>
+      <p:sp>
+        <p:nvSpPr>
+          <p:cNvPr id="251" name="Google Shape;251;p7:notes"/>
+          <p:cNvSpPr>
+            <a:spLocks noGrp="1" noRot="1" noChangeAspect="1"/>
+          </p:cNvSpPr>
+          <p:nvPr>
+            <p:ph type="sldImg" idx="2"/>
+          </p:nvPr>
+        </p:nvSpPr>
+        <p:spPr>
+          <a:xfrm>
+            <a:off x="1181100" y="696913"/>
+            <a:ext cx="4648200" cy="3486150"/>
+          </a:xfrm>
+          <a:custGeom>
+            <a:avLst/>
+            <a:gdLst/>
+            <a:ahLst/>
+            <a:cxnLst/>
+            <a:rect l="l" t="t" r="r" b="b"/>
+            <a:pathLst>
+              <a:path w="120000" h="120000" extrusionOk="0">
+                <a:moveTo>
+                  <a:pt x="0" y="0"/>
+                </a:moveTo>
+                <a:lnTo>
+                  <a:pt x="120000" y="0"/>
+                </a:lnTo>
+                <a:lnTo>
+                  <a:pt x="120000" y="120000"/>
+                </a:lnTo>
+                <a:lnTo>
+                  <a:pt x="0" y="120000"/>
+                </a:lnTo>
+                <a:close/>
+              </a:path>
+            </a:pathLst>
+          </a:custGeom>
+        </p:spPr>
+      </p:sp>
+    </p:spTree>
+  </p:cSld>
+  <p:clrMapOvr>
+    <a:masterClrMapping/>
+  </p:clrMapOvr>
+</p:notes>
+</file>
+
+<file path=ppt/notesSlides/notesSlide3.xml><?xml version="1.0" encoding="utf-8"?>
+<p:notes xmlns:a="http://schemas.openxmlformats.org/drawingml/2006/main" xmlns:r="http://schemas.openxmlformats.org/officeDocument/2006/relationships" xmlns:p="http://schemas.openxmlformats.org/presentationml/2006/main" showMasterSp="0" showMasterPhAnim="0">
+  <p:cSld>
+    <p:spTree>
+      <p:nvGrpSpPr>
         <p:cNvPr id="1" name="Shape 242"/>
         <p:cNvGrpSpPr/>
         <p:nvPr/>
@@ -628,6 +845,526 @@
       <p:sp>
         <p:nvSpPr>
           <p:cNvPr id="244" name="Google Shape;244;p6:notes"/>
+          <p:cNvSpPr>
+            <a:spLocks noGrp="1" noRot="1" noChangeAspect="1"/>
+          </p:cNvSpPr>
+          <p:nvPr>
+            <p:ph type="sldImg" idx="2"/>
+          </p:nvPr>
+        </p:nvSpPr>
+        <p:spPr>
+          <a:xfrm>
+            <a:off x="1181100" y="696913"/>
+            <a:ext cx="4648200" cy="3486150"/>
+          </a:xfrm>
+          <a:custGeom>
+            <a:avLst/>
+            <a:gdLst/>
+            <a:ahLst/>
+            <a:cxnLst/>
+            <a:rect l="l" t="t" r="r" b="b"/>
+            <a:pathLst>
+              <a:path w="120000" h="120000" extrusionOk="0">
+                <a:moveTo>
+                  <a:pt x="0" y="0"/>
+                </a:moveTo>
+                <a:lnTo>
+                  <a:pt x="120000" y="0"/>
+                </a:lnTo>
+                <a:lnTo>
+                  <a:pt x="120000" y="120000"/>
+                </a:lnTo>
+                <a:lnTo>
+                  <a:pt x="0" y="120000"/>
+                </a:lnTo>
+                <a:close/>
+              </a:path>
+            </a:pathLst>
+          </a:custGeom>
+        </p:spPr>
+      </p:sp>
+    </p:spTree>
+  </p:cSld>
+  <p:clrMapOvr>
+    <a:masterClrMapping/>
+  </p:clrMapOvr>
+</p:notes>
+</file>
+
+<file path=ppt/notesSlides/notesSlide4.xml><?xml version="1.0" encoding="utf-8"?>
+<p:notes xmlns:a="http://schemas.openxmlformats.org/drawingml/2006/main" xmlns:r="http://schemas.openxmlformats.org/officeDocument/2006/relationships" xmlns:p="http://schemas.openxmlformats.org/presentationml/2006/main" showMasterSp="0" showMasterPhAnim="0">
+  <p:cSld>
+    <p:spTree>
+      <p:nvGrpSpPr>
+        <p:cNvPr id="1" name="Shape 256"/>
+        <p:cNvGrpSpPr/>
+        <p:nvPr/>
+      </p:nvGrpSpPr>
+      <p:grpSpPr>
+        <a:xfrm>
+          <a:off x="0" y="0"/>
+          <a:ext cx="0" cy="0"/>
+          <a:chOff x="0" y="0"/>
+          <a:chExt cx="0" cy="0"/>
+        </a:xfrm>
+      </p:grpSpPr>
+      <p:sp>
+        <p:nvSpPr>
+          <p:cNvPr id="257" name="Google Shape;257;p8:notes"/>
+          <p:cNvSpPr txBox="1">
+            <a:spLocks noGrp="1"/>
+          </p:cNvSpPr>
+          <p:nvPr>
+            <p:ph type="body" idx="1"/>
+          </p:nvPr>
+        </p:nvSpPr>
+        <p:spPr>
+          <a:xfrm>
+            <a:off x="701040" y="4415790"/>
+            <a:ext cx="5608320" cy="4183380"/>
+          </a:xfrm>
+          <a:prstGeom prst="rect">
+            <a:avLst/>
+          </a:prstGeom>
+        </p:spPr>
+        <p:txBody>
+          <a:bodyPr spcFirstLastPara="1" wrap="square" lIns="93150" tIns="46575" rIns="93150" bIns="46575" anchor="t" anchorCtr="0">
+            <a:noAutofit/>
+          </a:bodyPr>
+          <a:lstStyle/>
+          <a:p>
+            <a:pPr marL="0" lvl="0" indent="0" algn="l" rtl="0">
+              <a:spcBef>
+                <a:spcPts val="0"/>
+              </a:spcBef>
+              <a:spcAft>
+                <a:spcPts val="0"/>
+              </a:spcAft>
+              <a:buNone/>
+            </a:pPr>
+            <a:endParaRPr/>
+          </a:p>
+        </p:txBody>
+      </p:sp>
+      <p:sp>
+        <p:nvSpPr>
+          <p:cNvPr id="258" name="Google Shape;258;p8:notes"/>
+          <p:cNvSpPr>
+            <a:spLocks noGrp="1" noRot="1" noChangeAspect="1"/>
+          </p:cNvSpPr>
+          <p:nvPr>
+            <p:ph type="sldImg" idx="2"/>
+          </p:nvPr>
+        </p:nvSpPr>
+        <p:spPr>
+          <a:xfrm>
+            <a:off x="1181100" y="696913"/>
+            <a:ext cx="4648200" cy="3486150"/>
+          </a:xfrm>
+          <a:custGeom>
+            <a:avLst/>
+            <a:gdLst/>
+            <a:ahLst/>
+            <a:cxnLst/>
+            <a:rect l="l" t="t" r="r" b="b"/>
+            <a:pathLst>
+              <a:path w="120000" h="120000" extrusionOk="0">
+                <a:moveTo>
+                  <a:pt x="0" y="0"/>
+                </a:moveTo>
+                <a:lnTo>
+                  <a:pt x="120000" y="0"/>
+                </a:lnTo>
+                <a:lnTo>
+                  <a:pt x="120000" y="120000"/>
+                </a:lnTo>
+                <a:lnTo>
+                  <a:pt x="0" y="120000"/>
+                </a:lnTo>
+                <a:close/>
+              </a:path>
+            </a:pathLst>
+          </a:custGeom>
+        </p:spPr>
+      </p:sp>
+    </p:spTree>
+  </p:cSld>
+  <p:clrMapOvr>
+    <a:masterClrMapping/>
+  </p:clrMapOvr>
+</p:notes>
+</file>
+
+<file path=ppt/notesSlides/notesSlide5.xml><?xml version="1.0" encoding="utf-8"?>
+<p:notes xmlns:a="http://schemas.openxmlformats.org/drawingml/2006/main" xmlns:r="http://schemas.openxmlformats.org/officeDocument/2006/relationships" xmlns:p="http://schemas.openxmlformats.org/presentationml/2006/main" showMasterSp="0" showMasterPhAnim="0">
+  <p:cSld>
+    <p:spTree>
+      <p:nvGrpSpPr>
+        <p:cNvPr id="1" name="Shape 263"/>
+        <p:cNvGrpSpPr/>
+        <p:nvPr/>
+      </p:nvGrpSpPr>
+      <p:grpSpPr>
+        <a:xfrm>
+          <a:off x="0" y="0"/>
+          <a:ext cx="0" cy="0"/>
+          <a:chOff x="0" y="0"/>
+          <a:chExt cx="0" cy="0"/>
+        </a:xfrm>
+      </p:grpSpPr>
+      <p:sp>
+        <p:nvSpPr>
+          <p:cNvPr id="264" name="Google Shape;264;p9:notes"/>
+          <p:cNvSpPr txBox="1">
+            <a:spLocks noGrp="1"/>
+          </p:cNvSpPr>
+          <p:nvPr>
+            <p:ph type="body" idx="1"/>
+          </p:nvPr>
+        </p:nvSpPr>
+        <p:spPr>
+          <a:xfrm>
+            <a:off x="701040" y="4415790"/>
+            <a:ext cx="5608320" cy="4183380"/>
+          </a:xfrm>
+          <a:prstGeom prst="rect">
+            <a:avLst/>
+          </a:prstGeom>
+        </p:spPr>
+        <p:txBody>
+          <a:bodyPr spcFirstLastPara="1" wrap="square" lIns="93150" tIns="46575" rIns="93150" bIns="46575" anchor="t" anchorCtr="0">
+            <a:noAutofit/>
+          </a:bodyPr>
+          <a:lstStyle/>
+          <a:p>
+            <a:pPr marL="0" lvl="0" indent="0" algn="l" rtl="0">
+              <a:spcBef>
+                <a:spcPts val="0"/>
+              </a:spcBef>
+              <a:spcAft>
+                <a:spcPts val="0"/>
+              </a:spcAft>
+              <a:buNone/>
+            </a:pPr>
+            <a:endParaRPr/>
+          </a:p>
+        </p:txBody>
+      </p:sp>
+      <p:sp>
+        <p:nvSpPr>
+          <p:cNvPr id="265" name="Google Shape;265;p9:notes"/>
+          <p:cNvSpPr>
+            <a:spLocks noGrp="1" noRot="1" noChangeAspect="1"/>
+          </p:cNvSpPr>
+          <p:nvPr>
+            <p:ph type="sldImg" idx="2"/>
+          </p:nvPr>
+        </p:nvSpPr>
+        <p:spPr>
+          <a:xfrm>
+            <a:off x="1181100" y="696913"/>
+            <a:ext cx="4648200" cy="3486150"/>
+          </a:xfrm>
+          <a:custGeom>
+            <a:avLst/>
+            <a:gdLst/>
+            <a:ahLst/>
+            <a:cxnLst/>
+            <a:rect l="l" t="t" r="r" b="b"/>
+            <a:pathLst>
+              <a:path w="120000" h="120000" extrusionOk="0">
+                <a:moveTo>
+                  <a:pt x="0" y="0"/>
+                </a:moveTo>
+                <a:lnTo>
+                  <a:pt x="120000" y="0"/>
+                </a:lnTo>
+                <a:lnTo>
+                  <a:pt x="120000" y="120000"/>
+                </a:lnTo>
+                <a:lnTo>
+                  <a:pt x="0" y="120000"/>
+                </a:lnTo>
+                <a:close/>
+              </a:path>
+            </a:pathLst>
+          </a:custGeom>
+        </p:spPr>
+      </p:sp>
+    </p:spTree>
+  </p:cSld>
+  <p:clrMapOvr>
+    <a:masterClrMapping/>
+  </p:clrMapOvr>
+</p:notes>
+</file>
+
+<file path=ppt/notesSlides/notesSlide6.xml><?xml version="1.0" encoding="utf-8"?>
+<p:notes xmlns:a="http://schemas.openxmlformats.org/drawingml/2006/main" xmlns:r="http://schemas.openxmlformats.org/officeDocument/2006/relationships" xmlns:p="http://schemas.openxmlformats.org/presentationml/2006/main" showMasterSp="0" showMasterPhAnim="0">
+  <p:cSld>
+    <p:spTree>
+      <p:nvGrpSpPr>
+        <p:cNvPr id="1" name="Shape 270"/>
+        <p:cNvGrpSpPr/>
+        <p:nvPr/>
+      </p:nvGrpSpPr>
+      <p:grpSpPr>
+        <a:xfrm>
+          <a:off x="0" y="0"/>
+          <a:ext cx="0" cy="0"/>
+          <a:chOff x="0" y="0"/>
+          <a:chExt cx="0" cy="0"/>
+        </a:xfrm>
+      </p:grpSpPr>
+      <p:sp>
+        <p:nvSpPr>
+          <p:cNvPr id="271" name="Google Shape;271;p10:notes"/>
+          <p:cNvSpPr txBox="1">
+            <a:spLocks noGrp="1"/>
+          </p:cNvSpPr>
+          <p:nvPr>
+            <p:ph type="body" idx="1"/>
+          </p:nvPr>
+        </p:nvSpPr>
+        <p:spPr>
+          <a:xfrm>
+            <a:off x="701040" y="4415790"/>
+            <a:ext cx="5608320" cy="4183380"/>
+          </a:xfrm>
+          <a:prstGeom prst="rect">
+            <a:avLst/>
+          </a:prstGeom>
+        </p:spPr>
+        <p:txBody>
+          <a:bodyPr spcFirstLastPara="1" wrap="square" lIns="93150" tIns="46575" rIns="93150" bIns="46575" anchor="t" anchorCtr="0">
+            <a:noAutofit/>
+          </a:bodyPr>
+          <a:lstStyle/>
+          <a:p>
+            <a:pPr marL="0" lvl="0" indent="0" algn="l" rtl="0">
+              <a:spcBef>
+                <a:spcPts val="0"/>
+              </a:spcBef>
+              <a:spcAft>
+                <a:spcPts val="0"/>
+              </a:spcAft>
+              <a:buNone/>
+            </a:pPr>
+            <a:endParaRPr/>
+          </a:p>
+        </p:txBody>
+      </p:sp>
+      <p:sp>
+        <p:nvSpPr>
+          <p:cNvPr id="272" name="Google Shape;272;p10:notes"/>
+          <p:cNvSpPr>
+            <a:spLocks noGrp="1" noRot="1" noChangeAspect="1"/>
+          </p:cNvSpPr>
+          <p:nvPr>
+            <p:ph type="sldImg" idx="2"/>
+          </p:nvPr>
+        </p:nvSpPr>
+        <p:spPr>
+          <a:xfrm>
+            <a:off x="1181100" y="696913"/>
+            <a:ext cx="4648200" cy="3486150"/>
+          </a:xfrm>
+          <a:custGeom>
+            <a:avLst/>
+            <a:gdLst/>
+            <a:ahLst/>
+            <a:cxnLst/>
+            <a:rect l="l" t="t" r="r" b="b"/>
+            <a:pathLst>
+              <a:path w="120000" h="120000" extrusionOk="0">
+                <a:moveTo>
+                  <a:pt x="0" y="0"/>
+                </a:moveTo>
+                <a:lnTo>
+                  <a:pt x="120000" y="0"/>
+                </a:lnTo>
+                <a:lnTo>
+                  <a:pt x="120000" y="120000"/>
+                </a:lnTo>
+                <a:lnTo>
+                  <a:pt x="0" y="120000"/>
+                </a:lnTo>
+                <a:close/>
+              </a:path>
+            </a:pathLst>
+          </a:custGeom>
+        </p:spPr>
+      </p:sp>
+    </p:spTree>
+  </p:cSld>
+  <p:clrMapOvr>
+    <a:masterClrMapping/>
+  </p:clrMapOvr>
+</p:notes>
+</file>
+
+<file path=ppt/notesSlides/notesSlide7.xml><?xml version="1.0" encoding="utf-8"?>
+<p:notes xmlns:a="http://schemas.openxmlformats.org/drawingml/2006/main" xmlns:r="http://schemas.openxmlformats.org/officeDocument/2006/relationships" xmlns:p="http://schemas.openxmlformats.org/presentationml/2006/main" showMasterSp="0" showMasterPhAnim="0">
+  <p:cSld>
+    <p:spTree>
+      <p:nvGrpSpPr>
+        <p:cNvPr id="1" name="Shape 277"/>
+        <p:cNvGrpSpPr/>
+        <p:nvPr/>
+      </p:nvGrpSpPr>
+      <p:grpSpPr>
+        <a:xfrm>
+          <a:off x="0" y="0"/>
+          <a:ext cx="0" cy="0"/>
+          <a:chOff x="0" y="0"/>
+          <a:chExt cx="0" cy="0"/>
+        </a:xfrm>
+      </p:grpSpPr>
+      <p:sp>
+        <p:nvSpPr>
+          <p:cNvPr id="278" name="Google Shape;278;p11:notes"/>
+          <p:cNvSpPr txBox="1">
+            <a:spLocks noGrp="1"/>
+          </p:cNvSpPr>
+          <p:nvPr>
+            <p:ph type="body" idx="1"/>
+          </p:nvPr>
+        </p:nvSpPr>
+        <p:spPr>
+          <a:xfrm>
+            <a:off x="701040" y="4415790"/>
+            <a:ext cx="5608320" cy="4183380"/>
+          </a:xfrm>
+          <a:prstGeom prst="rect">
+            <a:avLst/>
+          </a:prstGeom>
+        </p:spPr>
+        <p:txBody>
+          <a:bodyPr spcFirstLastPara="1" wrap="square" lIns="93150" tIns="46575" rIns="93150" bIns="46575" anchor="t" anchorCtr="0">
+            <a:noAutofit/>
+          </a:bodyPr>
+          <a:lstStyle/>
+          <a:p>
+            <a:pPr marL="0" lvl="0" indent="0" algn="l" rtl="0">
+              <a:spcBef>
+                <a:spcPts val="0"/>
+              </a:spcBef>
+              <a:spcAft>
+                <a:spcPts val="0"/>
+              </a:spcAft>
+              <a:buNone/>
+            </a:pPr>
+            <a:endParaRPr/>
+          </a:p>
+        </p:txBody>
+      </p:sp>
+      <p:sp>
+        <p:nvSpPr>
+          <p:cNvPr id="279" name="Google Shape;279;p11:notes"/>
+          <p:cNvSpPr>
+            <a:spLocks noGrp="1" noRot="1" noChangeAspect="1"/>
+          </p:cNvSpPr>
+          <p:nvPr>
+            <p:ph type="sldImg" idx="2"/>
+          </p:nvPr>
+        </p:nvSpPr>
+        <p:spPr>
+          <a:xfrm>
+            <a:off x="1181100" y="696913"/>
+            <a:ext cx="4648200" cy="3486150"/>
+          </a:xfrm>
+          <a:custGeom>
+            <a:avLst/>
+            <a:gdLst/>
+            <a:ahLst/>
+            <a:cxnLst/>
+            <a:rect l="l" t="t" r="r" b="b"/>
+            <a:pathLst>
+              <a:path w="120000" h="120000" extrusionOk="0">
+                <a:moveTo>
+                  <a:pt x="0" y="0"/>
+                </a:moveTo>
+                <a:lnTo>
+                  <a:pt x="120000" y="0"/>
+                </a:lnTo>
+                <a:lnTo>
+                  <a:pt x="120000" y="120000"/>
+                </a:lnTo>
+                <a:lnTo>
+                  <a:pt x="0" y="120000"/>
+                </a:lnTo>
+                <a:close/>
+              </a:path>
+            </a:pathLst>
+          </a:custGeom>
+        </p:spPr>
+      </p:sp>
+    </p:spTree>
+  </p:cSld>
+  <p:clrMapOvr>
+    <a:masterClrMapping/>
+  </p:clrMapOvr>
+</p:notes>
+</file>
+
+<file path=ppt/notesSlides/notesSlide8.xml><?xml version="1.0" encoding="utf-8"?>
+<p:notes xmlns:a="http://schemas.openxmlformats.org/drawingml/2006/main" xmlns:r="http://schemas.openxmlformats.org/officeDocument/2006/relationships" xmlns:p="http://schemas.openxmlformats.org/presentationml/2006/main" showMasterSp="0" showMasterPhAnim="0">
+  <p:cSld>
+    <p:spTree>
+      <p:nvGrpSpPr>
+        <p:cNvPr id="1" name="Shape 291"/>
+        <p:cNvGrpSpPr/>
+        <p:nvPr/>
+      </p:nvGrpSpPr>
+      <p:grpSpPr>
+        <a:xfrm>
+          <a:off x="0" y="0"/>
+          <a:ext cx="0" cy="0"/>
+          <a:chOff x="0" y="0"/>
+          <a:chExt cx="0" cy="0"/>
+        </a:xfrm>
+      </p:grpSpPr>
+      <p:sp>
+        <p:nvSpPr>
+          <p:cNvPr id="292" name="Google Shape;292;p13:notes"/>
+          <p:cNvSpPr txBox="1">
+            <a:spLocks noGrp="1"/>
+          </p:cNvSpPr>
+          <p:nvPr>
+            <p:ph type="body" idx="1"/>
+          </p:nvPr>
+        </p:nvSpPr>
+        <p:spPr>
+          <a:xfrm>
+            <a:off x="701040" y="4415790"/>
+            <a:ext cx="5608320" cy="4183380"/>
+          </a:xfrm>
+          <a:prstGeom prst="rect">
+            <a:avLst/>
+          </a:prstGeom>
+        </p:spPr>
+        <p:txBody>
+          <a:bodyPr spcFirstLastPara="1" wrap="square" lIns="93150" tIns="46575" rIns="93150" bIns="46575" anchor="t" anchorCtr="0">
+            <a:noAutofit/>
+          </a:bodyPr>
+          <a:lstStyle/>
+          <a:p>
+            <a:pPr marL="0" lvl="0" indent="0" algn="l" rtl="0">
+              <a:spcBef>
+                <a:spcPts val="0"/>
+              </a:spcBef>
+              <a:spcAft>
+                <a:spcPts val="0"/>
+              </a:spcAft>
+              <a:buNone/>
+            </a:pPr>
+            <a:endParaRPr/>
+          </a:p>
+        </p:txBody>
+      </p:sp>
+      <p:sp>
+        <p:nvSpPr>
+          <p:cNvPr id="293" name="Google Shape;293;p13:notes"/>
           <p:cNvSpPr>
             <a:spLocks noGrp="1" noRot="1" noChangeAspect="1"/>
           </p:cNvSpPr>
@@ -36970,7 +37707,1997 @@
 </p:sld>
 </file>
 
+<file path=ppt/slides/slide10.xml><?xml version="1.0" encoding="utf-8"?>
+<p:sld xmlns:a="http://schemas.openxmlformats.org/drawingml/2006/main" xmlns:r="http://schemas.openxmlformats.org/officeDocument/2006/relationships" xmlns:p="http://schemas.openxmlformats.org/presentationml/2006/main">
+  <p:cSld>
+    <p:spTree>
+      <p:nvGrpSpPr>
+        <p:cNvPr id="1" name="Shape 294"/>
+        <p:cNvGrpSpPr/>
+        <p:nvPr/>
+      </p:nvGrpSpPr>
+      <p:grpSpPr>
+        <a:xfrm>
+          <a:off x="0" y="0"/>
+          <a:ext cx="0" cy="0"/>
+          <a:chOff x="0" y="0"/>
+          <a:chExt cx="0" cy="0"/>
+        </a:xfrm>
+      </p:grpSpPr>
+      <p:sp>
+        <p:nvSpPr>
+          <p:cNvPr id="295" name="Google Shape;295;p27"/>
+          <p:cNvSpPr txBox="1">
+            <a:spLocks noGrp="1"/>
+          </p:cNvSpPr>
+          <p:nvPr>
+            <p:ph type="title"/>
+          </p:nvPr>
+        </p:nvSpPr>
+        <p:spPr>
+          <a:xfrm>
+            <a:off x="380010" y="-4950"/>
+            <a:ext cx="6222671" cy="1224150"/>
+          </a:xfrm>
+          <a:prstGeom prst="rect">
+            <a:avLst/>
+          </a:prstGeom>
+          <a:noFill/>
+          <a:ln>
+            <a:noFill/>
+          </a:ln>
+        </p:spPr>
+        <p:txBody>
+          <a:bodyPr spcFirstLastPara="1" wrap="square" lIns="91425" tIns="45700" rIns="91425" bIns="45700" anchor="ctr" anchorCtr="0">
+            <a:noAutofit/>
+          </a:bodyPr>
+          <a:lstStyle/>
+          <a:p>
+            <a:pPr marL="0" lvl="0" indent="0" algn="l" rtl="0">
+              <a:spcBef>
+                <a:spcPts val="0"/>
+              </a:spcBef>
+              <a:spcAft>
+                <a:spcPts val="0"/>
+              </a:spcAft>
+              <a:buClr>
+                <a:schemeClr val="lt1"/>
+              </a:buClr>
+              <a:buSzPts val="2400"/>
+              <a:buFont typeface="Arial"/>
+              <a:buNone/>
+            </a:pPr>
+            <a:r>
+              <a:rPr lang="en-US"/>
+              <a:t>“Coding to the Interface”</a:t>
+            </a:r>
+            <a:endParaRPr/>
+          </a:p>
+        </p:txBody>
+      </p:sp>
+      <p:sp>
+        <p:nvSpPr>
+          <p:cNvPr id="296" name="Google Shape;296;p27"/>
+          <p:cNvSpPr txBox="1">
+            <a:spLocks noGrp="1"/>
+          </p:cNvSpPr>
+          <p:nvPr>
+            <p:ph type="body" idx="1"/>
+          </p:nvPr>
+        </p:nvSpPr>
+        <p:spPr>
+          <a:xfrm>
+            <a:off x="380010" y="1377751"/>
+            <a:ext cx="8383980" cy="4985961"/>
+          </a:xfrm>
+          <a:prstGeom prst="rect">
+            <a:avLst/>
+          </a:prstGeom>
+          <a:noFill/>
+          <a:ln>
+            <a:noFill/>
+          </a:ln>
+        </p:spPr>
+        <p:txBody>
+          <a:bodyPr spcFirstLastPara="1" wrap="square" lIns="91425" tIns="45700" rIns="91425" bIns="45700" anchor="t" anchorCtr="0">
+            <a:noAutofit/>
+          </a:bodyPr>
+          <a:lstStyle/>
+          <a:p>
+            <a:pPr marL="342900" lvl="0" indent="-342900" algn="l" rtl="0">
+              <a:spcBef>
+                <a:spcPts val="0"/>
+              </a:spcBef>
+              <a:spcAft>
+                <a:spcPts val="0"/>
+              </a:spcAft>
+              <a:buSzPts val="2800"/>
+              <a:buChar char="•"/>
+            </a:pPr>
+            <a:r>
+              <a:rPr lang="en-US" dirty="0"/>
+              <a:t>Use interfaces to track common behavior</a:t>
+            </a:r>
+          </a:p>
+          <a:p>
+            <a:pPr marL="342900" lvl="0" indent="-342900" algn="l" rtl="0">
+              <a:spcBef>
+                <a:spcPts val="0"/>
+              </a:spcBef>
+              <a:spcAft>
+                <a:spcPts val="0"/>
+              </a:spcAft>
+              <a:buSzPts val="2800"/>
+              <a:buChar char="•"/>
+            </a:pPr>
+            <a:endParaRPr dirty="0"/>
+          </a:p>
+          <a:p>
+            <a:pPr marL="342900" lvl="0" indent="-342900" algn="l" rtl="0">
+              <a:spcBef>
+                <a:spcPts val="560"/>
+              </a:spcBef>
+              <a:spcAft>
+                <a:spcPts val="0"/>
+              </a:spcAft>
+              <a:buSzPts val="2800"/>
+              <a:buChar char="•"/>
+            </a:pPr>
+            <a:r>
+              <a:rPr lang="en-US" dirty="0"/>
+              <a:t>Use interface reference variables to polymorphically control concrete classes.</a:t>
+            </a:r>
+          </a:p>
+          <a:p>
+            <a:pPr marL="342900" lvl="0" indent="-342900" algn="l" rtl="0">
+              <a:spcBef>
+                <a:spcPts val="560"/>
+              </a:spcBef>
+              <a:spcAft>
+                <a:spcPts val="0"/>
+              </a:spcAft>
+              <a:buSzPts val="2800"/>
+              <a:buChar char="•"/>
+            </a:pPr>
+            <a:endParaRPr dirty="0"/>
+          </a:p>
+          <a:p>
+            <a:pPr marL="342900" lvl="0" indent="-342900" algn="l" rtl="0">
+              <a:spcBef>
+                <a:spcPts val="560"/>
+              </a:spcBef>
+              <a:spcAft>
+                <a:spcPts val="0"/>
+              </a:spcAft>
+              <a:buSzPts val="2800"/>
+              <a:buChar char="•"/>
+            </a:pPr>
+            <a:r>
+              <a:rPr lang="en-US" dirty="0"/>
+              <a:t>This way, the exact implementation doesn’t matter.</a:t>
+            </a:r>
+          </a:p>
+          <a:p>
+            <a:pPr marL="342900" lvl="0" indent="-342900" algn="l" rtl="0">
+              <a:spcBef>
+                <a:spcPts val="560"/>
+              </a:spcBef>
+              <a:spcAft>
+                <a:spcPts val="0"/>
+              </a:spcAft>
+              <a:buSzPts val="2800"/>
+              <a:buChar char="•"/>
+            </a:pPr>
+            <a:endParaRPr dirty="0"/>
+          </a:p>
+          <a:p>
+            <a:pPr marL="342900" lvl="0" indent="-342900" algn="l" rtl="0">
+              <a:spcBef>
+                <a:spcPts val="560"/>
+              </a:spcBef>
+              <a:spcAft>
+                <a:spcPts val="0"/>
+              </a:spcAft>
+              <a:buSzPts val="2800"/>
+              <a:buChar char="•"/>
+            </a:pPr>
+            <a:r>
+              <a:rPr lang="en-US" dirty="0"/>
+              <a:t>“Coding to the Interface” results in code that is easier to test, easier to fix, and easier to extend</a:t>
+            </a:r>
+            <a:endParaRPr dirty="0"/>
+          </a:p>
+        </p:txBody>
+      </p:sp>
+      <p:sp>
+        <p:nvSpPr>
+          <p:cNvPr id="297" name="Google Shape;297;p27"/>
+          <p:cNvSpPr txBox="1">
+            <a:spLocks noGrp="1"/>
+          </p:cNvSpPr>
+          <p:nvPr>
+            <p:ph type="sldNum" idx="12"/>
+          </p:nvPr>
+        </p:nvSpPr>
+        <p:spPr>
+          <a:xfrm>
+            <a:off x="8122757" y="6363712"/>
+            <a:ext cx="861671" cy="365125"/>
+          </a:xfrm>
+          <a:prstGeom prst="rect">
+            <a:avLst/>
+          </a:prstGeom>
+          <a:noFill/>
+          <a:ln>
+            <a:noFill/>
+          </a:ln>
+        </p:spPr>
+        <p:txBody>
+          <a:bodyPr spcFirstLastPara="1" wrap="square" lIns="91425" tIns="45700" rIns="91425" bIns="45700" anchor="ctr" anchorCtr="0">
+            <a:noAutofit/>
+          </a:bodyPr>
+          <a:lstStyle/>
+          <a:p>
+            <a:pPr marL="0" lvl="0" indent="0" algn="r" rtl="0">
+              <a:spcBef>
+                <a:spcPts val="0"/>
+              </a:spcBef>
+              <a:spcAft>
+                <a:spcPts val="0"/>
+              </a:spcAft>
+              <a:buNone/>
+            </a:pPr>
+            <a:fld id="{00000000-1234-1234-1234-123412341234}" type="slidenum">
+              <a:rPr lang="en-US"/>
+              <a:t>9</a:t>
+            </a:fld>
+            <a:endParaRPr/>
+          </a:p>
+        </p:txBody>
+      </p:sp>
+    </p:spTree>
+  </p:cSld>
+  <p:clrMapOvr>
+    <a:masterClrMapping/>
+  </p:clrMapOvr>
+  <p:timing>
+    <p:tnLst>
+      <p:par>
+        <p:cTn id="1" dur="indefinite" restart="never" nodeType="tmRoot">
+          <p:childTnLst>
+            <p:seq concurrent="1" nextAc="seek">
+              <p:cTn id="2" dur="indefinite" nodeType="mainSeq">
+                <p:childTnLst>
+                  <p:par>
+                    <p:cTn id="3" fill="hold">
+                      <p:stCondLst>
+                        <p:cond delay="indefinite"/>
+                      </p:stCondLst>
+                      <p:childTnLst>
+                        <p:par>
+                          <p:cTn id="4" fill="hold">
+                            <p:stCondLst>
+                              <p:cond delay="0"/>
+                            </p:stCondLst>
+                            <p:childTnLst>
+                              <p:par>
+                                <p:cTn id="5" presetID="1" presetClass="entr" presetSubtype="0" fill="hold" grpId="0" nodeType="clickEffect">
+                                  <p:stCondLst>
+                                    <p:cond delay="0"/>
+                                  </p:stCondLst>
+                                  <p:childTnLst>
+                                    <p:set>
+                                      <p:cBhvr>
+                                        <p:cTn id="6" dur="1" fill="hold">
+                                          <p:stCondLst>
+                                            <p:cond delay="0"/>
+                                          </p:stCondLst>
+                                        </p:cTn>
+                                        <p:tgtEl>
+                                          <p:spTgt spid="296">
+                                            <p:txEl>
+                                              <p:pRg st="0" end="0"/>
+                                            </p:txEl>
+                                          </p:spTgt>
+                                        </p:tgtEl>
+                                        <p:attrNameLst>
+                                          <p:attrName>style.visibility</p:attrName>
+                                        </p:attrNameLst>
+                                      </p:cBhvr>
+                                      <p:to>
+                                        <p:strVal val="visible"/>
+                                      </p:to>
+                                    </p:set>
+                                  </p:childTnLst>
+                                </p:cTn>
+                              </p:par>
+                            </p:childTnLst>
+                          </p:cTn>
+                        </p:par>
+                      </p:childTnLst>
+                    </p:cTn>
+                  </p:par>
+                  <p:par>
+                    <p:cTn id="7" fill="hold">
+                      <p:stCondLst>
+                        <p:cond delay="indefinite"/>
+                      </p:stCondLst>
+                      <p:childTnLst>
+                        <p:par>
+                          <p:cTn id="8" fill="hold">
+                            <p:stCondLst>
+                              <p:cond delay="0"/>
+                            </p:stCondLst>
+                            <p:childTnLst>
+                              <p:par>
+                                <p:cTn id="9" presetID="1" presetClass="entr" presetSubtype="0" fill="hold" grpId="0" nodeType="clickEffect">
+                                  <p:stCondLst>
+                                    <p:cond delay="0"/>
+                                  </p:stCondLst>
+                                  <p:childTnLst>
+                                    <p:set>
+                                      <p:cBhvr>
+                                        <p:cTn id="10" dur="1" fill="hold">
+                                          <p:stCondLst>
+                                            <p:cond delay="0"/>
+                                          </p:stCondLst>
+                                        </p:cTn>
+                                        <p:tgtEl>
+                                          <p:spTgt spid="296">
+                                            <p:txEl>
+                                              <p:pRg st="2" end="2"/>
+                                            </p:txEl>
+                                          </p:spTgt>
+                                        </p:tgtEl>
+                                        <p:attrNameLst>
+                                          <p:attrName>style.visibility</p:attrName>
+                                        </p:attrNameLst>
+                                      </p:cBhvr>
+                                      <p:to>
+                                        <p:strVal val="visible"/>
+                                      </p:to>
+                                    </p:set>
+                                  </p:childTnLst>
+                                </p:cTn>
+                              </p:par>
+                            </p:childTnLst>
+                          </p:cTn>
+                        </p:par>
+                      </p:childTnLst>
+                    </p:cTn>
+                  </p:par>
+                  <p:par>
+                    <p:cTn id="11" fill="hold">
+                      <p:stCondLst>
+                        <p:cond delay="indefinite"/>
+                      </p:stCondLst>
+                      <p:childTnLst>
+                        <p:par>
+                          <p:cTn id="12" fill="hold">
+                            <p:stCondLst>
+                              <p:cond delay="0"/>
+                            </p:stCondLst>
+                            <p:childTnLst>
+                              <p:par>
+                                <p:cTn id="13" presetID="1" presetClass="entr" presetSubtype="0" fill="hold" grpId="0" nodeType="clickEffect">
+                                  <p:stCondLst>
+                                    <p:cond delay="0"/>
+                                  </p:stCondLst>
+                                  <p:childTnLst>
+                                    <p:set>
+                                      <p:cBhvr>
+                                        <p:cTn id="14" dur="1" fill="hold">
+                                          <p:stCondLst>
+                                            <p:cond delay="0"/>
+                                          </p:stCondLst>
+                                        </p:cTn>
+                                        <p:tgtEl>
+                                          <p:spTgt spid="296">
+                                            <p:txEl>
+                                              <p:pRg st="4" end="4"/>
+                                            </p:txEl>
+                                          </p:spTgt>
+                                        </p:tgtEl>
+                                        <p:attrNameLst>
+                                          <p:attrName>style.visibility</p:attrName>
+                                        </p:attrNameLst>
+                                      </p:cBhvr>
+                                      <p:to>
+                                        <p:strVal val="visible"/>
+                                      </p:to>
+                                    </p:set>
+                                  </p:childTnLst>
+                                </p:cTn>
+                              </p:par>
+                            </p:childTnLst>
+                          </p:cTn>
+                        </p:par>
+                      </p:childTnLst>
+                    </p:cTn>
+                  </p:par>
+                  <p:par>
+                    <p:cTn id="15" fill="hold">
+                      <p:stCondLst>
+                        <p:cond delay="indefinite"/>
+                      </p:stCondLst>
+                      <p:childTnLst>
+                        <p:par>
+                          <p:cTn id="16" fill="hold">
+                            <p:stCondLst>
+                              <p:cond delay="0"/>
+                            </p:stCondLst>
+                            <p:childTnLst>
+                              <p:par>
+                                <p:cTn id="17" presetID="1" presetClass="entr" presetSubtype="0" fill="hold" grpId="0" nodeType="clickEffect">
+                                  <p:stCondLst>
+                                    <p:cond delay="0"/>
+                                  </p:stCondLst>
+                                  <p:childTnLst>
+                                    <p:set>
+                                      <p:cBhvr>
+                                        <p:cTn id="18" dur="1" fill="hold">
+                                          <p:stCondLst>
+                                            <p:cond delay="0"/>
+                                          </p:stCondLst>
+                                        </p:cTn>
+                                        <p:tgtEl>
+                                          <p:spTgt spid="296">
+                                            <p:txEl>
+                                              <p:pRg st="6" end="6"/>
+                                            </p:txEl>
+                                          </p:spTgt>
+                                        </p:tgtEl>
+                                        <p:attrNameLst>
+                                          <p:attrName>style.visibility</p:attrName>
+                                        </p:attrNameLst>
+                                      </p:cBhvr>
+                                      <p:to>
+                                        <p:strVal val="visible"/>
+                                      </p:to>
+                                    </p:set>
+                                  </p:childTnLst>
+                                </p:cTn>
+                              </p:par>
+                            </p:childTnLst>
+                          </p:cTn>
+                        </p:par>
+                      </p:childTnLst>
+                    </p:cTn>
+                  </p:par>
+                </p:childTnLst>
+              </p:cTn>
+              <p:prevCondLst>
+                <p:cond evt="onPrev" delay="0">
+                  <p:tgtEl>
+                    <p:sldTgt/>
+                  </p:tgtEl>
+                </p:cond>
+              </p:prevCondLst>
+              <p:nextCondLst>
+                <p:cond evt="onNext" delay="0">
+                  <p:tgtEl>
+                    <p:sldTgt/>
+                  </p:tgtEl>
+                </p:cond>
+              </p:nextCondLst>
+            </p:seq>
+          </p:childTnLst>
+        </p:cTn>
+      </p:par>
+    </p:tnLst>
+    <p:bldLst>
+      <p:bldP spid="296" grpId="0" build="p"/>
+    </p:bldLst>
+  </p:timing>
+</p:sld>
+</file>
+
+<file path=ppt/slides/slide11.xml><?xml version="1.0" encoding="utf-8"?>
+<p:sld xmlns:a="http://schemas.openxmlformats.org/drawingml/2006/main" xmlns:r="http://schemas.openxmlformats.org/officeDocument/2006/relationships" xmlns:p="http://schemas.openxmlformats.org/presentationml/2006/main">
+  <p:cSld>
+    <p:spTree>
+      <p:nvGrpSpPr>
+        <p:cNvPr id="1" name=""/>
+        <p:cNvGrpSpPr/>
+        <p:nvPr/>
+      </p:nvGrpSpPr>
+      <p:grpSpPr>
+        <a:xfrm>
+          <a:off x="0" y="0"/>
+          <a:ext cx="0" cy="0"/>
+          <a:chOff x="0" y="0"/>
+          <a:chExt cx="0" cy="0"/>
+        </a:xfrm>
+      </p:grpSpPr>
+      <p:sp>
+        <p:nvSpPr>
+          <p:cNvPr id="2" name="Title 1">
+            <a:extLst>
+              <a:ext uri="{FF2B5EF4-FFF2-40B4-BE49-F238E27FC236}">
+                <a16:creationId xmlns:a16="http://schemas.microsoft.com/office/drawing/2014/main" id="{437930B4-E996-4435-B9F1-D407853E2C03}"/>
+              </a:ext>
+            </a:extLst>
+          </p:cNvPr>
+          <p:cNvSpPr>
+            <a:spLocks noGrp="1"/>
+          </p:cNvSpPr>
+          <p:nvPr>
+            <p:ph type="title"/>
+          </p:nvPr>
+        </p:nvSpPr>
+        <p:spPr/>
+        <p:txBody>
+          <a:bodyPr/>
+          <a:lstStyle/>
+          <a:p>
+            <a:r>
+              <a:rPr lang="en-US" dirty="0"/>
+              <a:t>Functional Interfaces</a:t>
+            </a:r>
+          </a:p>
+        </p:txBody>
+      </p:sp>
+      <p:sp>
+        <p:nvSpPr>
+          <p:cNvPr id="3" name="Text Placeholder 2">
+            <a:extLst>
+              <a:ext uri="{FF2B5EF4-FFF2-40B4-BE49-F238E27FC236}">
+                <a16:creationId xmlns:a16="http://schemas.microsoft.com/office/drawing/2014/main" id="{0C6BA468-B2FB-4410-8CC4-82872A4103B6}"/>
+              </a:ext>
+            </a:extLst>
+          </p:cNvPr>
+          <p:cNvSpPr>
+            <a:spLocks noGrp="1"/>
+          </p:cNvSpPr>
+          <p:nvPr>
+            <p:ph type="body" idx="1"/>
+          </p:nvPr>
+        </p:nvSpPr>
+        <p:spPr>
+          <a:xfrm>
+            <a:off x="380010" y="1481446"/>
+            <a:ext cx="8383980" cy="4882266"/>
+          </a:xfrm>
+        </p:spPr>
+        <p:txBody>
+          <a:bodyPr>
+            <a:normAutofit fontScale="85000" lnSpcReduction="20000"/>
+          </a:bodyPr>
+          <a:lstStyle/>
+          <a:p>
+            <a:r>
+              <a:rPr lang="en-US" dirty="0"/>
+              <a:t>Functional interfaces are interfaces that only have one abstract method.</a:t>
+            </a:r>
+          </a:p>
+          <a:p>
+            <a:r>
+              <a:rPr lang="en-US" dirty="0"/>
+              <a:t>The purpose of functional interfaces is to provide a specific function that can be applied easily to any class.</a:t>
+            </a:r>
+          </a:p>
+          <a:p>
+            <a:r>
+              <a:rPr lang="en-US" dirty="0"/>
+              <a:t>Examples:</a:t>
+            </a:r>
+          </a:p>
+          <a:p>
+            <a:pPr lvl="1"/>
+            <a:r>
+              <a:rPr lang="en-US" dirty="0"/>
+              <a:t>Runnable (used to create threads)</a:t>
+            </a:r>
+          </a:p>
+          <a:p>
+            <a:pPr lvl="1"/>
+            <a:r>
+              <a:rPr lang="en-US" dirty="0"/>
+              <a:t>Comparable</a:t>
+            </a:r>
+          </a:p>
+          <a:p>
+            <a:pPr lvl="1"/>
+            <a:r>
+              <a:rPr lang="en-US" dirty="0"/>
+              <a:t>Comparator</a:t>
+            </a:r>
+          </a:p>
+          <a:p>
+            <a:pPr marL="50800" indent="0">
+              <a:buNone/>
+            </a:pPr>
+            <a:r>
+              <a:rPr lang="en-US" dirty="0"/>
+              <a:t>More examples: </a:t>
+            </a:r>
+            <a:r>
+              <a:rPr lang="en-US" dirty="0">
+                <a:hlinkClick r:id="rId2"/>
+              </a:rPr>
+              <a:t>https://docs.oracle.com/javase/8/docs/api/java/util/function/package-summary.html</a:t>
+            </a:r>
+            <a:endParaRPr lang="en-US" dirty="0"/>
+          </a:p>
+          <a:p>
+            <a:pPr marL="50800" indent="0">
+              <a:buNone/>
+            </a:pPr>
+            <a:r>
+              <a:rPr lang="en-US" dirty="0"/>
+              <a:t>Functional Interfaces are important because of how they can be used with lambdas (we will discuss this in more detail later).</a:t>
+            </a:r>
+          </a:p>
+          <a:p>
+            <a:pPr lvl="1"/>
+            <a:endParaRPr lang="en-US" dirty="0"/>
+          </a:p>
+        </p:txBody>
+      </p:sp>
+      <p:sp>
+        <p:nvSpPr>
+          <p:cNvPr id="4" name="Slide Number Placeholder 3">
+            <a:extLst>
+              <a:ext uri="{FF2B5EF4-FFF2-40B4-BE49-F238E27FC236}">
+                <a16:creationId xmlns:a16="http://schemas.microsoft.com/office/drawing/2014/main" id="{483A7CCD-D4F0-4527-9651-963B2389435E}"/>
+              </a:ext>
+            </a:extLst>
+          </p:cNvPr>
+          <p:cNvSpPr>
+            <a:spLocks noGrp="1"/>
+          </p:cNvSpPr>
+          <p:nvPr>
+            <p:ph type="sldNum" idx="12"/>
+          </p:nvPr>
+        </p:nvSpPr>
+        <p:spPr/>
+        <p:txBody>
+          <a:bodyPr/>
+          <a:lstStyle/>
+          <a:p>
+            <a:pPr marL="0" lvl="0" indent="0" algn="r" rtl="0">
+              <a:spcBef>
+                <a:spcPts val="0"/>
+              </a:spcBef>
+              <a:spcAft>
+                <a:spcPts val="0"/>
+              </a:spcAft>
+              <a:buNone/>
+            </a:pPr>
+            <a:fld id="{00000000-1234-1234-1234-123412341234}" type="slidenum">
+              <a:rPr lang="en-US" smtClean="0"/>
+              <a:t>10</a:t>
+            </a:fld>
+            <a:endParaRPr lang="en-US"/>
+          </a:p>
+        </p:txBody>
+      </p:sp>
+    </p:spTree>
+    <p:extLst>
+      <p:ext uri="{BB962C8B-B14F-4D97-AF65-F5344CB8AC3E}">
+        <p14:creationId xmlns:p14="http://schemas.microsoft.com/office/powerpoint/2010/main" val="4181207775"/>
+      </p:ext>
+    </p:extLst>
+  </p:cSld>
+  <p:clrMapOvr>
+    <a:masterClrMapping/>
+  </p:clrMapOvr>
+</p:sld>
+</file>
+
 <file path=ppt/slides/slide2.xml><?xml version="1.0" encoding="utf-8"?>
+<p:sld xmlns:a="http://schemas.openxmlformats.org/drawingml/2006/main" xmlns:r="http://schemas.openxmlformats.org/officeDocument/2006/relationships" xmlns:p="http://schemas.openxmlformats.org/presentationml/2006/main">
+  <p:cSld>
+    <p:spTree>
+      <p:nvGrpSpPr>
+        <p:cNvPr id="1" name="Shape 231"/>
+        <p:cNvGrpSpPr/>
+        <p:nvPr/>
+      </p:nvGrpSpPr>
+      <p:grpSpPr>
+        <a:xfrm>
+          <a:off x="0" y="0"/>
+          <a:ext cx="0" cy="0"/>
+          <a:chOff x="0" y="0"/>
+          <a:chExt cx="0" cy="0"/>
+        </a:xfrm>
+      </p:grpSpPr>
+      <p:sp>
+        <p:nvSpPr>
+          <p:cNvPr id="232" name="Google Shape;232;p18"/>
+          <p:cNvSpPr txBox="1">
+            <a:spLocks noGrp="1"/>
+          </p:cNvSpPr>
+          <p:nvPr>
+            <p:ph type="title"/>
+          </p:nvPr>
+        </p:nvSpPr>
+        <p:spPr>
+          <a:xfrm>
+            <a:off x="380010" y="-4950"/>
+            <a:ext cx="6222671" cy="1224150"/>
+          </a:xfrm>
+          <a:prstGeom prst="rect">
+            <a:avLst/>
+          </a:prstGeom>
+          <a:noFill/>
+          <a:ln>
+            <a:noFill/>
+          </a:ln>
+        </p:spPr>
+        <p:txBody>
+          <a:bodyPr spcFirstLastPara="1" wrap="square" lIns="91425" tIns="45700" rIns="91425" bIns="45700" anchor="ctr" anchorCtr="0">
+            <a:noAutofit/>
+          </a:bodyPr>
+          <a:lstStyle/>
+          <a:p>
+            <a:pPr marL="0" lvl="0" indent="0" algn="l" rtl="0">
+              <a:spcBef>
+                <a:spcPts val="0"/>
+              </a:spcBef>
+              <a:spcAft>
+                <a:spcPts val="0"/>
+              </a:spcAft>
+              <a:buClr>
+                <a:schemeClr val="lt1"/>
+              </a:buClr>
+              <a:buSzPts val="2400"/>
+              <a:buFont typeface="Arial"/>
+              <a:buNone/>
+            </a:pPr>
+            <a:r>
+              <a:rPr lang="en-US"/>
+              <a:t>Abstract Classes and Methods</a:t>
+            </a:r>
+            <a:endParaRPr/>
+          </a:p>
+        </p:txBody>
+      </p:sp>
+      <p:sp>
+        <p:nvSpPr>
+          <p:cNvPr id="233" name="Google Shape;233;p18"/>
+          <p:cNvSpPr txBox="1">
+            <a:spLocks noGrp="1"/>
+          </p:cNvSpPr>
+          <p:nvPr>
+            <p:ph type="body" idx="1"/>
+          </p:nvPr>
+        </p:nvSpPr>
+        <p:spPr>
+          <a:xfrm>
+            <a:off x="380010" y="1481446"/>
+            <a:ext cx="8383980" cy="4525963"/>
+          </a:xfrm>
+          <a:prstGeom prst="rect">
+            <a:avLst/>
+          </a:prstGeom>
+          <a:noFill/>
+          <a:ln>
+            <a:noFill/>
+          </a:ln>
+        </p:spPr>
+        <p:txBody>
+          <a:bodyPr spcFirstLastPara="1" wrap="square" lIns="91425" tIns="45700" rIns="91425" bIns="45700" anchor="t" anchorCtr="0">
+            <a:normAutofit lnSpcReduction="10000"/>
+          </a:bodyPr>
+          <a:lstStyle/>
+          <a:p>
+            <a:pPr marL="342900" indent="-342900">
+              <a:lnSpc>
+                <a:spcPct val="90000"/>
+              </a:lnSpc>
+              <a:spcBef>
+                <a:spcPts val="0"/>
+              </a:spcBef>
+              <a:buSzPts val="2590"/>
+            </a:pPr>
+            <a:r>
+              <a:rPr lang="en-US" sz="2400" b="1" u="sng" dirty="0"/>
+              <a:t>Abstract</a:t>
+            </a:r>
+            <a:r>
+              <a:rPr lang="en-US" sz="2400" dirty="0"/>
+              <a:t> </a:t>
+            </a:r>
+            <a:r>
+              <a:rPr lang="en-US" sz="2400" i="1" dirty="0"/>
+              <a:t>adjective</a:t>
+            </a:r>
+            <a:r>
+              <a:rPr lang="en-US" sz="2400" dirty="0"/>
+              <a:t> /</a:t>
+            </a:r>
+            <a:r>
+              <a:rPr lang="en-US" sz="2400" dirty="0" err="1"/>
+              <a:t>abˈstrakt</a:t>
+            </a:r>
+            <a:r>
+              <a:rPr lang="en-US" sz="2400" dirty="0"/>
+              <a:t>,ˈ</a:t>
+            </a:r>
+            <a:r>
+              <a:rPr lang="en-US" sz="2400" dirty="0" err="1"/>
+              <a:t>abˌstrakt</a:t>
+            </a:r>
+            <a:r>
+              <a:rPr lang="en-US" sz="2400" dirty="0"/>
+              <a:t>/: existing in thought or as an idea but not having a physical or concrete existence.</a:t>
+            </a:r>
+          </a:p>
+          <a:p>
+            <a:pPr marL="342900" indent="-342900">
+              <a:lnSpc>
+                <a:spcPct val="90000"/>
+              </a:lnSpc>
+              <a:spcBef>
+                <a:spcPts val="0"/>
+              </a:spcBef>
+              <a:buSzPts val="2590"/>
+            </a:pPr>
+            <a:endParaRPr lang="en-US" sz="2400" dirty="0"/>
+          </a:p>
+          <a:p>
+            <a:pPr marL="0" indent="0">
+              <a:lnSpc>
+                <a:spcPct val="90000"/>
+              </a:lnSpc>
+              <a:spcBef>
+                <a:spcPts val="0"/>
+              </a:spcBef>
+              <a:buSzPts val="2590"/>
+              <a:buNone/>
+            </a:pPr>
+            <a:r>
+              <a:rPr lang="en-US" sz="2400" dirty="0"/>
+              <a:t>To recap:</a:t>
+            </a:r>
+          </a:p>
+          <a:p>
+            <a:pPr marL="342900" indent="-342900">
+              <a:lnSpc>
+                <a:spcPct val="90000"/>
+              </a:lnSpc>
+              <a:spcBef>
+                <a:spcPts val="0"/>
+              </a:spcBef>
+              <a:buSzPts val="2590"/>
+            </a:pPr>
+            <a:r>
+              <a:rPr lang="en-US" sz="2400" dirty="0"/>
+              <a:t>Abstract methods have a </a:t>
+            </a:r>
+            <a:r>
+              <a:rPr lang="en-US" sz="2400" i="1" dirty="0"/>
+              <a:t>declaration</a:t>
+            </a:r>
+            <a:r>
+              <a:rPr lang="en-US" sz="2400" dirty="0"/>
+              <a:t>, but no </a:t>
+            </a:r>
+            <a:r>
+              <a:rPr lang="en-US" sz="2400" i="1" dirty="0"/>
+              <a:t>definition</a:t>
+            </a:r>
+            <a:r>
+              <a:rPr lang="en-US" sz="2400" dirty="0"/>
+              <a:t>. They are not </a:t>
+            </a:r>
+            <a:r>
+              <a:rPr lang="en-US" sz="2400" i="1" dirty="0"/>
+              <a:t>concrete</a:t>
+            </a:r>
+            <a:r>
+              <a:rPr lang="en-US" sz="2400" dirty="0"/>
+              <a:t> methods which have both.</a:t>
+            </a:r>
+          </a:p>
+          <a:p>
+            <a:pPr marL="342900" indent="-342900">
+              <a:lnSpc>
+                <a:spcPct val="90000"/>
+              </a:lnSpc>
+              <a:spcBef>
+                <a:spcPts val="518"/>
+              </a:spcBef>
+              <a:buSzPts val="2590"/>
+            </a:pPr>
+            <a:r>
+              <a:rPr lang="en-US" sz="2400" dirty="0"/>
+              <a:t>A class that contains an abstract method (directly or through inheritance) </a:t>
+            </a:r>
+            <a:r>
+              <a:rPr lang="en-US" sz="2400" i="1" dirty="0"/>
+              <a:t>must be</a:t>
+            </a:r>
+            <a:r>
+              <a:rPr lang="en-US" sz="2400" dirty="0"/>
+              <a:t> an abstract class.</a:t>
+            </a:r>
+          </a:p>
+          <a:p>
+            <a:pPr marL="342900" indent="-342900">
+              <a:lnSpc>
+                <a:spcPct val="90000"/>
+              </a:lnSpc>
+              <a:spcBef>
+                <a:spcPts val="518"/>
+              </a:spcBef>
+              <a:buSzPts val="2590"/>
+            </a:pPr>
+            <a:r>
+              <a:rPr lang="en-US" sz="2400" dirty="0"/>
+              <a:t>An abstract class does not need to contain any abstract methods.</a:t>
+            </a:r>
+          </a:p>
+          <a:p>
+            <a:pPr marL="342900" indent="-342900">
+              <a:lnSpc>
+                <a:spcPct val="90000"/>
+              </a:lnSpc>
+              <a:spcBef>
+                <a:spcPts val="518"/>
+              </a:spcBef>
+              <a:buSzPts val="2590"/>
+            </a:pPr>
+            <a:r>
+              <a:rPr lang="en-US" sz="2400" dirty="0"/>
+              <a:t>Abstract classes cannot be instantiated. </a:t>
+            </a:r>
+          </a:p>
+          <a:p>
+            <a:pPr marL="342900" indent="-342900">
+              <a:lnSpc>
+                <a:spcPct val="90000"/>
+              </a:lnSpc>
+              <a:spcBef>
+                <a:spcPts val="518"/>
+              </a:spcBef>
+              <a:buSzPts val="2590"/>
+            </a:pPr>
+            <a:r>
+              <a:rPr lang="en-US" sz="2400" dirty="0"/>
+              <a:t>Abstract classes store properties and behaviors that describe a type of thing but should not be instantiated.</a:t>
+            </a:r>
+          </a:p>
+        </p:txBody>
+      </p:sp>
+      <p:sp>
+        <p:nvSpPr>
+          <p:cNvPr id="234" name="Google Shape;234;p18"/>
+          <p:cNvSpPr txBox="1">
+            <a:spLocks noGrp="1"/>
+          </p:cNvSpPr>
+          <p:nvPr>
+            <p:ph type="sldNum" idx="12"/>
+          </p:nvPr>
+        </p:nvSpPr>
+        <p:spPr>
+          <a:xfrm>
+            <a:off x="8122757" y="6363712"/>
+            <a:ext cx="861671" cy="365125"/>
+          </a:xfrm>
+          <a:prstGeom prst="rect">
+            <a:avLst/>
+          </a:prstGeom>
+          <a:noFill/>
+          <a:ln>
+            <a:noFill/>
+          </a:ln>
+        </p:spPr>
+        <p:txBody>
+          <a:bodyPr spcFirstLastPara="1" wrap="square" lIns="91425" tIns="45700" rIns="91425" bIns="45700" anchor="ctr" anchorCtr="0">
+            <a:noAutofit/>
+          </a:bodyPr>
+          <a:lstStyle/>
+          <a:p>
+            <a:pPr marL="0" lvl="0" indent="0" algn="r" rtl="0">
+              <a:spcBef>
+                <a:spcPts val="0"/>
+              </a:spcBef>
+              <a:spcAft>
+                <a:spcPts val="0"/>
+              </a:spcAft>
+              <a:buNone/>
+            </a:pPr>
+            <a:fld id="{00000000-1234-1234-1234-123412341234}" type="slidenum">
+              <a:rPr lang="en-US"/>
+              <a:t>1</a:t>
+            </a:fld>
+            <a:endParaRPr/>
+          </a:p>
+        </p:txBody>
+      </p:sp>
+    </p:spTree>
+  </p:cSld>
+  <p:clrMapOvr>
+    <a:masterClrMapping/>
+  </p:clrMapOvr>
+  <p:timing>
+    <p:tnLst>
+      <p:par>
+        <p:cTn id="1" dur="indefinite" restart="never" nodeType="tmRoot">
+          <p:childTnLst>
+            <p:seq concurrent="1" nextAc="seek">
+              <p:cTn id="2" dur="indefinite" nodeType="mainSeq">
+                <p:childTnLst>
+                  <p:par>
+                    <p:cTn id="3" fill="hold">
+                      <p:stCondLst>
+                        <p:cond delay="indefinite"/>
+                      </p:stCondLst>
+                      <p:childTnLst>
+                        <p:par>
+                          <p:cTn id="4" fill="hold">
+                            <p:stCondLst>
+                              <p:cond delay="0"/>
+                            </p:stCondLst>
+                            <p:childTnLst>
+                              <p:par>
+                                <p:cTn id="5" presetID="1" presetClass="entr" presetSubtype="0" fill="hold" grpId="0" nodeType="clickEffect">
+                                  <p:stCondLst>
+                                    <p:cond delay="0"/>
+                                  </p:stCondLst>
+                                  <p:childTnLst>
+                                    <p:set>
+                                      <p:cBhvr>
+                                        <p:cTn id="6" dur="1" fill="hold">
+                                          <p:stCondLst>
+                                            <p:cond delay="0"/>
+                                          </p:stCondLst>
+                                        </p:cTn>
+                                        <p:tgtEl>
+                                          <p:spTgt spid="233">
+                                            <p:txEl>
+                                              <p:pRg st="0" end="0"/>
+                                            </p:txEl>
+                                          </p:spTgt>
+                                        </p:tgtEl>
+                                        <p:attrNameLst>
+                                          <p:attrName>style.visibility</p:attrName>
+                                        </p:attrNameLst>
+                                      </p:cBhvr>
+                                      <p:to>
+                                        <p:strVal val="visible"/>
+                                      </p:to>
+                                    </p:set>
+                                  </p:childTnLst>
+                                </p:cTn>
+                              </p:par>
+                            </p:childTnLst>
+                          </p:cTn>
+                        </p:par>
+                      </p:childTnLst>
+                    </p:cTn>
+                  </p:par>
+                  <p:par>
+                    <p:cTn id="7" fill="hold">
+                      <p:stCondLst>
+                        <p:cond delay="indefinite"/>
+                      </p:stCondLst>
+                      <p:childTnLst>
+                        <p:par>
+                          <p:cTn id="8" fill="hold">
+                            <p:stCondLst>
+                              <p:cond delay="0"/>
+                            </p:stCondLst>
+                            <p:childTnLst>
+                              <p:par>
+                                <p:cTn id="9" presetID="1" presetClass="entr" presetSubtype="0" fill="hold" grpId="0" nodeType="clickEffect">
+                                  <p:stCondLst>
+                                    <p:cond delay="0"/>
+                                  </p:stCondLst>
+                                  <p:childTnLst>
+                                    <p:set>
+                                      <p:cBhvr>
+                                        <p:cTn id="10" dur="1" fill="hold">
+                                          <p:stCondLst>
+                                            <p:cond delay="0"/>
+                                          </p:stCondLst>
+                                        </p:cTn>
+                                        <p:tgtEl>
+                                          <p:spTgt spid="233">
+                                            <p:txEl>
+                                              <p:pRg st="2" end="2"/>
+                                            </p:txEl>
+                                          </p:spTgt>
+                                        </p:tgtEl>
+                                        <p:attrNameLst>
+                                          <p:attrName>style.visibility</p:attrName>
+                                        </p:attrNameLst>
+                                      </p:cBhvr>
+                                      <p:to>
+                                        <p:strVal val="visible"/>
+                                      </p:to>
+                                    </p:set>
+                                  </p:childTnLst>
+                                </p:cTn>
+                              </p:par>
+                            </p:childTnLst>
+                          </p:cTn>
+                        </p:par>
+                      </p:childTnLst>
+                    </p:cTn>
+                  </p:par>
+                  <p:par>
+                    <p:cTn id="11" fill="hold">
+                      <p:stCondLst>
+                        <p:cond delay="indefinite"/>
+                      </p:stCondLst>
+                      <p:childTnLst>
+                        <p:par>
+                          <p:cTn id="12" fill="hold">
+                            <p:stCondLst>
+                              <p:cond delay="0"/>
+                            </p:stCondLst>
+                            <p:childTnLst>
+                              <p:par>
+                                <p:cTn id="13" presetID="1" presetClass="entr" presetSubtype="0" fill="hold" grpId="0" nodeType="clickEffect">
+                                  <p:stCondLst>
+                                    <p:cond delay="0"/>
+                                  </p:stCondLst>
+                                  <p:childTnLst>
+                                    <p:set>
+                                      <p:cBhvr>
+                                        <p:cTn id="14" dur="1" fill="hold">
+                                          <p:stCondLst>
+                                            <p:cond delay="0"/>
+                                          </p:stCondLst>
+                                        </p:cTn>
+                                        <p:tgtEl>
+                                          <p:spTgt spid="233">
+                                            <p:txEl>
+                                              <p:pRg st="3" end="3"/>
+                                            </p:txEl>
+                                          </p:spTgt>
+                                        </p:tgtEl>
+                                        <p:attrNameLst>
+                                          <p:attrName>style.visibility</p:attrName>
+                                        </p:attrNameLst>
+                                      </p:cBhvr>
+                                      <p:to>
+                                        <p:strVal val="visible"/>
+                                      </p:to>
+                                    </p:set>
+                                  </p:childTnLst>
+                                </p:cTn>
+                              </p:par>
+                            </p:childTnLst>
+                          </p:cTn>
+                        </p:par>
+                      </p:childTnLst>
+                    </p:cTn>
+                  </p:par>
+                  <p:par>
+                    <p:cTn id="15" fill="hold">
+                      <p:stCondLst>
+                        <p:cond delay="indefinite"/>
+                      </p:stCondLst>
+                      <p:childTnLst>
+                        <p:par>
+                          <p:cTn id="16" fill="hold">
+                            <p:stCondLst>
+                              <p:cond delay="0"/>
+                            </p:stCondLst>
+                            <p:childTnLst>
+                              <p:par>
+                                <p:cTn id="17" presetID="1" presetClass="entr" presetSubtype="0" fill="hold" grpId="0" nodeType="clickEffect">
+                                  <p:stCondLst>
+                                    <p:cond delay="0"/>
+                                  </p:stCondLst>
+                                  <p:childTnLst>
+                                    <p:set>
+                                      <p:cBhvr>
+                                        <p:cTn id="18" dur="1" fill="hold">
+                                          <p:stCondLst>
+                                            <p:cond delay="0"/>
+                                          </p:stCondLst>
+                                        </p:cTn>
+                                        <p:tgtEl>
+                                          <p:spTgt spid="233">
+                                            <p:txEl>
+                                              <p:pRg st="4" end="4"/>
+                                            </p:txEl>
+                                          </p:spTgt>
+                                        </p:tgtEl>
+                                        <p:attrNameLst>
+                                          <p:attrName>style.visibility</p:attrName>
+                                        </p:attrNameLst>
+                                      </p:cBhvr>
+                                      <p:to>
+                                        <p:strVal val="visible"/>
+                                      </p:to>
+                                    </p:set>
+                                  </p:childTnLst>
+                                </p:cTn>
+                              </p:par>
+                            </p:childTnLst>
+                          </p:cTn>
+                        </p:par>
+                      </p:childTnLst>
+                    </p:cTn>
+                  </p:par>
+                  <p:par>
+                    <p:cTn id="19" fill="hold">
+                      <p:stCondLst>
+                        <p:cond delay="indefinite"/>
+                      </p:stCondLst>
+                      <p:childTnLst>
+                        <p:par>
+                          <p:cTn id="20" fill="hold">
+                            <p:stCondLst>
+                              <p:cond delay="0"/>
+                            </p:stCondLst>
+                            <p:childTnLst>
+                              <p:par>
+                                <p:cTn id="21" presetID="1" presetClass="entr" presetSubtype="0" fill="hold" grpId="0" nodeType="clickEffect">
+                                  <p:stCondLst>
+                                    <p:cond delay="0"/>
+                                  </p:stCondLst>
+                                  <p:childTnLst>
+                                    <p:set>
+                                      <p:cBhvr>
+                                        <p:cTn id="22" dur="1" fill="hold">
+                                          <p:stCondLst>
+                                            <p:cond delay="0"/>
+                                          </p:stCondLst>
+                                        </p:cTn>
+                                        <p:tgtEl>
+                                          <p:spTgt spid="233">
+                                            <p:txEl>
+                                              <p:pRg st="5" end="5"/>
+                                            </p:txEl>
+                                          </p:spTgt>
+                                        </p:tgtEl>
+                                        <p:attrNameLst>
+                                          <p:attrName>style.visibility</p:attrName>
+                                        </p:attrNameLst>
+                                      </p:cBhvr>
+                                      <p:to>
+                                        <p:strVal val="visible"/>
+                                      </p:to>
+                                    </p:set>
+                                  </p:childTnLst>
+                                </p:cTn>
+                              </p:par>
+                            </p:childTnLst>
+                          </p:cTn>
+                        </p:par>
+                      </p:childTnLst>
+                    </p:cTn>
+                  </p:par>
+                  <p:par>
+                    <p:cTn id="23" fill="hold">
+                      <p:stCondLst>
+                        <p:cond delay="indefinite"/>
+                      </p:stCondLst>
+                      <p:childTnLst>
+                        <p:par>
+                          <p:cTn id="24" fill="hold">
+                            <p:stCondLst>
+                              <p:cond delay="0"/>
+                            </p:stCondLst>
+                            <p:childTnLst>
+                              <p:par>
+                                <p:cTn id="25" presetID="1" presetClass="entr" presetSubtype="0" fill="hold" grpId="0" nodeType="clickEffect">
+                                  <p:stCondLst>
+                                    <p:cond delay="0"/>
+                                  </p:stCondLst>
+                                  <p:childTnLst>
+                                    <p:set>
+                                      <p:cBhvr>
+                                        <p:cTn id="26" dur="1" fill="hold">
+                                          <p:stCondLst>
+                                            <p:cond delay="0"/>
+                                          </p:stCondLst>
+                                        </p:cTn>
+                                        <p:tgtEl>
+                                          <p:spTgt spid="233">
+                                            <p:txEl>
+                                              <p:pRg st="6" end="6"/>
+                                            </p:txEl>
+                                          </p:spTgt>
+                                        </p:tgtEl>
+                                        <p:attrNameLst>
+                                          <p:attrName>style.visibility</p:attrName>
+                                        </p:attrNameLst>
+                                      </p:cBhvr>
+                                      <p:to>
+                                        <p:strVal val="visible"/>
+                                      </p:to>
+                                    </p:set>
+                                  </p:childTnLst>
+                                </p:cTn>
+                              </p:par>
+                            </p:childTnLst>
+                          </p:cTn>
+                        </p:par>
+                      </p:childTnLst>
+                    </p:cTn>
+                  </p:par>
+                  <p:par>
+                    <p:cTn id="27" fill="hold">
+                      <p:stCondLst>
+                        <p:cond delay="indefinite"/>
+                      </p:stCondLst>
+                      <p:childTnLst>
+                        <p:par>
+                          <p:cTn id="28" fill="hold">
+                            <p:stCondLst>
+                              <p:cond delay="0"/>
+                            </p:stCondLst>
+                            <p:childTnLst>
+                              <p:par>
+                                <p:cTn id="29" presetID="1" presetClass="entr" presetSubtype="0" fill="hold" grpId="0" nodeType="clickEffect">
+                                  <p:stCondLst>
+                                    <p:cond delay="0"/>
+                                  </p:stCondLst>
+                                  <p:childTnLst>
+                                    <p:set>
+                                      <p:cBhvr>
+                                        <p:cTn id="30" dur="1" fill="hold">
+                                          <p:stCondLst>
+                                            <p:cond delay="0"/>
+                                          </p:stCondLst>
+                                        </p:cTn>
+                                        <p:tgtEl>
+                                          <p:spTgt spid="233">
+                                            <p:txEl>
+                                              <p:pRg st="7" end="7"/>
+                                            </p:txEl>
+                                          </p:spTgt>
+                                        </p:tgtEl>
+                                        <p:attrNameLst>
+                                          <p:attrName>style.visibility</p:attrName>
+                                        </p:attrNameLst>
+                                      </p:cBhvr>
+                                      <p:to>
+                                        <p:strVal val="visible"/>
+                                      </p:to>
+                                    </p:set>
+                                  </p:childTnLst>
+                                </p:cTn>
+                              </p:par>
+                            </p:childTnLst>
+                          </p:cTn>
+                        </p:par>
+                      </p:childTnLst>
+                    </p:cTn>
+                  </p:par>
+                </p:childTnLst>
+              </p:cTn>
+              <p:prevCondLst>
+                <p:cond evt="onPrev" delay="0">
+                  <p:tgtEl>
+                    <p:sldTgt/>
+                  </p:tgtEl>
+                </p:cond>
+              </p:prevCondLst>
+              <p:nextCondLst>
+                <p:cond evt="onNext" delay="0">
+                  <p:tgtEl>
+                    <p:sldTgt/>
+                  </p:tgtEl>
+                </p:cond>
+              </p:nextCondLst>
+            </p:seq>
+          </p:childTnLst>
+        </p:cTn>
+      </p:par>
+    </p:tnLst>
+    <p:bldLst>
+      <p:bldP spid="233" grpId="0" build="p"/>
+    </p:bldLst>
+  </p:timing>
+</p:sld>
+</file>
+
+<file path=ppt/slides/slide3.xml><?xml version="1.0" encoding="utf-8"?>
+<p:sld xmlns:a="http://schemas.openxmlformats.org/drawingml/2006/main" xmlns:r="http://schemas.openxmlformats.org/officeDocument/2006/relationships" xmlns:p="http://schemas.openxmlformats.org/presentationml/2006/main">
+  <p:cSld>
+    <p:spTree>
+      <p:nvGrpSpPr>
+        <p:cNvPr id="1" name="Shape 252"/>
+        <p:cNvGrpSpPr/>
+        <p:nvPr/>
+      </p:nvGrpSpPr>
+      <p:grpSpPr>
+        <a:xfrm>
+          <a:off x="0" y="0"/>
+          <a:ext cx="0" cy="0"/>
+          <a:chOff x="0" y="0"/>
+          <a:chExt cx="0" cy="0"/>
+        </a:xfrm>
+      </p:grpSpPr>
+      <p:sp>
+        <p:nvSpPr>
+          <p:cNvPr id="253" name="Google Shape;253;p21"/>
+          <p:cNvSpPr txBox="1">
+            <a:spLocks noGrp="1"/>
+          </p:cNvSpPr>
+          <p:nvPr>
+            <p:ph type="title"/>
+          </p:nvPr>
+        </p:nvSpPr>
+        <p:spPr>
+          <a:xfrm>
+            <a:off x="380010" y="-4950"/>
+            <a:ext cx="6222671" cy="1224150"/>
+          </a:xfrm>
+          <a:prstGeom prst="rect">
+            <a:avLst/>
+          </a:prstGeom>
+          <a:noFill/>
+          <a:ln>
+            <a:noFill/>
+          </a:ln>
+        </p:spPr>
+        <p:txBody>
+          <a:bodyPr spcFirstLastPara="1" wrap="square" lIns="91425" tIns="45700" rIns="91425" bIns="45700" anchor="ctr" anchorCtr="0">
+            <a:noAutofit/>
+          </a:bodyPr>
+          <a:lstStyle/>
+          <a:p>
+            <a:pPr marL="0" lvl="0" indent="0" algn="l" rtl="0">
+              <a:spcBef>
+                <a:spcPts val="0"/>
+              </a:spcBef>
+              <a:spcAft>
+                <a:spcPts val="0"/>
+              </a:spcAft>
+              <a:buClr>
+                <a:schemeClr val="lt1"/>
+              </a:buClr>
+              <a:buSzPts val="2400"/>
+              <a:buFont typeface="Arial"/>
+              <a:buNone/>
+            </a:pPr>
+            <a:r>
+              <a:rPr lang="en-US" dirty="0"/>
+              <a:t>Interfaces vs Abstract Classes	</a:t>
+            </a:r>
+            <a:endParaRPr dirty="0"/>
+          </a:p>
+        </p:txBody>
+      </p:sp>
+      <p:sp>
+        <p:nvSpPr>
+          <p:cNvPr id="254" name="Google Shape;254;p21"/>
+          <p:cNvSpPr txBox="1">
+            <a:spLocks noGrp="1"/>
+          </p:cNvSpPr>
+          <p:nvPr>
+            <p:ph type="body" idx="1"/>
+          </p:nvPr>
+        </p:nvSpPr>
+        <p:spPr>
+          <a:xfrm>
+            <a:off x="380010" y="1481446"/>
+            <a:ext cx="8383980" cy="4525963"/>
+          </a:xfrm>
+          <a:prstGeom prst="rect">
+            <a:avLst/>
+          </a:prstGeom>
+          <a:noFill/>
+          <a:ln>
+            <a:noFill/>
+          </a:ln>
+        </p:spPr>
+        <p:txBody>
+          <a:bodyPr spcFirstLastPara="1" wrap="square" lIns="91425" tIns="45700" rIns="91425" bIns="45700" anchor="t" anchorCtr="0">
+            <a:normAutofit fontScale="92500" lnSpcReduction="10000"/>
+          </a:bodyPr>
+          <a:lstStyle/>
+          <a:p>
+            <a:pPr marL="342900" lvl="0" indent="-342900" algn="l" rtl="0">
+              <a:lnSpc>
+                <a:spcPct val="90000"/>
+              </a:lnSpc>
+              <a:spcBef>
+                <a:spcPts val="0"/>
+              </a:spcBef>
+              <a:spcAft>
+                <a:spcPts val="0"/>
+              </a:spcAft>
+              <a:buSzPts val="2800"/>
+              <a:buChar char="•"/>
+            </a:pPr>
+            <a:r>
+              <a:rPr lang="en-US" dirty="0"/>
+              <a:t>All methods of an interface are implicitly public and abstract</a:t>
+            </a:r>
+          </a:p>
+          <a:p>
+            <a:pPr marL="800100" lvl="1" indent="-342900">
+              <a:lnSpc>
+                <a:spcPct val="90000"/>
+              </a:lnSpc>
+              <a:spcBef>
+                <a:spcPts val="0"/>
+              </a:spcBef>
+              <a:buSzPts val="2800"/>
+              <a:buChar char="•"/>
+            </a:pPr>
+            <a:r>
+              <a:rPr lang="en-US" dirty="0"/>
+              <a:t>You can define them as </a:t>
+            </a:r>
+            <a:r>
+              <a:rPr lang="en-US" dirty="0">
+                <a:latin typeface="Courier New"/>
+                <a:ea typeface="Courier New"/>
+                <a:cs typeface="Courier New"/>
+                <a:sym typeface="Courier New"/>
+              </a:rPr>
+              <a:t>static</a:t>
+            </a:r>
+            <a:r>
+              <a:rPr lang="en-US" dirty="0"/>
+              <a:t>, or </a:t>
+            </a:r>
+            <a:r>
+              <a:rPr lang="en-US" dirty="0">
+                <a:latin typeface="Courier New"/>
+                <a:ea typeface="Courier New"/>
+                <a:cs typeface="Courier New"/>
+                <a:sym typeface="Courier New"/>
+              </a:rPr>
+              <a:t>default</a:t>
+            </a:r>
+            <a:r>
+              <a:rPr lang="en-US" dirty="0"/>
+              <a:t> as of Java 8.</a:t>
+            </a:r>
+            <a:endParaRPr dirty="0"/>
+          </a:p>
+          <a:p>
+            <a:pPr marL="342900" lvl="0" indent="-342900" algn="l" rtl="0">
+              <a:lnSpc>
+                <a:spcPct val="90000"/>
+              </a:lnSpc>
+              <a:spcBef>
+                <a:spcPts val="560"/>
+              </a:spcBef>
+              <a:spcAft>
+                <a:spcPts val="0"/>
+              </a:spcAft>
+              <a:buSzPts val="2800"/>
+              <a:buChar char="•"/>
+            </a:pPr>
+            <a:r>
+              <a:rPr lang="en-US" dirty="0">
+                <a:latin typeface="Arial"/>
+                <a:ea typeface="Arial"/>
+                <a:cs typeface="Arial"/>
+                <a:sym typeface="Arial"/>
+              </a:rPr>
+              <a:t>Interface variables are implicitly </a:t>
+            </a:r>
+            <a:r>
+              <a:rPr lang="en-US" dirty="0">
+                <a:latin typeface="Courier New"/>
+                <a:ea typeface="Courier New"/>
+                <a:cs typeface="Courier New"/>
+                <a:sym typeface="Courier New"/>
+              </a:rPr>
+              <a:t>public static final</a:t>
+            </a:r>
+            <a:endParaRPr lang="en-US" dirty="0"/>
+          </a:p>
+          <a:p>
+            <a:pPr marL="342900" indent="-342900">
+              <a:lnSpc>
+                <a:spcPct val="90000"/>
+              </a:lnSpc>
+            </a:pPr>
+            <a:r>
+              <a:rPr lang="en-US" dirty="0"/>
+              <a:t>Neither abstract classes or interfaces can be instantiated directly (you must create objects from derived classes)</a:t>
+            </a:r>
+          </a:p>
+          <a:p>
+            <a:pPr marL="342900" indent="-342900">
+              <a:lnSpc>
+                <a:spcPct val="90000"/>
+              </a:lnSpc>
+            </a:pPr>
+            <a:r>
+              <a:rPr lang="en-US" dirty="0"/>
+              <a:t>Child classes the implement interfaces or abstract classes must provide a definition for abstract any methods.</a:t>
+            </a:r>
+          </a:p>
+          <a:p>
+            <a:pPr marL="342900" indent="-342900">
+              <a:lnSpc>
+                <a:spcPct val="90000"/>
+              </a:lnSpc>
+            </a:pPr>
+            <a:r>
+              <a:rPr lang="en-US" dirty="0"/>
+              <a:t>A class can only extend one class; however, it can implement many interfaces.</a:t>
+            </a:r>
+          </a:p>
+          <a:p>
+            <a:pPr marL="342900" indent="-342900">
+              <a:lnSpc>
+                <a:spcPct val="90000"/>
+              </a:lnSpc>
+            </a:pPr>
+            <a:endParaRPr lang="en-US" dirty="0"/>
+          </a:p>
+          <a:p>
+            <a:pPr marL="342900" indent="-342900">
+              <a:lnSpc>
+                <a:spcPct val="90000"/>
+              </a:lnSpc>
+            </a:pPr>
+            <a:endParaRPr lang="en-US" dirty="0"/>
+          </a:p>
+        </p:txBody>
+      </p:sp>
+      <p:sp>
+        <p:nvSpPr>
+          <p:cNvPr id="255" name="Google Shape;255;p21"/>
+          <p:cNvSpPr txBox="1">
+            <a:spLocks noGrp="1"/>
+          </p:cNvSpPr>
+          <p:nvPr>
+            <p:ph type="sldNum" idx="12"/>
+          </p:nvPr>
+        </p:nvSpPr>
+        <p:spPr>
+          <a:xfrm>
+            <a:off x="8122757" y="6363712"/>
+            <a:ext cx="861671" cy="365125"/>
+          </a:xfrm>
+          <a:prstGeom prst="rect">
+            <a:avLst/>
+          </a:prstGeom>
+          <a:noFill/>
+          <a:ln>
+            <a:noFill/>
+          </a:ln>
+        </p:spPr>
+        <p:txBody>
+          <a:bodyPr spcFirstLastPara="1" wrap="square" lIns="91425" tIns="45700" rIns="91425" bIns="45700" anchor="ctr" anchorCtr="0">
+            <a:noAutofit/>
+          </a:bodyPr>
+          <a:lstStyle/>
+          <a:p>
+            <a:pPr marL="0" lvl="0" indent="0" algn="r" rtl="0">
+              <a:spcBef>
+                <a:spcPts val="0"/>
+              </a:spcBef>
+              <a:spcAft>
+                <a:spcPts val="0"/>
+              </a:spcAft>
+              <a:buNone/>
+            </a:pPr>
+            <a:fld id="{00000000-1234-1234-1234-123412341234}" type="slidenum">
+              <a:rPr lang="en-US"/>
+              <a:t>2</a:t>
+            </a:fld>
+            <a:endParaRPr/>
+          </a:p>
+        </p:txBody>
+      </p:sp>
+    </p:spTree>
+  </p:cSld>
+  <p:clrMapOvr>
+    <a:masterClrMapping/>
+  </p:clrMapOvr>
+  <p:timing>
+    <p:tnLst>
+      <p:par>
+        <p:cTn id="1" dur="indefinite" restart="never" nodeType="tmRoot">
+          <p:childTnLst>
+            <p:seq concurrent="1" nextAc="seek">
+              <p:cTn id="2" dur="indefinite" nodeType="mainSeq">
+                <p:childTnLst>
+                  <p:par>
+                    <p:cTn id="3" fill="hold">
+                      <p:stCondLst>
+                        <p:cond delay="indefinite"/>
+                      </p:stCondLst>
+                      <p:childTnLst>
+                        <p:par>
+                          <p:cTn id="4" fill="hold">
+                            <p:stCondLst>
+                              <p:cond delay="0"/>
+                            </p:stCondLst>
+                            <p:childTnLst>
+                              <p:par>
+                                <p:cTn id="5" presetID="1" presetClass="entr" presetSubtype="0" fill="hold" grpId="0" nodeType="clickEffect">
+                                  <p:stCondLst>
+                                    <p:cond delay="0"/>
+                                  </p:stCondLst>
+                                  <p:childTnLst>
+                                    <p:set>
+                                      <p:cBhvr>
+                                        <p:cTn id="6" dur="1" fill="hold">
+                                          <p:stCondLst>
+                                            <p:cond delay="0"/>
+                                          </p:stCondLst>
+                                        </p:cTn>
+                                        <p:tgtEl>
+                                          <p:spTgt spid="254">
+                                            <p:txEl>
+                                              <p:pRg st="0" end="0"/>
+                                            </p:txEl>
+                                          </p:spTgt>
+                                        </p:tgtEl>
+                                        <p:attrNameLst>
+                                          <p:attrName>style.visibility</p:attrName>
+                                        </p:attrNameLst>
+                                      </p:cBhvr>
+                                      <p:to>
+                                        <p:strVal val="visible"/>
+                                      </p:to>
+                                    </p:set>
+                                  </p:childTnLst>
+                                </p:cTn>
+                              </p:par>
+                              <p:par>
+                                <p:cTn id="7" presetID="1" presetClass="entr" presetSubtype="0" fill="hold" grpId="0" nodeType="withEffect">
+                                  <p:stCondLst>
+                                    <p:cond delay="0"/>
+                                  </p:stCondLst>
+                                  <p:childTnLst>
+                                    <p:set>
+                                      <p:cBhvr>
+                                        <p:cTn id="8" dur="1" fill="hold">
+                                          <p:stCondLst>
+                                            <p:cond delay="0"/>
+                                          </p:stCondLst>
+                                        </p:cTn>
+                                        <p:tgtEl>
+                                          <p:spTgt spid="254">
+                                            <p:txEl>
+                                              <p:pRg st="1" end="1"/>
+                                            </p:txEl>
+                                          </p:spTgt>
+                                        </p:tgtEl>
+                                        <p:attrNameLst>
+                                          <p:attrName>style.visibility</p:attrName>
+                                        </p:attrNameLst>
+                                      </p:cBhvr>
+                                      <p:to>
+                                        <p:strVal val="visible"/>
+                                      </p:to>
+                                    </p:set>
+                                  </p:childTnLst>
+                                </p:cTn>
+                              </p:par>
+                            </p:childTnLst>
+                          </p:cTn>
+                        </p:par>
+                      </p:childTnLst>
+                    </p:cTn>
+                  </p:par>
+                  <p:par>
+                    <p:cTn id="9" fill="hold">
+                      <p:stCondLst>
+                        <p:cond delay="indefinite"/>
+                      </p:stCondLst>
+                      <p:childTnLst>
+                        <p:par>
+                          <p:cTn id="10" fill="hold">
+                            <p:stCondLst>
+                              <p:cond delay="0"/>
+                            </p:stCondLst>
+                            <p:childTnLst>
+                              <p:par>
+                                <p:cTn id="11" presetID="1" presetClass="entr" presetSubtype="0" fill="hold" grpId="0" nodeType="clickEffect">
+                                  <p:stCondLst>
+                                    <p:cond delay="0"/>
+                                  </p:stCondLst>
+                                  <p:childTnLst>
+                                    <p:set>
+                                      <p:cBhvr>
+                                        <p:cTn id="12" dur="1" fill="hold">
+                                          <p:stCondLst>
+                                            <p:cond delay="0"/>
+                                          </p:stCondLst>
+                                        </p:cTn>
+                                        <p:tgtEl>
+                                          <p:spTgt spid="254">
+                                            <p:txEl>
+                                              <p:pRg st="2" end="2"/>
+                                            </p:txEl>
+                                          </p:spTgt>
+                                        </p:tgtEl>
+                                        <p:attrNameLst>
+                                          <p:attrName>style.visibility</p:attrName>
+                                        </p:attrNameLst>
+                                      </p:cBhvr>
+                                      <p:to>
+                                        <p:strVal val="visible"/>
+                                      </p:to>
+                                    </p:set>
+                                  </p:childTnLst>
+                                </p:cTn>
+                              </p:par>
+                            </p:childTnLst>
+                          </p:cTn>
+                        </p:par>
+                      </p:childTnLst>
+                    </p:cTn>
+                  </p:par>
+                  <p:par>
+                    <p:cTn id="13" fill="hold">
+                      <p:stCondLst>
+                        <p:cond delay="indefinite"/>
+                      </p:stCondLst>
+                      <p:childTnLst>
+                        <p:par>
+                          <p:cTn id="14" fill="hold">
+                            <p:stCondLst>
+                              <p:cond delay="0"/>
+                            </p:stCondLst>
+                            <p:childTnLst>
+                              <p:par>
+                                <p:cTn id="15" presetID="1" presetClass="entr" presetSubtype="0" fill="hold" grpId="0" nodeType="clickEffect">
+                                  <p:stCondLst>
+                                    <p:cond delay="0"/>
+                                  </p:stCondLst>
+                                  <p:childTnLst>
+                                    <p:set>
+                                      <p:cBhvr>
+                                        <p:cTn id="16" dur="1" fill="hold">
+                                          <p:stCondLst>
+                                            <p:cond delay="0"/>
+                                          </p:stCondLst>
+                                        </p:cTn>
+                                        <p:tgtEl>
+                                          <p:spTgt spid="254">
+                                            <p:txEl>
+                                              <p:pRg st="3" end="3"/>
+                                            </p:txEl>
+                                          </p:spTgt>
+                                        </p:tgtEl>
+                                        <p:attrNameLst>
+                                          <p:attrName>style.visibility</p:attrName>
+                                        </p:attrNameLst>
+                                      </p:cBhvr>
+                                      <p:to>
+                                        <p:strVal val="visible"/>
+                                      </p:to>
+                                    </p:set>
+                                  </p:childTnLst>
+                                </p:cTn>
+                              </p:par>
+                            </p:childTnLst>
+                          </p:cTn>
+                        </p:par>
+                      </p:childTnLst>
+                    </p:cTn>
+                  </p:par>
+                  <p:par>
+                    <p:cTn id="17" fill="hold">
+                      <p:stCondLst>
+                        <p:cond delay="indefinite"/>
+                      </p:stCondLst>
+                      <p:childTnLst>
+                        <p:par>
+                          <p:cTn id="18" fill="hold">
+                            <p:stCondLst>
+                              <p:cond delay="0"/>
+                            </p:stCondLst>
+                            <p:childTnLst>
+                              <p:par>
+                                <p:cTn id="19" presetID="1" presetClass="entr" presetSubtype="0" fill="hold" grpId="0" nodeType="clickEffect">
+                                  <p:stCondLst>
+                                    <p:cond delay="0"/>
+                                  </p:stCondLst>
+                                  <p:childTnLst>
+                                    <p:set>
+                                      <p:cBhvr>
+                                        <p:cTn id="20" dur="1" fill="hold">
+                                          <p:stCondLst>
+                                            <p:cond delay="0"/>
+                                          </p:stCondLst>
+                                        </p:cTn>
+                                        <p:tgtEl>
+                                          <p:spTgt spid="254">
+                                            <p:txEl>
+                                              <p:pRg st="4" end="4"/>
+                                            </p:txEl>
+                                          </p:spTgt>
+                                        </p:tgtEl>
+                                        <p:attrNameLst>
+                                          <p:attrName>style.visibility</p:attrName>
+                                        </p:attrNameLst>
+                                      </p:cBhvr>
+                                      <p:to>
+                                        <p:strVal val="visible"/>
+                                      </p:to>
+                                    </p:set>
+                                  </p:childTnLst>
+                                </p:cTn>
+                              </p:par>
+                            </p:childTnLst>
+                          </p:cTn>
+                        </p:par>
+                      </p:childTnLst>
+                    </p:cTn>
+                  </p:par>
+                  <p:par>
+                    <p:cTn id="21" fill="hold">
+                      <p:stCondLst>
+                        <p:cond delay="indefinite"/>
+                      </p:stCondLst>
+                      <p:childTnLst>
+                        <p:par>
+                          <p:cTn id="22" fill="hold">
+                            <p:stCondLst>
+                              <p:cond delay="0"/>
+                            </p:stCondLst>
+                            <p:childTnLst>
+                              <p:par>
+                                <p:cTn id="23" presetID="1" presetClass="entr" presetSubtype="0" fill="hold" grpId="0" nodeType="clickEffect">
+                                  <p:stCondLst>
+                                    <p:cond delay="0"/>
+                                  </p:stCondLst>
+                                  <p:childTnLst>
+                                    <p:set>
+                                      <p:cBhvr>
+                                        <p:cTn id="24" dur="1" fill="hold">
+                                          <p:stCondLst>
+                                            <p:cond delay="0"/>
+                                          </p:stCondLst>
+                                        </p:cTn>
+                                        <p:tgtEl>
+                                          <p:spTgt spid="254">
+                                            <p:txEl>
+                                              <p:pRg st="5" end="5"/>
+                                            </p:txEl>
+                                          </p:spTgt>
+                                        </p:tgtEl>
+                                        <p:attrNameLst>
+                                          <p:attrName>style.visibility</p:attrName>
+                                        </p:attrNameLst>
+                                      </p:cBhvr>
+                                      <p:to>
+                                        <p:strVal val="visible"/>
+                                      </p:to>
+                                    </p:set>
+                                  </p:childTnLst>
+                                </p:cTn>
+                              </p:par>
+                            </p:childTnLst>
+                          </p:cTn>
+                        </p:par>
+                      </p:childTnLst>
+                    </p:cTn>
+                  </p:par>
+                </p:childTnLst>
+              </p:cTn>
+              <p:prevCondLst>
+                <p:cond evt="onPrev" delay="0">
+                  <p:tgtEl>
+                    <p:sldTgt/>
+                  </p:tgtEl>
+                </p:cond>
+              </p:prevCondLst>
+              <p:nextCondLst>
+                <p:cond evt="onNext" delay="0">
+                  <p:tgtEl>
+                    <p:sldTgt/>
+                  </p:tgtEl>
+                </p:cond>
+              </p:nextCondLst>
+            </p:seq>
+          </p:childTnLst>
+        </p:cTn>
+      </p:par>
+    </p:tnLst>
+    <p:bldLst>
+      <p:bldP spid="254" grpId="0" build="p"/>
+    </p:bldLst>
+  </p:timing>
+</p:sld>
+</file>
+
+<file path=ppt/slides/slide4.xml><?xml version="1.0" encoding="utf-8"?>
 <p:sld xmlns:a="http://schemas.openxmlformats.org/drawingml/2006/main" xmlns:r="http://schemas.openxmlformats.org/officeDocument/2006/relationships" xmlns:p="http://schemas.openxmlformats.org/presentationml/2006/main">
   <p:cSld>
     <p:spTree>
@@ -37338,7 +40065,7 @@
             </a:pPr>
             <a:fld id="{00000000-1234-1234-1234-123412341234}" type="slidenum">
               <a:rPr lang="en-US"/>
-              <a:t>1</a:t>
+              <a:t>3</a:t>
             </a:fld>
             <a:endParaRPr/>
           </a:p>
@@ -37622,6 +40349,6242 @@
       <p:bldP spid="247" grpId="0" build="p"/>
     </p:bldLst>
   </p:timing>
+</p:sld>
+</file>
+
+<file path=ppt/slides/slide5.xml><?xml version="1.0" encoding="utf-8"?>
+<p:sld xmlns:a="http://schemas.openxmlformats.org/drawingml/2006/main" xmlns:r="http://schemas.openxmlformats.org/officeDocument/2006/relationships" xmlns:p="http://schemas.openxmlformats.org/presentationml/2006/main">
+  <p:cSld>
+    <p:spTree>
+      <p:nvGrpSpPr>
+        <p:cNvPr id="1" name="Shape 259"/>
+        <p:cNvGrpSpPr/>
+        <p:nvPr/>
+      </p:nvGrpSpPr>
+      <p:grpSpPr>
+        <a:xfrm>
+          <a:off x="0" y="0"/>
+          <a:ext cx="0" cy="0"/>
+          <a:chOff x="0" y="0"/>
+          <a:chExt cx="0" cy="0"/>
+        </a:xfrm>
+      </p:grpSpPr>
+      <p:sp>
+        <p:nvSpPr>
+          <p:cNvPr id="260" name="Google Shape;260;p22"/>
+          <p:cNvSpPr txBox="1">
+            <a:spLocks noGrp="1"/>
+          </p:cNvSpPr>
+          <p:nvPr>
+            <p:ph type="title"/>
+          </p:nvPr>
+        </p:nvSpPr>
+        <p:spPr>
+          <a:xfrm>
+            <a:off x="380010" y="-4950"/>
+            <a:ext cx="6222671" cy="1224150"/>
+          </a:xfrm>
+          <a:prstGeom prst="rect">
+            <a:avLst/>
+          </a:prstGeom>
+          <a:noFill/>
+          <a:ln>
+            <a:noFill/>
+          </a:ln>
+        </p:spPr>
+        <p:txBody>
+          <a:bodyPr spcFirstLastPara="1" wrap="square" lIns="91425" tIns="45700" rIns="91425" bIns="45700" anchor="ctr" anchorCtr="0">
+            <a:noAutofit/>
+          </a:bodyPr>
+          <a:lstStyle/>
+          <a:p>
+            <a:pPr marL="0" lvl="0" indent="0" algn="l" rtl="0">
+              <a:spcBef>
+                <a:spcPts val="0"/>
+              </a:spcBef>
+              <a:spcAft>
+                <a:spcPts val="0"/>
+              </a:spcAft>
+              <a:buClr>
+                <a:schemeClr val="lt1"/>
+              </a:buClr>
+              <a:buSzPts val="2400"/>
+              <a:buFont typeface="Arial"/>
+              <a:buNone/>
+            </a:pPr>
+            <a:r>
+              <a:rPr lang="en-US"/>
+              <a:t>Why Use Either?</a:t>
+            </a:r>
+            <a:endParaRPr/>
+          </a:p>
+        </p:txBody>
+      </p:sp>
+      <p:sp>
+        <p:nvSpPr>
+          <p:cNvPr id="261" name="Google Shape;261;p22"/>
+          <p:cNvSpPr txBox="1">
+            <a:spLocks noGrp="1"/>
+          </p:cNvSpPr>
+          <p:nvPr>
+            <p:ph type="body" idx="1"/>
+          </p:nvPr>
+        </p:nvSpPr>
+        <p:spPr>
+          <a:xfrm>
+            <a:off x="380010" y="1481446"/>
+            <a:ext cx="8383980" cy="4525963"/>
+          </a:xfrm>
+          <a:prstGeom prst="rect">
+            <a:avLst/>
+          </a:prstGeom>
+          <a:noFill/>
+          <a:ln>
+            <a:noFill/>
+          </a:ln>
+        </p:spPr>
+        <p:txBody>
+          <a:bodyPr spcFirstLastPara="1" wrap="square" lIns="91425" tIns="45700" rIns="91425" bIns="45700" anchor="t" anchorCtr="0">
+            <a:noAutofit/>
+          </a:bodyPr>
+          <a:lstStyle/>
+          <a:p>
+            <a:pPr marL="342900" lvl="0" indent="-342900" algn="l" rtl="0">
+              <a:spcBef>
+                <a:spcPts val="0"/>
+              </a:spcBef>
+              <a:spcAft>
+                <a:spcPts val="0"/>
+              </a:spcAft>
+              <a:buSzPts val="2590"/>
+              <a:buChar char="•"/>
+            </a:pPr>
+            <a:r>
+              <a:rPr lang="en-US" sz="2590" dirty="0"/>
+              <a:t>Abstract classes are structures that contain state and behaviors. Interfaces better define behaviors only.</a:t>
+            </a:r>
+            <a:endParaRPr dirty="0"/>
+          </a:p>
+          <a:p>
+            <a:pPr marL="342900" lvl="0" indent="-342900" algn="l" rtl="0">
+              <a:spcBef>
+                <a:spcPts val="518"/>
+              </a:spcBef>
+              <a:spcAft>
+                <a:spcPts val="0"/>
+              </a:spcAft>
+              <a:buSzPts val="2590"/>
+              <a:buChar char="•"/>
+            </a:pPr>
+            <a:r>
+              <a:rPr lang="en-US" sz="2590" dirty="0"/>
+              <a:t>If a behavior is reliant on what something </a:t>
+            </a:r>
+            <a:r>
+              <a:rPr lang="en-US" sz="2590" i="1" dirty="0"/>
+              <a:t>is</a:t>
+            </a:r>
+            <a:r>
+              <a:rPr lang="en-US" sz="2590" dirty="0"/>
+              <a:t>, it should go in an abstract class. If it can be described separately from the state, it should go in an interface.</a:t>
+            </a:r>
+            <a:endParaRPr dirty="0"/>
+          </a:p>
+          <a:p>
+            <a:pPr marL="342900" lvl="0" indent="-342900" algn="l" rtl="0">
+              <a:spcBef>
+                <a:spcPts val="518"/>
+              </a:spcBef>
+              <a:spcAft>
+                <a:spcPts val="0"/>
+              </a:spcAft>
+              <a:buSzPts val="2590"/>
+              <a:buChar char="•"/>
+            </a:pPr>
+            <a:r>
+              <a:rPr lang="en-US" sz="2590" dirty="0"/>
+              <a:t>Use an abstract class when you want to have a common “root” class, but you don’t want it instantiated.</a:t>
+            </a:r>
+            <a:endParaRPr dirty="0"/>
+          </a:p>
+          <a:p>
+            <a:pPr marL="342900" lvl="0" indent="-342900" algn="l" rtl="0">
+              <a:spcBef>
+                <a:spcPts val="518"/>
+              </a:spcBef>
+              <a:spcAft>
+                <a:spcPts val="0"/>
+              </a:spcAft>
+              <a:buSzPts val="2590"/>
+              <a:buChar char="•"/>
+            </a:pPr>
+            <a:r>
+              <a:rPr lang="en-US" sz="2590" dirty="0"/>
+              <a:t>Use interfaces when you just want to define behavior.</a:t>
+            </a:r>
+            <a:endParaRPr dirty="0"/>
+          </a:p>
+        </p:txBody>
+      </p:sp>
+      <p:sp>
+        <p:nvSpPr>
+          <p:cNvPr id="262" name="Google Shape;262;p22"/>
+          <p:cNvSpPr txBox="1">
+            <a:spLocks noGrp="1"/>
+          </p:cNvSpPr>
+          <p:nvPr>
+            <p:ph type="sldNum" idx="12"/>
+          </p:nvPr>
+        </p:nvSpPr>
+        <p:spPr>
+          <a:xfrm>
+            <a:off x="8122757" y="6363712"/>
+            <a:ext cx="861671" cy="365125"/>
+          </a:xfrm>
+          <a:prstGeom prst="rect">
+            <a:avLst/>
+          </a:prstGeom>
+          <a:noFill/>
+          <a:ln>
+            <a:noFill/>
+          </a:ln>
+        </p:spPr>
+        <p:txBody>
+          <a:bodyPr spcFirstLastPara="1" wrap="square" lIns="91425" tIns="45700" rIns="91425" bIns="45700" anchor="ctr" anchorCtr="0">
+            <a:noAutofit/>
+          </a:bodyPr>
+          <a:lstStyle/>
+          <a:p>
+            <a:pPr marL="0" lvl="0" indent="0" algn="r" rtl="0">
+              <a:spcBef>
+                <a:spcPts val="0"/>
+              </a:spcBef>
+              <a:spcAft>
+                <a:spcPts val="0"/>
+              </a:spcAft>
+              <a:buNone/>
+            </a:pPr>
+            <a:fld id="{00000000-1234-1234-1234-123412341234}" type="slidenum">
+              <a:rPr lang="en-US"/>
+              <a:t>4</a:t>
+            </a:fld>
+            <a:endParaRPr/>
+          </a:p>
+        </p:txBody>
+      </p:sp>
+    </p:spTree>
+  </p:cSld>
+  <p:clrMapOvr>
+    <a:masterClrMapping/>
+  </p:clrMapOvr>
+  <p:timing>
+    <p:tnLst>
+      <p:par>
+        <p:cTn id="1" dur="indefinite" restart="never" nodeType="tmRoot">
+          <p:childTnLst>
+            <p:seq concurrent="1" nextAc="seek">
+              <p:cTn id="2" dur="indefinite" nodeType="mainSeq">
+                <p:childTnLst>
+                  <p:par>
+                    <p:cTn id="3" fill="hold">
+                      <p:stCondLst>
+                        <p:cond delay="indefinite"/>
+                      </p:stCondLst>
+                      <p:childTnLst>
+                        <p:par>
+                          <p:cTn id="4" fill="hold">
+                            <p:stCondLst>
+                              <p:cond delay="0"/>
+                            </p:stCondLst>
+                            <p:childTnLst>
+                              <p:par>
+                                <p:cTn id="5" presetID="1" presetClass="entr" presetSubtype="0" fill="hold" grpId="0" nodeType="clickEffect">
+                                  <p:stCondLst>
+                                    <p:cond delay="0"/>
+                                  </p:stCondLst>
+                                  <p:childTnLst>
+                                    <p:set>
+                                      <p:cBhvr>
+                                        <p:cTn id="6" dur="1" fill="hold">
+                                          <p:stCondLst>
+                                            <p:cond delay="0"/>
+                                          </p:stCondLst>
+                                        </p:cTn>
+                                        <p:tgtEl>
+                                          <p:spTgt spid="261">
+                                            <p:txEl>
+                                              <p:pRg st="0" end="0"/>
+                                            </p:txEl>
+                                          </p:spTgt>
+                                        </p:tgtEl>
+                                        <p:attrNameLst>
+                                          <p:attrName>style.visibility</p:attrName>
+                                        </p:attrNameLst>
+                                      </p:cBhvr>
+                                      <p:to>
+                                        <p:strVal val="visible"/>
+                                      </p:to>
+                                    </p:set>
+                                  </p:childTnLst>
+                                </p:cTn>
+                              </p:par>
+                            </p:childTnLst>
+                          </p:cTn>
+                        </p:par>
+                      </p:childTnLst>
+                    </p:cTn>
+                  </p:par>
+                  <p:par>
+                    <p:cTn id="7" fill="hold">
+                      <p:stCondLst>
+                        <p:cond delay="indefinite"/>
+                      </p:stCondLst>
+                      <p:childTnLst>
+                        <p:par>
+                          <p:cTn id="8" fill="hold">
+                            <p:stCondLst>
+                              <p:cond delay="0"/>
+                            </p:stCondLst>
+                            <p:childTnLst>
+                              <p:par>
+                                <p:cTn id="9" presetID="1" presetClass="entr" presetSubtype="0" fill="hold" grpId="0" nodeType="clickEffect">
+                                  <p:stCondLst>
+                                    <p:cond delay="0"/>
+                                  </p:stCondLst>
+                                  <p:childTnLst>
+                                    <p:set>
+                                      <p:cBhvr>
+                                        <p:cTn id="10" dur="1" fill="hold">
+                                          <p:stCondLst>
+                                            <p:cond delay="0"/>
+                                          </p:stCondLst>
+                                        </p:cTn>
+                                        <p:tgtEl>
+                                          <p:spTgt spid="261">
+                                            <p:txEl>
+                                              <p:pRg st="1" end="1"/>
+                                            </p:txEl>
+                                          </p:spTgt>
+                                        </p:tgtEl>
+                                        <p:attrNameLst>
+                                          <p:attrName>style.visibility</p:attrName>
+                                        </p:attrNameLst>
+                                      </p:cBhvr>
+                                      <p:to>
+                                        <p:strVal val="visible"/>
+                                      </p:to>
+                                    </p:set>
+                                  </p:childTnLst>
+                                </p:cTn>
+                              </p:par>
+                            </p:childTnLst>
+                          </p:cTn>
+                        </p:par>
+                      </p:childTnLst>
+                    </p:cTn>
+                  </p:par>
+                  <p:par>
+                    <p:cTn id="11" fill="hold">
+                      <p:stCondLst>
+                        <p:cond delay="indefinite"/>
+                      </p:stCondLst>
+                      <p:childTnLst>
+                        <p:par>
+                          <p:cTn id="12" fill="hold">
+                            <p:stCondLst>
+                              <p:cond delay="0"/>
+                            </p:stCondLst>
+                            <p:childTnLst>
+                              <p:par>
+                                <p:cTn id="13" presetID="1" presetClass="entr" presetSubtype="0" fill="hold" grpId="0" nodeType="clickEffect">
+                                  <p:stCondLst>
+                                    <p:cond delay="0"/>
+                                  </p:stCondLst>
+                                  <p:childTnLst>
+                                    <p:set>
+                                      <p:cBhvr>
+                                        <p:cTn id="14" dur="1" fill="hold">
+                                          <p:stCondLst>
+                                            <p:cond delay="0"/>
+                                          </p:stCondLst>
+                                        </p:cTn>
+                                        <p:tgtEl>
+                                          <p:spTgt spid="261">
+                                            <p:txEl>
+                                              <p:pRg st="2" end="2"/>
+                                            </p:txEl>
+                                          </p:spTgt>
+                                        </p:tgtEl>
+                                        <p:attrNameLst>
+                                          <p:attrName>style.visibility</p:attrName>
+                                        </p:attrNameLst>
+                                      </p:cBhvr>
+                                      <p:to>
+                                        <p:strVal val="visible"/>
+                                      </p:to>
+                                    </p:set>
+                                  </p:childTnLst>
+                                </p:cTn>
+                              </p:par>
+                            </p:childTnLst>
+                          </p:cTn>
+                        </p:par>
+                      </p:childTnLst>
+                    </p:cTn>
+                  </p:par>
+                  <p:par>
+                    <p:cTn id="15" fill="hold">
+                      <p:stCondLst>
+                        <p:cond delay="indefinite"/>
+                      </p:stCondLst>
+                      <p:childTnLst>
+                        <p:par>
+                          <p:cTn id="16" fill="hold">
+                            <p:stCondLst>
+                              <p:cond delay="0"/>
+                            </p:stCondLst>
+                            <p:childTnLst>
+                              <p:par>
+                                <p:cTn id="17" presetID="1" presetClass="entr" presetSubtype="0" fill="hold" grpId="0" nodeType="clickEffect">
+                                  <p:stCondLst>
+                                    <p:cond delay="0"/>
+                                  </p:stCondLst>
+                                  <p:childTnLst>
+                                    <p:set>
+                                      <p:cBhvr>
+                                        <p:cTn id="18" dur="1" fill="hold">
+                                          <p:stCondLst>
+                                            <p:cond delay="0"/>
+                                          </p:stCondLst>
+                                        </p:cTn>
+                                        <p:tgtEl>
+                                          <p:spTgt spid="261">
+                                            <p:txEl>
+                                              <p:pRg st="3" end="3"/>
+                                            </p:txEl>
+                                          </p:spTgt>
+                                        </p:tgtEl>
+                                        <p:attrNameLst>
+                                          <p:attrName>style.visibility</p:attrName>
+                                        </p:attrNameLst>
+                                      </p:cBhvr>
+                                      <p:to>
+                                        <p:strVal val="visible"/>
+                                      </p:to>
+                                    </p:set>
+                                  </p:childTnLst>
+                                </p:cTn>
+                              </p:par>
+                            </p:childTnLst>
+                          </p:cTn>
+                        </p:par>
+                      </p:childTnLst>
+                    </p:cTn>
+                  </p:par>
+                </p:childTnLst>
+              </p:cTn>
+              <p:prevCondLst>
+                <p:cond evt="onPrev" delay="0">
+                  <p:tgtEl>
+                    <p:sldTgt/>
+                  </p:tgtEl>
+                </p:cond>
+              </p:prevCondLst>
+              <p:nextCondLst>
+                <p:cond evt="onNext" delay="0">
+                  <p:tgtEl>
+                    <p:sldTgt/>
+                  </p:tgtEl>
+                </p:cond>
+              </p:nextCondLst>
+            </p:seq>
+          </p:childTnLst>
+        </p:cTn>
+      </p:par>
+    </p:tnLst>
+    <p:bldLst>
+      <p:bldP spid="261" grpId="0" build="p"/>
+    </p:bldLst>
+  </p:timing>
+</p:sld>
+</file>
+
+<file path=ppt/slides/slide6.xml><?xml version="1.0" encoding="utf-8"?>
+<p:sld xmlns:a="http://schemas.openxmlformats.org/drawingml/2006/main" xmlns:r="http://schemas.openxmlformats.org/officeDocument/2006/relationships" xmlns:p="http://schemas.openxmlformats.org/presentationml/2006/main">
+  <p:cSld>
+    <p:spTree>
+      <p:nvGrpSpPr>
+        <p:cNvPr id="1" name="Shape 266"/>
+        <p:cNvGrpSpPr/>
+        <p:nvPr/>
+      </p:nvGrpSpPr>
+      <p:grpSpPr>
+        <a:xfrm>
+          <a:off x="0" y="0"/>
+          <a:ext cx="0" cy="0"/>
+          <a:chOff x="0" y="0"/>
+          <a:chExt cx="0" cy="0"/>
+        </a:xfrm>
+      </p:grpSpPr>
+      <p:sp>
+        <p:nvSpPr>
+          <p:cNvPr id="267" name="Google Shape;267;p23"/>
+          <p:cNvSpPr txBox="1">
+            <a:spLocks noGrp="1"/>
+          </p:cNvSpPr>
+          <p:nvPr>
+            <p:ph type="title"/>
+          </p:nvPr>
+        </p:nvSpPr>
+        <p:spPr>
+          <a:xfrm>
+            <a:off x="380010" y="-4950"/>
+            <a:ext cx="6222671" cy="1224150"/>
+          </a:xfrm>
+          <a:prstGeom prst="rect">
+            <a:avLst/>
+          </a:prstGeom>
+          <a:noFill/>
+          <a:ln>
+            <a:noFill/>
+          </a:ln>
+        </p:spPr>
+        <p:txBody>
+          <a:bodyPr spcFirstLastPara="1" wrap="square" lIns="91425" tIns="45700" rIns="91425" bIns="45700" anchor="ctr" anchorCtr="0">
+            <a:noAutofit/>
+          </a:bodyPr>
+          <a:lstStyle/>
+          <a:p>
+            <a:pPr marL="0" lvl="0" indent="0" algn="l" rtl="0">
+              <a:spcBef>
+                <a:spcPts val="0"/>
+              </a:spcBef>
+              <a:spcAft>
+                <a:spcPts val="0"/>
+              </a:spcAft>
+              <a:buClr>
+                <a:schemeClr val="lt1"/>
+              </a:buClr>
+              <a:buSzPts val="2400"/>
+              <a:buFont typeface="Arial"/>
+              <a:buNone/>
+            </a:pPr>
+            <a:r>
+              <a:rPr lang="en-US"/>
+              <a:t>A Metaphor…	</a:t>
+            </a:r>
+            <a:endParaRPr/>
+          </a:p>
+        </p:txBody>
+      </p:sp>
+      <p:sp>
+        <p:nvSpPr>
+          <p:cNvPr id="268" name="Google Shape;268;p23"/>
+          <p:cNvSpPr txBox="1">
+            <a:spLocks noGrp="1"/>
+          </p:cNvSpPr>
+          <p:nvPr>
+            <p:ph type="body" idx="1"/>
+          </p:nvPr>
+        </p:nvSpPr>
+        <p:spPr>
+          <a:xfrm>
+            <a:off x="380010" y="1530417"/>
+            <a:ext cx="8176849" cy="4543123"/>
+          </a:xfrm>
+          <a:prstGeom prst="rect">
+            <a:avLst/>
+          </a:prstGeom>
+          <a:noFill/>
+          <a:ln>
+            <a:noFill/>
+          </a:ln>
+        </p:spPr>
+        <p:txBody>
+          <a:bodyPr spcFirstLastPara="1" wrap="square" lIns="91425" tIns="45700" rIns="91425" bIns="45700" anchor="t" anchorCtr="0">
+            <a:noAutofit/>
+          </a:bodyPr>
+          <a:lstStyle/>
+          <a:p>
+            <a:pPr marL="342900" lvl="0" indent="-342900" algn="l" rtl="0">
+              <a:lnSpc>
+                <a:spcPct val="80000"/>
+              </a:lnSpc>
+              <a:spcBef>
+                <a:spcPts val="0"/>
+              </a:spcBef>
+              <a:spcAft>
+                <a:spcPts val="0"/>
+              </a:spcAft>
+              <a:buSzPts val="2590"/>
+              <a:buChar char="•"/>
+            </a:pPr>
+            <a:r>
+              <a:rPr lang="en-US" sz="2590" dirty="0"/>
+              <a:t>All USAF pilots go through training on skills that are shared across all models of plane. A USAF pilot is a stateful object – each has a name, rank, etc.</a:t>
+            </a:r>
+            <a:endParaRPr dirty="0"/>
+          </a:p>
+          <a:p>
+            <a:pPr marL="742950" lvl="1" indent="-285750" algn="l" rtl="0">
+              <a:lnSpc>
+                <a:spcPct val="80000"/>
+              </a:lnSpc>
+              <a:spcBef>
+                <a:spcPts val="444"/>
+              </a:spcBef>
+              <a:spcAft>
+                <a:spcPts val="0"/>
+              </a:spcAft>
+              <a:buSzPts val="2220"/>
+              <a:buChar char="–"/>
+            </a:pPr>
+            <a:r>
+              <a:rPr lang="en-US" sz="2220" dirty="0"/>
+              <a:t>An abstract class.</a:t>
+            </a:r>
+            <a:endParaRPr dirty="0"/>
+          </a:p>
+          <a:p>
+            <a:pPr marL="342900" lvl="0" indent="-342900" algn="l" rtl="0">
+              <a:lnSpc>
+                <a:spcPct val="80000"/>
+              </a:lnSpc>
+              <a:spcBef>
+                <a:spcPts val="518"/>
+              </a:spcBef>
+              <a:spcAft>
+                <a:spcPts val="0"/>
+              </a:spcAft>
+              <a:buSzPts val="2590"/>
+              <a:buChar char="•"/>
+            </a:pPr>
+            <a:r>
+              <a:rPr lang="en-US" sz="2590" dirty="0"/>
+              <a:t>A USAF pilot is also assigned to a specific model of plane, for which they receive additional training. A C-17 Pilot is an example.</a:t>
+            </a:r>
+            <a:endParaRPr dirty="0"/>
+          </a:p>
+          <a:p>
+            <a:pPr marL="742950" lvl="1" indent="-285750" algn="l" rtl="0">
+              <a:lnSpc>
+                <a:spcPct val="80000"/>
+              </a:lnSpc>
+              <a:spcBef>
+                <a:spcPts val="444"/>
+              </a:spcBef>
+              <a:spcAft>
+                <a:spcPts val="0"/>
+              </a:spcAft>
+              <a:buSzPts val="2220"/>
+              <a:buChar char="–"/>
+            </a:pPr>
+            <a:r>
+              <a:rPr lang="en-US" sz="2220" dirty="0"/>
+              <a:t>A concrete class that extends USAF Pilot</a:t>
+            </a:r>
+            <a:endParaRPr dirty="0"/>
+          </a:p>
+          <a:p>
+            <a:pPr marL="342900" lvl="0" indent="-342900" algn="l" rtl="0">
+              <a:lnSpc>
+                <a:spcPct val="80000"/>
+              </a:lnSpc>
+              <a:spcBef>
+                <a:spcPts val="518"/>
+              </a:spcBef>
+              <a:spcAft>
+                <a:spcPts val="0"/>
+              </a:spcAft>
+              <a:buSzPts val="2590"/>
+              <a:buChar char="•"/>
+            </a:pPr>
+            <a:r>
+              <a:rPr lang="en-US" sz="2590" dirty="0"/>
+              <a:t>Any pilot may be designated as a “safety officer” for a flight, which confers a set of operations and checks they must complete. These checks are universal.</a:t>
+            </a:r>
+            <a:endParaRPr dirty="0"/>
+          </a:p>
+          <a:p>
+            <a:pPr marL="742950" lvl="1" indent="-285750" algn="l" rtl="0">
+              <a:lnSpc>
+                <a:spcPct val="80000"/>
+              </a:lnSpc>
+              <a:spcBef>
+                <a:spcPts val="444"/>
+              </a:spcBef>
+              <a:spcAft>
+                <a:spcPts val="0"/>
+              </a:spcAft>
+              <a:buSzPts val="2220"/>
+              <a:buChar char="–"/>
+            </a:pPr>
+            <a:r>
+              <a:rPr lang="en-US" sz="2220" dirty="0"/>
+              <a:t>An interface that can be implemented by a USAF pilot</a:t>
+            </a:r>
+            <a:endParaRPr dirty="0"/>
+          </a:p>
+        </p:txBody>
+      </p:sp>
+      <p:sp>
+        <p:nvSpPr>
+          <p:cNvPr id="269" name="Google Shape;269;p23"/>
+          <p:cNvSpPr txBox="1">
+            <a:spLocks noGrp="1"/>
+          </p:cNvSpPr>
+          <p:nvPr>
+            <p:ph type="sldNum" idx="12"/>
+          </p:nvPr>
+        </p:nvSpPr>
+        <p:spPr>
+          <a:xfrm>
+            <a:off x="8122757" y="6363712"/>
+            <a:ext cx="861671" cy="365125"/>
+          </a:xfrm>
+          <a:prstGeom prst="rect">
+            <a:avLst/>
+          </a:prstGeom>
+          <a:noFill/>
+          <a:ln>
+            <a:noFill/>
+          </a:ln>
+        </p:spPr>
+        <p:txBody>
+          <a:bodyPr spcFirstLastPara="1" wrap="square" lIns="91425" tIns="45700" rIns="91425" bIns="45700" anchor="ctr" anchorCtr="0">
+            <a:noAutofit/>
+          </a:bodyPr>
+          <a:lstStyle/>
+          <a:p>
+            <a:pPr marL="0" lvl="0" indent="0" algn="r" rtl="0">
+              <a:spcBef>
+                <a:spcPts val="0"/>
+              </a:spcBef>
+              <a:spcAft>
+                <a:spcPts val="0"/>
+              </a:spcAft>
+              <a:buNone/>
+            </a:pPr>
+            <a:fld id="{00000000-1234-1234-1234-123412341234}" type="slidenum">
+              <a:rPr lang="en-US"/>
+              <a:t>5</a:t>
+            </a:fld>
+            <a:endParaRPr/>
+          </a:p>
+        </p:txBody>
+      </p:sp>
+    </p:spTree>
+  </p:cSld>
+  <p:clrMapOvr>
+    <a:masterClrMapping/>
+  </p:clrMapOvr>
+  <p:timing>
+    <p:tnLst>
+      <p:par>
+        <p:cTn id="1" dur="indefinite" restart="never" nodeType="tmRoot">
+          <p:childTnLst>
+            <p:seq concurrent="1" nextAc="seek">
+              <p:cTn id="2" dur="indefinite" nodeType="mainSeq">
+                <p:childTnLst>
+                  <p:par>
+                    <p:cTn id="3" fill="hold">
+                      <p:stCondLst>
+                        <p:cond delay="indefinite"/>
+                      </p:stCondLst>
+                      <p:childTnLst>
+                        <p:par>
+                          <p:cTn id="4" fill="hold">
+                            <p:stCondLst>
+                              <p:cond delay="0"/>
+                            </p:stCondLst>
+                            <p:childTnLst>
+                              <p:par>
+                                <p:cTn id="5" presetID="1" presetClass="entr" presetSubtype="0" fill="hold" grpId="0" nodeType="clickEffect">
+                                  <p:stCondLst>
+                                    <p:cond delay="0"/>
+                                  </p:stCondLst>
+                                  <p:childTnLst>
+                                    <p:set>
+                                      <p:cBhvr>
+                                        <p:cTn id="6" dur="1" fill="hold">
+                                          <p:stCondLst>
+                                            <p:cond delay="0"/>
+                                          </p:stCondLst>
+                                        </p:cTn>
+                                        <p:tgtEl>
+                                          <p:spTgt spid="268">
+                                            <p:txEl>
+                                              <p:pRg st="0" end="0"/>
+                                            </p:txEl>
+                                          </p:spTgt>
+                                        </p:tgtEl>
+                                        <p:attrNameLst>
+                                          <p:attrName>style.visibility</p:attrName>
+                                        </p:attrNameLst>
+                                      </p:cBhvr>
+                                      <p:to>
+                                        <p:strVal val="visible"/>
+                                      </p:to>
+                                    </p:set>
+                                  </p:childTnLst>
+                                </p:cTn>
+                              </p:par>
+                              <p:par>
+                                <p:cTn id="7" presetID="1" presetClass="entr" presetSubtype="0" fill="hold" grpId="0" nodeType="withEffect">
+                                  <p:stCondLst>
+                                    <p:cond delay="0"/>
+                                  </p:stCondLst>
+                                  <p:childTnLst>
+                                    <p:set>
+                                      <p:cBhvr>
+                                        <p:cTn id="8" dur="1" fill="hold">
+                                          <p:stCondLst>
+                                            <p:cond delay="0"/>
+                                          </p:stCondLst>
+                                        </p:cTn>
+                                        <p:tgtEl>
+                                          <p:spTgt spid="268">
+                                            <p:txEl>
+                                              <p:pRg st="1" end="1"/>
+                                            </p:txEl>
+                                          </p:spTgt>
+                                        </p:tgtEl>
+                                        <p:attrNameLst>
+                                          <p:attrName>style.visibility</p:attrName>
+                                        </p:attrNameLst>
+                                      </p:cBhvr>
+                                      <p:to>
+                                        <p:strVal val="visible"/>
+                                      </p:to>
+                                    </p:set>
+                                  </p:childTnLst>
+                                </p:cTn>
+                              </p:par>
+                            </p:childTnLst>
+                          </p:cTn>
+                        </p:par>
+                      </p:childTnLst>
+                    </p:cTn>
+                  </p:par>
+                  <p:par>
+                    <p:cTn id="9" fill="hold">
+                      <p:stCondLst>
+                        <p:cond delay="indefinite"/>
+                      </p:stCondLst>
+                      <p:childTnLst>
+                        <p:par>
+                          <p:cTn id="10" fill="hold">
+                            <p:stCondLst>
+                              <p:cond delay="0"/>
+                            </p:stCondLst>
+                            <p:childTnLst>
+                              <p:par>
+                                <p:cTn id="11" presetID="1" presetClass="entr" presetSubtype="0" fill="hold" grpId="0" nodeType="clickEffect">
+                                  <p:stCondLst>
+                                    <p:cond delay="0"/>
+                                  </p:stCondLst>
+                                  <p:childTnLst>
+                                    <p:set>
+                                      <p:cBhvr>
+                                        <p:cTn id="12" dur="1" fill="hold">
+                                          <p:stCondLst>
+                                            <p:cond delay="0"/>
+                                          </p:stCondLst>
+                                        </p:cTn>
+                                        <p:tgtEl>
+                                          <p:spTgt spid="268">
+                                            <p:txEl>
+                                              <p:pRg st="2" end="2"/>
+                                            </p:txEl>
+                                          </p:spTgt>
+                                        </p:tgtEl>
+                                        <p:attrNameLst>
+                                          <p:attrName>style.visibility</p:attrName>
+                                        </p:attrNameLst>
+                                      </p:cBhvr>
+                                      <p:to>
+                                        <p:strVal val="visible"/>
+                                      </p:to>
+                                    </p:set>
+                                  </p:childTnLst>
+                                </p:cTn>
+                              </p:par>
+                              <p:par>
+                                <p:cTn id="13" presetID="1" presetClass="entr" presetSubtype="0" fill="hold" grpId="0" nodeType="withEffect">
+                                  <p:stCondLst>
+                                    <p:cond delay="0"/>
+                                  </p:stCondLst>
+                                  <p:childTnLst>
+                                    <p:set>
+                                      <p:cBhvr>
+                                        <p:cTn id="14" dur="1" fill="hold">
+                                          <p:stCondLst>
+                                            <p:cond delay="0"/>
+                                          </p:stCondLst>
+                                        </p:cTn>
+                                        <p:tgtEl>
+                                          <p:spTgt spid="268">
+                                            <p:txEl>
+                                              <p:pRg st="3" end="3"/>
+                                            </p:txEl>
+                                          </p:spTgt>
+                                        </p:tgtEl>
+                                        <p:attrNameLst>
+                                          <p:attrName>style.visibility</p:attrName>
+                                        </p:attrNameLst>
+                                      </p:cBhvr>
+                                      <p:to>
+                                        <p:strVal val="visible"/>
+                                      </p:to>
+                                    </p:set>
+                                  </p:childTnLst>
+                                </p:cTn>
+                              </p:par>
+                            </p:childTnLst>
+                          </p:cTn>
+                        </p:par>
+                      </p:childTnLst>
+                    </p:cTn>
+                  </p:par>
+                  <p:par>
+                    <p:cTn id="15" fill="hold">
+                      <p:stCondLst>
+                        <p:cond delay="indefinite"/>
+                      </p:stCondLst>
+                      <p:childTnLst>
+                        <p:par>
+                          <p:cTn id="16" fill="hold">
+                            <p:stCondLst>
+                              <p:cond delay="0"/>
+                            </p:stCondLst>
+                            <p:childTnLst>
+                              <p:par>
+                                <p:cTn id="17" presetID="1" presetClass="entr" presetSubtype="0" fill="hold" grpId="0" nodeType="clickEffect">
+                                  <p:stCondLst>
+                                    <p:cond delay="0"/>
+                                  </p:stCondLst>
+                                  <p:childTnLst>
+                                    <p:set>
+                                      <p:cBhvr>
+                                        <p:cTn id="18" dur="1" fill="hold">
+                                          <p:stCondLst>
+                                            <p:cond delay="0"/>
+                                          </p:stCondLst>
+                                        </p:cTn>
+                                        <p:tgtEl>
+                                          <p:spTgt spid="268">
+                                            <p:txEl>
+                                              <p:pRg st="4" end="4"/>
+                                            </p:txEl>
+                                          </p:spTgt>
+                                        </p:tgtEl>
+                                        <p:attrNameLst>
+                                          <p:attrName>style.visibility</p:attrName>
+                                        </p:attrNameLst>
+                                      </p:cBhvr>
+                                      <p:to>
+                                        <p:strVal val="visible"/>
+                                      </p:to>
+                                    </p:set>
+                                  </p:childTnLst>
+                                </p:cTn>
+                              </p:par>
+                              <p:par>
+                                <p:cTn id="19" presetID="1" presetClass="entr" presetSubtype="0" fill="hold" grpId="0" nodeType="withEffect">
+                                  <p:stCondLst>
+                                    <p:cond delay="0"/>
+                                  </p:stCondLst>
+                                  <p:childTnLst>
+                                    <p:set>
+                                      <p:cBhvr>
+                                        <p:cTn id="20" dur="1" fill="hold">
+                                          <p:stCondLst>
+                                            <p:cond delay="0"/>
+                                          </p:stCondLst>
+                                        </p:cTn>
+                                        <p:tgtEl>
+                                          <p:spTgt spid="268">
+                                            <p:txEl>
+                                              <p:pRg st="5" end="5"/>
+                                            </p:txEl>
+                                          </p:spTgt>
+                                        </p:tgtEl>
+                                        <p:attrNameLst>
+                                          <p:attrName>style.visibility</p:attrName>
+                                        </p:attrNameLst>
+                                      </p:cBhvr>
+                                      <p:to>
+                                        <p:strVal val="visible"/>
+                                      </p:to>
+                                    </p:set>
+                                  </p:childTnLst>
+                                </p:cTn>
+                              </p:par>
+                            </p:childTnLst>
+                          </p:cTn>
+                        </p:par>
+                      </p:childTnLst>
+                    </p:cTn>
+                  </p:par>
+                </p:childTnLst>
+              </p:cTn>
+              <p:prevCondLst>
+                <p:cond evt="onPrev" delay="0">
+                  <p:tgtEl>
+                    <p:sldTgt/>
+                  </p:tgtEl>
+                </p:cond>
+              </p:prevCondLst>
+              <p:nextCondLst>
+                <p:cond evt="onNext" delay="0">
+                  <p:tgtEl>
+                    <p:sldTgt/>
+                  </p:tgtEl>
+                </p:cond>
+              </p:nextCondLst>
+            </p:seq>
+          </p:childTnLst>
+        </p:cTn>
+      </p:par>
+    </p:tnLst>
+    <p:bldLst>
+      <p:bldP spid="268" grpId="0" build="p"/>
+    </p:bldLst>
+  </p:timing>
+</p:sld>
+</file>
+
+<file path=ppt/slides/slide7.xml><?xml version="1.0" encoding="utf-8"?>
+<p:sld xmlns:a="http://schemas.openxmlformats.org/drawingml/2006/main" xmlns:r="http://schemas.openxmlformats.org/officeDocument/2006/relationships" xmlns:p="http://schemas.openxmlformats.org/presentationml/2006/main">
+  <p:cSld>
+    <p:spTree>
+      <p:nvGrpSpPr>
+        <p:cNvPr id="1" name="Shape 273"/>
+        <p:cNvGrpSpPr/>
+        <p:nvPr/>
+      </p:nvGrpSpPr>
+      <p:grpSpPr>
+        <a:xfrm>
+          <a:off x="0" y="0"/>
+          <a:ext cx="0" cy="0"/>
+          <a:chOff x="0" y="0"/>
+          <a:chExt cx="0" cy="0"/>
+        </a:xfrm>
+      </p:grpSpPr>
+      <p:sp>
+        <p:nvSpPr>
+          <p:cNvPr id="274" name="Google Shape;274;p24"/>
+          <p:cNvSpPr txBox="1">
+            <a:spLocks noGrp="1"/>
+          </p:cNvSpPr>
+          <p:nvPr>
+            <p:ph type="title"/>
+          </p:nvPr>
+        </p:nvSpPr>
+        <p:spPr>
+          <a:xfrm>
+            <a:off x="380010" y="-4950"/>
+            <a:ext cx="6222671" cy="1224150"/>
+          </a:xfrm>
+          <a:prstGeom prst="rect">
+            <a:avLst/>
+          </a:prstGeom>
+          <a:noFill/>
+          <a:ln>
+            <a:noFill/>
+          </a:ln>
+        </p:spPr>
+        <p:txBody>
+          <a:bodyPr spcFirstLastPara="1" wrap="square" lIns="91425" tIns="45700" rIns="91425" bIns="45700" anchor="ctr" anchorCtr="0">
+            <a:noAutofit/>
+          </a:bodyPr>
+          <a:lstStyle/>
+          <a:p>
+            <a:pPr marL="0" lvl="0" indent="0" algn="l" rtl="0">
+              <a:spcBef>
+                <a:spcPts val="0"/>
+              </a:spcBef>
+              <a:spcAft>
+                <a:spcPts val="0"/>
+              </a:spcAft>
+              <a:buClr>
+                <a:schemeClr val="lt1"/>
+              </a:buClr>
+              <a:buSzPts val="2400"/>
+              <a:buFont typeface="Arial"/>
+              <a:buNone/>
+            </a:pPr>
+            <a:r>
+              <a:rPr lang="en-US"/>
+              <a:t>Advanced Usage</a:t>
+            </a:r>
+            <a:endParaRPr/>
+          </a:p>
+        </p:txBody>
+      </p:sp>
+      <p:sp>
+        <p:nvSpPr>
+          <p:cNvPr id="275" name="Google Shape;275;p24"/>
+          <p:cNvSpPr txBox="1">
+            <a:spLocks noGrp="1"/>
+          </p:cNvSpPr>
+          <p:nvPr>
+            <p:ph type="body" idx="1"/>
+          </p:nvPr>
+        </p:nvSpPr>
+        <p:spPr>
+          <a:xfrm>
+            <a:off x="380010" y="1481446"/>
+            <a:ext cx="8383980" cy="4525963"/>
+          </a:xfrm>
+          <a:prstGeom prst="rect">
+            <a:avLst/>
+          </a:prstGeom>
+          <a:noFill/>
+          <a:ln>
+            <a:noFill/>
+          </a:ln>
+        </p:spPr>
+        <p:txBody>
+          <a:bodyPr spcFirstLastPara="1" wrap="square" lIns="91425" tIns="45700" rIns="91425" bIns="45700" anchor="t" anchorCtr="0">
+            <a:noAutofit/>
+          </a:bodyPr>
+          <a:lstStyle/>
+          <a:p>
+            <a:pPr marL="342900" lvl="0" indent="-342900" algn="l" rtl="0">
+              <a:lnSpc>
+                <a:spcPct val="90000"/>
+              </a:lnSpc>
+              <a:spcBef>
+                <a:spcPts val="0"/>
+              </a:spcBef>
+              <a:spcAft>
+                <a:spcPts val="0"/>
+              </a:spcAft>
+              <a:buSzPts val="2800"/>
+              <a:buChar char="•"/>
+            </a:pPr>
+            <a:r>
+              <a:rPr lang="en-US" dirty="0"/>
+              <a:t>Abstract classes and Interfaces are often used in Libraries and Frameworks to give you access to their code (the states and behaviors defined in the library) for extension.</a:t>
+            </a:r>
+            <a:endParaRPr dirty="0"/>
+          </a:p>
+          <a:p>
+            <a:pPr marL="342900" lvl="0" indent="-342900" algn="l" rtl="0">
+              <a:lnSpc>
+                <a:spcPct val="90000"/>
+              </a:lnSpc>
+              <a:spcBef>
+                <a:spcPts val="560"/>
+              </a:spcBef>
+              <a:spcAft>
+                <a:spcPts val="0"/>
+              </a:spcAft>
+              <a:buSzPts val="2800"/>
+              <a:buChar char="•"/>
+            </a:pPr>
+            <a:r>
+              <a:rPr lang="en-US" dirty="0"/>
+              <a:t>Example: The Java Servlets API defines how web applications handle and interpret HTTP requests to run code. </a:t>
+            </a:r>
+            <a:endParaRPr dirty="0"/>
+          </a:p>
+          <a:p>
+            <a:pPr marL="742950" lvl="1" indent="-285750" algn="l" rtl="0">
+              <a:lnSpc>
+                <a:spcPct val="90000"/>
+              </a:lnSpc>
+              <a:spcBef>
+                <a:spcPts val="480"/>
+              </a:spcBef>
+              <a:spcAft>
+                <a:spcPts val="0"/>
+              </a:spcAft>
+              <a:buSzPts val="2400"/>
+              <a:buChar char="–"/>
+            </a:pPr>
+            <a:r>
+              <a:rPr lang="en-US" dirty="0"/>
+              <a:t>The library is designed to work polymorphically with subclasses of library-defined abstract classes.</a:t>
+            </a:r>
+            <a:endParaRPr dirty="0"/>
+          </a:p>
+          <a:p>
+            <a:pPr marL="742950" lvl="1" indent="-285750" algn="l" rtl="0">
+              <a:lnSpc>
+                <a:spcPct val="90000"/>
+              </a:lnSpc>
+              <a:spcBef>
+                <a:spcPts val="480"/>
+              </a:spcBef>
+              <a:spcAft>
+                <a:spcPts val="0"/>
+              </a:spcAft>
+              <a:buSzPts val="2400"/>
+              <a:buChar char="–"/>
+            </a:pPr>
+            <a:r>
+              <a:rPr lang="en-US" dirty="0"/>
+              <a:t>You </a:t>
+            </a:r>
+            <a:r>
+              <a:rPr lang="en-US" i="1" dirty="0"/>
+              <a:t>extend</a:t>
+            </a:r>
+            <a:r>
+              <a:rPr lang="en-US" dirty="0"/>
+              <a:t> the library’s abstract classes to create custom functionality, and register them with the library</a:t>
+            </a:r>
+            <a:endParaRPr dirty="0"/>
+          </a:p>
+        </p:txBody>
+      </p:sp>
+      <p:sp>
+        <p:nvSpPr>
+          <p:cNvPr id="276" name="Google Shape;276;p24"/>
+          <p:cNvSpPr txBox="1">
+            <a:spLocks noGrp="1"/>
+          </p:cNvSpPr>
+          <p:nvPr>
+            <p:ph type="sldNum" idx="12"/>
+          </p:nvPr>
+        </p:nvSpPr>
+        <p:spPr>
+          <a:xfrm>
+            <a:off x="8122757" y="6363712"/>
+            <a:ext cx="861671" cy="365125"/>
+          </a:xfrm>
+          <a:prstGeom prst="rect">
+            <a:avLst/>
+          </a:prstGeom>
+          <a:noFill/>
+          <a:ln>
+            <a:noFill/>
+          </a:ln>
+        </p:spPr>
+        <p:txBody>
+          <a:bodyPr spcFirstLastPara="1" wrap="square" lIns="91425" tIns="45700" rIns="91425" bIns="45700" anchor="ctr" anchorCtr="0">
+            <a:noAutofit/>
+          </a:bodyPr>
+          <a:lstStyle/>
+          <a:p>
+            <a:pPr marL="0" lvl="0" indent="0" algn="r" rtl="0">
+              <a:spcBef>
+                <a:spcPts val="0"/>
+              </a:spcBef>
+              <a:spcAft>
+                <a:spcPts val="0"/>
+              </a:spcAft>
+              <a:buNone/>
+            </a:pPr>
+            <a:fld id="{00000000-1234-1234-1234-123412341234}" type="slidenum">
+              <a:rPr lang="en-US"/>
+              <a:t>6</a:t>
+            </a:fld>
+            <a:endParaRPr/>
+          </a:p>
+        </p:txBody>
+      </p:sp>
+    </p:spTree>
+  </p:cSld>
+  <p:clrMapOvr>
+    <a:masterClrMapping/>
+  </p:clrMapOvr>
+  <p:timing>
+    <p:tnLst>
+      <p:par>
+        <p:cTn id="1" dur="indefinite" restart="never" nodeType="tmRoot">
+          <p:childTnLst>
+            <p:seq concurrent="1" nextAc="seek">
+              <p:cTn id="2" dur="indefinite" nodeType="mainSeq">
+                <p:childTnLst>
+                  <p:par>
+                    <p:cTn id="3" fill="hold">
+                      <p:stCondLst>
+                        <p:cond delay="indefinite"/>
+                      </p:stCondLst>
+                      <p:childTnLst>
+                        <p:par>
+                          <p:cTn id="4" fill="hold">
+                            <p:stCondLst>
+                              <p:cond delay="0"/>
+                            </p:stCondLst>
+                            <p:childTnLst>
+                              <p:par>
+                                <p:cTn id="5" presetID="1" presetClass="entr" presetSubtype="0" fill="hold" grpId="0" nodeType="clickEffect">
+                                  <p:stCondLst>
+                                    <p:cond delay="0"/>
+                                  </p:stCondLst>
+                                  <p:childTnLst>
+                                    <p:set>
+                                      <p:cBhvr>
+                                        <p:cTn id="6" dur="1" fill="hold">
+                                          <p:stCondLst>
+                                            <p:cond delay="0"/>
+                                          </p:stCondLst>
+                                        </p:cTn>
+                                        <p:tgtEl>
+                                          <p:spTgt spid="275">
+                                            <p:txEl>
+                                              <p:pRg st="0" end="0"/>
+                                            </p:txEl>
+                                          </p:spTgt>
+                                        </p:tgtEl>
+                                        <p:attrNameLst>
+                                          <p:attrName>style.visibility</p:attrName>
+                                        </p:attrNameLst>
+                                      </p:cBhvr>
+                                      <p:to>
+                                        <p:strVal val="visible"/>
+                                      </p:to>
+                                    </p:set>
+                                  </p:childTnLst>
+                                </p:cTn>
+                              </p:par>
+                            </p:childTnLst>
+                          </p:cTn>
+                        </p:par>
+                      </p:childTnLst>
+                    </p:cTn>
+                  </p:par>
+                  <p:par>
+                    <p:cTn id="7" fill="hold">
+                      <p:stCondLst>
+                        <p:cond delay="indefinite"/>
+                      </p:stCondLst>
+                      <p:childTnLst>
+                        <p:par>
+                          <p:cTn id="8" fill="hold">
+                            <p:stCondLst>
+                              <p:cond delay="0"/>
+                            </p:stCondLst>
+                            <p:childTnLst>
+                              <p:par>
+                                <p:cTn id="9" presetID="1" presetClass="entr" presetSubtype="0" fill="hold" grpId="0" nodeType="clickEffect">
+                                  <p:stCondLst>
+                                    <p:cond delay="0"/>
+                                  </p:stCondLst>
+                                  <p:childTnLst>
+                                    <p:set>
+                                      <p:cBhvr>
+                                        <p:cTn id="10" dur="1" fill="hold">
+                                          <p:stCondLst>
+                                            <p:cond delay="0"/>
+                                          </p:stCondLst>
+                                        </p:cTn>
+                                        <p:tgtEl>
+                                          <p:spTgt spid="275">
+                                            <p:txEl>
+                                              <p:pRg st="1" end="1"/>
+                                            </p:txEl>
+                                          </p:spTgt>
+                                        </p:tgtEl>
+                                        <p:attrNameLst>
+                                          <p:attrName>style.visibility</p:attrName>
+                                        </p:attrNameLst>
+                                      </p:cBhvr>
+                                      <p:to>
+                                        <p:strVal val="visible"/>
+                                      </p:to>
+                                    </p:set>
+                                  </p:childTnLst>
+                                </p:cTn>
+                              </p:par>
+                              <p:par>
+                                <p:cTn id="11" presetID="1" presetClass="entr" presetSubtype="0" fill="hold" grpId="0" nodeType="withEffect">
+                                  <p:stCondLst>
+                                    <p:cond delay="0"/>
+                                  </p:stCondLst>
+                                  <p:childTnLst>
+                                    <p:set>
+                                      <p:cBhvr>
+                                        <p:cTn id="12" dur="1" fill="hold">
+                                          <p:stCondLst>
+                                            <p:cond delay="0"/>
+                                          </p:stCondLst>
+                                        </p:cTn>
+                                        <p:tgtEl>
+                                          <p:spTgt spid="275">
+                                            <p:txEl>
+                                              <p:pRg st="2" end="2"/>
+                                            </p:txEl>
+                                          </p:spTgt>
+                                        </p:tgtEl>
+                                        <p:attrNameLst>
+                                          <p:attrName>style.visibility</p:attrName>
+                                        </p:attrNameLst>
+                                      </p:cBhvr>
+                                      <p:to>
+                                        <p:strVal val="visible"/>
+                                      </p:to>
+                                    </p:set>
+                                  </p:childTnLst>
+                                </p:cTn>
+                              </p:par>
+                              <p:par>
+                                <p:cTn id="13" presetID="1" presetClass="entr" presetSubtype="0" fill="hold" grpId="0" nodeType="withEffect">
+                                  <p:stCondLst>
+                                    <p:cond delay="0"/>
+                                  </p:stCondLst>
+                                  <p:childTnLst>
+                                    <p:set>
+                                      <p:cBhvr>
+                                        <p:cTn id="14" dur="1" fill="hold">
+                                          <p:stCondLst>
+                                            <p:cond delay="0"/>
+                                          </p:stCondLst>
+                                        </p:cTn>
+                                        <p:tgtEl>
+                                          <p:spTgt spid="275">
+                                            <p:txEl>
+                                              <p:pRg st="3" end="3"/>
+                                            </p:txEl>
+                                          </p:spTgt>
+                                        </p:tgtEl>
+                                        <p:attrNameLst>
+                                          <p:attrName>style.visibility</p:attrName>
+                                        </p:attrNameLst>
+                                      </p:cBhvr>
+                                      <p:to>
+                                        <p:strVal val="visible"/>
+                                      </p:to>
+                                    </p:set>
+                                  </p:childTnLst>
+                                </p:cTn>
+                              </p:par>
+                            </p:childTnLst>
+                          </p:cTn>
+                        </p:par>
+                      </p:childTnLst>
+                    </p:cTn>
+                  </p:par>
+                </p:childTnLst>
+              </p:cTn>
+              <p:prevCondLst>
+                <p:cond evt="onPrev" delay="0">
+                  <p:tgtEl>
+                    <p:sldTgt/>
+                  </p:tgtEl>
+                </p:cond>
+              </p:prevCondLst>
+              <p:nextCondLst>
+                <p:cond evt="onNext" delay="0">
+                  <p:tgtEl>
+                    <p:sldTgt/>
+                  </p:tgtEl>
+                </p:cond>
+              </p:nextCondLst>
+            </p:seq>
+          </p:childTnLst>
+        </p:cTn>
+      </p:par>
+    </p:tnLst>
+    <p:bldLst>
+      <p:bldP spid="275" grpId="0" build="p"/>
+    </p:bldLst>
+  </p:timing>
+</p:sld>
+</file>
+
+<file path=ppt/slides/slide8.xml><?xml version="1.0" encoding="utf-8"?>
+<p:sld xmlns:a="http://schemas.openxmlformats.org/drawingml/2006/main" xmlns:r="http://schemas.openxmlformats.org/officeDocument/2006/relationships" xmlns:p="http://schemas.openxmlformats.org/presentationml/2006/main">
+  <p:cSld>
+    <p:spTree>
+      <p:nvGrpSpPr>
+        <p:cNvPr id="1" name="Shape 280"/>
+        <p:cNvGrpSpPr/>
+        <p:nvPr/>
+      </p:nvGrpSpPr>
+      <p:grpSpPr>
+        <a:xfrm>
+          <a:off x="0" y="0"/>
+          <a:ext cx="0" cy="0"/>
+          <a:chOff x="0" y="0"/>
+          <a:chExt cx="0" cy="0"/>
+        </a:xfrm>
+      </p:grpSpPr>
+      <p:sp>
+        <p:nvSpPr>
+          <p:cNvPr id="281" name="Google Shape;281;p25"/>
+          <p:cNvSpPr txBox="1">
+            <a:spLocks noGrp="1"/>
+          </p:cNvSpPr>
+          <p:nvPr>
+            <p:ph type="title"/>
+          </p:nvPr>
+        </p:nvSpPr>
+        <p:spPr>
+          <a:xfrm>
+            <a:off x="380010" y="-4950"/>
+            <a:ext cx="6222671" cy="1224150"/>
+          </a:xfrm>
+          <a:prstGeom prst="rect">
+            <a:avLst/>
+          </a:prstGeom>
+          <a:noFill/>
+          <a:ln>
+            <a:noFill/>
+          </a:ln>
+        </p:spPr>
+        <p:txBody>
+          <a:bodyPr spcFirstLastPara="1" wrap="square" lIns="91425" tIns="45700" rIns="91425" bIns="45700" anchor="ctr" anchorCtr="0">
+            <a:noAutofit/>
+          </a:bodyPr>
+          <a:lstStyle/>
+          <a:p>
+            <a:pPr marL="0" lvl="0" indent="0" algn="l" rtl="0">
+              <a:spcBef>
+                <a:spcPts val="0"/>
+              </a:spcBef>
+              <a:spcAft>
+                <a:spcPts val="0"/>
+              </a:spcAft>
+              <a:buClr>
+                <a:schemeClr val="lt1"/>
+              </a:buClr>
+              <a:buSzPts val="2400"/>
+              <a:buFont typeface="Arial"/>
+              <a:buNone/>
+            </a:pPr>
+            <a:r>
+              <a:rPr lang="en-US"/>
+              <a:t>“Coding to the Interface”</a:t>
+            </a:r>
+            <a:endParaRPr/>
+          </a:p>
+        </p:txBody>
+      </p:sp>
+      <p:sp>
+        <p:nvSpPr>
+          <p:cNvPr id="282" name="Google Shape;282;p25"/>
+          <p:cNvSpPr txBox="1">
+            <a:spLocks noGrp="1"/>
+          </p:cNvSpPr>
+          <p:nvPr>
+            <p:ph type="body" idx="1"/>
+          </p:nvPr>
+        </p:nvSpPr>
+        <p:spPr>
+          <a:xfrm>
+            <a:off x="380010" y="1540041"/>
+            <a:ext cx="8176849" cy="4427621"/>
+          </a:xfrm>
+          <a:prstGeom prst="rect">
+            <a:avLst/>
+          </a:prstGeom>
+          <a:noFill/>
+          <a:ln>
+            <a:noFill/>
+          </a:ln>
+        </p:spPr>
+        <p:txBody>
+          <a:bodyPr spcFirstLastPara="1" wrap="square" lIns="91425" tIns="45700" rIns="91425" bIns="45700" anchor="t" anchorCtr="0">
+            <a:noAutofit/>
+          </a:bodyPr>
+          <a:lstStyle/>
+          <a:p>
+            <a:pPr marL="342900" lvl="0" indent="-342900" algn="l" rtl="0">
+              <a:spcBef>
+                <a:spcPts val="0"/>
+              </a:spcBef>
+              <a:spcAft>
+                <a:spcPts val="0"/>
+              </a:spcAft>
+              <a:buSzPts val="1400"/>
+              <a:buChar char="•"/>
+            </a:pPr>
+            <a:r>
+              <a:rPr lang="en-US" sz="1400" dirty="0"/>
+              <a:t>Wherever possible, code should be “loosely coupled”</a:t>
+            </a:r>
+            <a:endParaRPr dirty="0"/>
+          </a:p>
+          <a:p>
+            <a:pPr marL="342900" lvl="0" indent="-342900" algn="l" rtl="0">
+              <a:spcBef>
+                <a:spcPts val="280"/>
+              </a:spcBef>
+              <a:spcAft>
+                <a:spcPts val="0"/>
+              </a:spcAft>
+              <a:buSzPts val="1400"/>
+              <a:buChar char="•"/>
+            </a:pPr>
+            <a:r>
+              <a:rPr lang="en-US" sz="1400" dirty="0"/>
+              <a:t>“Tightly coupled” code is highly dependent on a specific implementation (concrete class).</a:t>
+            </a:r>
+            <a:endParaRPr dirty="0"/>
+          </a:p>
+          <a:p>
+            <a:pPr marL="0" lvl="0" indent="0" algn="l" rtl="0">
+              <a:spcBef>
+                <a:spcPts val="280"/>
+              </a:spcBef>
+              <a:spcAft>
+                <a:spcPts val="0"/>
+              </a:spcAft>
+              <a:buSzPts val="1400"/>
+              <a:buNone/>
+            </a:pPr>
+            <a:endParaRPr sz="1400" dirty="0">
+              <a:latin typeface="Courier New"/>
+              <a:ea typeface="Courier New"/>
+              <a:cs typeface="Courier New"/>
+              <a:sym typeface="Courier New"/>
+            </a:endParaRPr>
+          </a:p>
+          <a:p>
+            <a:pPr marL="0" lvl="0" indent="0" algn="l" rtl="0">
+              <a:spcBef>
+                <a:spcPts val="280"/>
+              </a:spcBef>
+              <a:spcAft>
+                <a:spcPts val="0"/>
+              </a:spcAft>
+              <a:buSzPts val="1400"/>
+              <a:buNone/>
+            </a:pPr>
+            <a:endParaRPr lang="en-US" sz="1400" dirty="0">
+              <a:latin typeface="Courier New"/>
+              <a:ea typeface="Courier New"/>
+              <a:cs typeface="Courier New"/>
+              <a:sym typeface="Courier New"/>
+            </a:endParaRPr>
+          </a:p>
+          <a:p>
+            <a:pPr marL="0" lvl="0" indent="0" algn="l" rtl="0">
+              <a:spcBef>
+                <a:spcPts val="280"/>
+              </a:spcBef>
+              <a:spcAft>
+                <a:spcPts val="0"/>
+              </a:spcAft>
+              <a:buSzPts val="1400"/>
+              <a:buNone/>
+            </a:pPr>
+            <a:endParaRPr lang="en-US" sz="1400" dirty="0">
+              <a:latin typeface="Courier New"/>
+              <a:ea typeface="Courier New"/>
+              <a:cs typeface="Courier New"/>
+              <a:sym typeface="Courier New"/>
+            </a:endParaRPr>
+          </a:p>
+          <a:p>
+            <a:pPr marL="0" lvl="0" indent="0" algn="l" rtl="0">
+              <a:spcBef>
+                <a:spcPts val="280"/>
+              </a:spcBef>
+              <a:spcAft>
+                <a:spcPts val="0"/>
+              </a:spcAft>
+              <a:buSzPts val="1400"/>
+              <a:buNone/>
+            </a:pPr>
+            <a:endParaRPr lang="en-US" sz="1400" dirty="0">
+              <a:latin typeface="Courier New"/>
+              <a:ea typeface="Courier New"/>
+              <a:cs typeface="Courier New"/>
+              <a:sym typeface="Courier New"/>
+            </a:endParaRPr>
+          </a:p>
+          <a:p>
+            <a:pPr marL="0" lvl="0" indent="0" algn="l" rtl="0">
+              <a:spcBef>
+                <a:spcPts val="280"/>
+              </a:spcBef>
+              <a:spcAft>
+                <a:spcPts val="0"/>
+              </a:spcAft>
+              <a:buSzPts val="1400"/>
+              <a:buNone/>
+            </a:pPr>
+            <a:endParaRPr lang="en-US" sz="1400" dirty="0">
+              <a:latin typeface="Courier New"/>
+              <a:ea typeface="Courier New"/>
+              <a:cs typeface="Courier New"/>
+              <a:sym typeface="Courier New"/>
+            </a:endParaRPr>
+          </a:p>
+          <a:p>
+            <a:pPr marL="0" lvl="0" indent="0" algn="l" rtl="0">
+              <a:spcBef>
+                <a:spcPts val="280"/>
+              </a:spcBef>
+              <a:spcAft>
+                <a:spcPts val="0"/>
+              </a:spcAft>
+              <a:buSzPts val="1400"/>
+              <a:buNone/>
+            </a:pPr>
+            <a:endParaRPr lang="en-US" sz="1400" dirty="0">
+              <a:latin typeface="Courier New"/>
+              <a:ea typeface="Courier New"/>
+              <a:cs typeface="Courier New"/>
+              <a:sym typeface="Courier New"/>
+            </a:endParaRPr>
+          </a:p>
+          <a:p>
+            <a:pPr marL="0" lvl="0" indent="0" algn="l" rtl="0">
+              <a:spcBef>
+                <a:spcPts val="280"/>
+              </a:spcBef>
+              <a:spcAft>
+                <a:spcPts val="0"/>
+              </a:spcAft>
+              <a:buSzPts val="1400"/>
+              <a:buNone/>
+            </a:pPr>
+            <a:endParaRPr lang="en-US" sz="1400" dirty="0">
+              <a:latin typeface="Courier New"/>
+              <a:ea typeface="Courier New"/>
+              <a:cs typeface="Courier New"/>
+              <a:sym typeface="Courier New"/>
+            </a:endParaRPr>
+          </a:p>
+          <a:p>
+            <a:pPr marL="0" lvl="0" indent="0" algn="l" rtl="0">
+              <a:spcBef>
+                <a:spcPts val="280"/>
+              </a:spcBef>
+              <a:spcAft>
+                <a:spcPts val="0"/>
+              </a:spcAft>
+              <a:buSzPts val="1400"/>
+              <a:buNone/>
+            </a:pPr>
+            <a:endParaRPr lang="en-US" sz="1400" dirty="0">
+              <a:latin typeface="Courier New"/>
+              <a:ea typeface="Courier New"/>
+              <a:cs typeface="Courier New"/>
+              <a:sym typeface="Courier New"/>
+            </a:endParaRPr>
+          </a:p>
+          <a:p>
+            <a:pPr marL="0" lvl="0" indent="0" algn="l" rtl="0">
+              <a:spcBef>
+                <a:spcPts val="280"/>
+              </a:spcBef>
+              <a:spcAft>
+                <a:spcPts val="0"/>
+              </a:spcAft>
+              <a:buSzPts val="1400"/>
+              <a:buNone/>
+            </a:pPr>
+            <a:endParaRPr lang="en-US" sz="1400" dirty="0">
+              <a:latin typeface="Courier New"/>
+              <a:ea typeface="Courier New"/>
+              <a:cs typeface="Courier New"/>
+              <a:sym typeface="Courier New"/>
+            </a:endParaRPr>
+          </a:p>
+          <a:p>
+            <a:pPr marL="0" lvl="0" indent="0" algn="l" rtl="0">
+              <a:spcBef>
+                <a:spcPts val="280"/>
+              </a:spcBef>
+              <a:spcAft>
+                <a:spcPts val="0"/>
+              </a:spcAft>
+              <a:buSzPts val="1400"/>
+              <a:buNone/>
+            </a:pPr>
+            <a:endParaRPr lang="en-US" sz="1400" dirty="0">
+              <a:latin typeface="Courier New"/>
+              <a:ea typeface="Courier New"/>
+              <a:cs typeface="Courier New"/>
+              <a:sym typeface="Courier New"/>
+            </a:endParaRPr>
+          </a:p>
+          <a:p>
+            <a:pPr marL="0" lvl="0" indent="0" algn="l" rtl="0">
+              <a:spcBef>
+                <a:spcPts val="280"/>
+              </a:spcBef>
+              <a:spcAft>
+                <a:spcPts val="0"/>
+              </a:spcAft>
+              <a:buSzPts val="1400"/>
+              <a:buNone/>
+            </a:pPr>
+            <a:endParaRPr lang="en-US" sz="1400" dirty="0">
+              <a:latin typeface="Courier New"/>
+              <a:ea typeface="Courier New"/>
+              <a:cs typeface="Courier New"/>
+              <a:sym typeface="Courier New"/>
+            </a:endParaRPr>
+          </a:p>
+          <a:p>
+            <a:pPr marL="0" lvl="0" indent="0" algn="l" rtl="0">
+              <a:spcBef>
+                <a:spcPts val="280"/>
+              </a:spcBef>
+              <a:spcAft>
+                <a:spcPts val="0"/>
+              </a:spcAft>
+              <a:buSzPts val="1400"/>
+              <a:buNone/>
+            </a:pPr>
+            <a:endParaRPr lang="en-US" sz="1400" dirty="0">
+              <a:latin typeface="Courier New"/>
+              <a:ea typeface="Courier New"/>
+              <a:cs typeface="Courier New"/>
+              <a:sym typeface="Courier New"/>
+            </a:endParaRPr>
+          </a:p>
+          <a:p>
+            <a:pPr marL="0" lvl="0" indent="0" algn="l" rtl="0">
+              <a:spcBef>
+                <a:spcPts val="280"/>
+              </a:spcBef>
+              <a:spcAft>
+                <a:spcPts val="0"/>
+              </a:spcAft>
+              <a:buSzPts val="1400"/>
+              <a:buNone/>
+            </a:pPr>
+            <a:endParaRPr sz="1400" dirty="0">
+              <a:latin typeface="Courier New"/>
+              <a:ea typeface="Courier New"/>
+              <a:cs typeface="Courier New"/>
+              <a:sym typeface="Courier New"/>
+            </a:endParaRPr>
+          </a:p>
+          <a:p>
+            <a:pPr marL="342900" lvl="0" indent="-342900" algn="l" rtl="0">
+              <a:spcBef>
+                <a:spcPts val="280"/>
+              </a:spcBef>
+              <a:spcAft>
+                <a:spcPts val="0"/>
+              </a:spcAft>
+              <a:buSzPts val="1400"/>
+              <a:buChar char="•"/>
+            </a:pPr>
+            <a:endParaRPr lang="en-US" sz="1400" dirty="0">
+              <a:latin typeface="Arial"/>
+              <a:ea typeface="Arial"/>
+              <a:cs typeface="Arial"/>
+              <a:sym typeface="Arial"/>
+            </a:endParaRPr>
+          </a:p>
+          <a:p>
+            <a:pPr marL="342900" lvl="0" indent="-342900" algn="l" rtl="0">
+              <a:spcBef>
+                <a:spcPts val="280"/>
+              </a:spcBef>
+              <a:spcAft>
+                <a:spcPts val="0"/>
+              </a:spcAft>
+              <a:buSzPts val="1400"/>
+              <a:buChar char="•"/>
+            </a:pPr>
+            <a:endParaRPr lang="en-US" sz="1400" dirty="0"/>
+          </a:p>
+          <a:p>
+            <a:pPr marL="342900" lvl="0" indent="-342900" algn="l" rtl="0">
+              <a:spcBef>
+                <a:spcPts val="280"/>
+              </a:spcBef>
+              <a:spcAft>
+                <a:spcPts val="0"/>
+              </a:spcAft>
+              <a:buSzPts val="1400"/>
+              <a:buChar char="•"/>
+            </a:pPr>
+            <a:endParaRPr lang="en-US" sz="1400" dirty="0">
+              <a:latin typeface="Arial"/>
+              <a:ea typeface="Arial"/>
+              <a:cs typeface="Arial"/>
+              <a:sym typeface="Arial"/>
+            </a:endParaRPr>
+          </a:p>
+          <a:p>
+            <a:pPr marL="342900" lvl="0" indent="-342900" algn="l" rtl="0">
+              <a:spcBef>
+                <a:spcPts val="280"/>
+              </a:spcBef>
+              <a:spcAft>
+                <a:spcPts val="0"/>
+              </a:spcAft>
+              <a:buSzPts val="1400"/>
+              <a:buChar char="•"/>
+            </a:pPr>
+            <a:r>
+              <a:rPr lang="en-US" sz="1400" dirty="0">
+                <a:latin typeface="Arial"/>
+                <a:ea typeface="Arial"/>
+                <a:cs typeface="Arial"/>
+                <a:sym typeface="Arial"/>
+              </a:rPr>
+              <a:t>What if the product later changes to require PostgreSQL database instead?</a:t>
+            </a:r>
+            <a:endParaRPr dirty="0"/>
+          </a:p>
+        </p:txBody>
+      </p:sp>
+      <p:sp>
+        <p:nvSpPr>
+          <p:cNvPr id="283" name="Google Shape;283;p25"/>
+          <p:cNvSpPr txBox="1">
+            <a:spLocks noGrp="1"/>
+          </p:cNvSpPr>
+          <p:nvPr>
+            <p:ph type="sldNum" idx="12"/>
+          </p:nvPr>
+        </p:nvSpPr>
+        <p:spPr>
+          <a:xfrm>
+            <a:off x="8122757" y="6363712"/>
+            <a:ext cx="861671" cy="365125"/>
+          </a:xfrm>
+          <a:prstGeom prst="rect">
+            <a:avLst/>
+          </a:prstGeom>
+          <a:noFill/>
+          <a:ln>
+            <a:noFill/>
+          </a:ln>
+        </p:spPr>
+        <p:txBody>
+          <a:bodyPr spcFirstLastPara="1" wrap="square" lIns="91425" tIns="45700" rIns="91425" bIns="45700" anchor="ctr" anchorCtr="0">
+            <a:noAutofit/>
+          </a:bodyPr>
+          <a:lstStyle/>
+          <a:p>
+            <a:pPr marL="0" marR="0" lvl="0" indent="0" algn="r" defTabSz="914400" rtl="0" eaLnBrk="1" fontAlgn="auto" latinLnBrk="0" hangingPunct="1">
+              <a:lnSpc>
+                <a:spcPct val="100000"/>
+              </a:lnSpc>
+              <a:spcBef>
+                <a:spcPts val="0"/>
+              </a:spcBef>
+              <a:spcAft>
+                <a:spcPts val="0"/>
+              </a:spcAft>
+              <a:buClr>
+                <a:srgbClr val="000000"/>
+              </a:buClr>
+              <a:buSzTx/>
+              <a:buFont typeface="Arial"/>
+              <a:buNone/>
+              <a:tabLst/>
+              <a:defRPr/>
+            </a:pPr>
+            <a:fld id="{00000000-1234-1234-1234-123412341234}" type="slidenum">
+              <a:rPr kumimoji="0" lang="en-US" sz="1200" b="0" i="0" u="none" strike="noStrike" kern="0" cap="none" spc="0" normalizeH="0" baseline="0" noProof="0">
+                <a:ln>
+                  <a:noFill/>
+                </a:ln>
+                <a:solidFill>
+                  <a:srgbClr val="A0A1A0"/>
+                </a:solidFill>
+                <a:effectLst/>
+                <a:uLnTx/>
+                <a:uFillTx/>
+                <a:latin typeface="Arial"/>
+                <a:cs typeface="Arial"/>
+                <a:sym typeface="Arial"/>
+              </a:rPr>
+              <a:pPr marL="0" marR="0" lvl="0" indent="0" algn="r" defTabSz="914400" rtl="0" eaLnBrk="1" fontAlgn="auto" latinLnBrk="0" hangingPunct="1">
+                <a:lnSpc>
+                  <a:spcPct val="100000"/>
+                </a:lnSpc>
+                <a:spcBef>
+                  <a:spcPts val="0"/>
+                </a:spcBef>
+                <a:spcAft>
+                  <a:spcPts val="0"/>
+                </a:spcAft>
+                <a:buClr>
+                  <a:srgbClr val="000000"/>
+                </a:buClr>
+                <a:buSzTx/>
+                <a:buFont typeface="Arial"/>
+                <a:buNone/>
+                <a:tabLst/>
+                <a:defRPr/>
+              </a:pPr>
+              <a:t>7</a:t>
+            </a:fld>
+            <a:endParaRPr kumimoji="0" sz="1200" b="0" i="0" u="none" strike="noStrike" kern="0" cap="none" spc="0" normalizeH="0" baseline="0" noProof="0">
+              <a:ln>
+                <a:noFill/>
+              </a:ln>
+              <a:solidFill>
+                <a:srgbClr val="A0A1A0"/>
+              </a:solidFill>
+              <a:effectLst/>
+              <a:uLnTx/>
+              <a:uFillTx/>
+              <a:latin typeface="Arial"/>
+              <a:cs typeface="Arial"/>
+              <a:sym typeface="Arial"/>
+            </a:endParaRPr>
+          </a:p>
+        </p:txBody>
+      </p:sp>
+      <p:sp>
+        <p:nvSpPr>
+          <p:cNvPr id="2" name="Rectangle 1">
+            <a:extLst>
+              <a:ext uri="{FF2B5EF4-FFF2-40B4-BE49-F238E27FC236}">
+                <a16:creationId xmlns:a16="http://schemas.microsoft.com/office/drawing/2014/main" id="{203E40BE-C560-48EF-B6FB-E0CE295B8DF8}"/>
+              </a:ext>
+            </a:extLst>
+          </p:cNvPr>
+          <p:cNvSpPr/>
+          <p:nvPr/>
+        </p:nvSpPr>
+        <p:spPr>
+          <a:xfrm>
+            <a:off x="754144" y="2203348"/>
+            <a:ext cx="7013544" cy="999241"/>
+          </a:xfrm>
+          <a:prstGeom prst="rect">
+            <a:avLst/>
+          </a:prstGeom>
+        </p:spPr>
+        <p:style>
+          <a:lnRef idx="1">
+            <a:schemeClr val="accent2"/>
+          </a:lnRef>
+          <a:fillRef idx="2">
+            <a:schemeClr val="accent2"/>
+          </a:fillRef>
+          <a:effectRef idx="1">
+            <a:schemeClr val="accent2"/>
+          </a:effectRef>
+          <a:fontRef idx="minor">
+            <a:schemeClr val="dk1"/>
+          </a:fontRef>
+        </p:style>
+        <p:txBody>
+          <a:bodyPr rtlCol="0" anchor="ctr"/>
+          <a:lstStyle/>
+          <a:p>
+            <a:pPr marL="0" marR="0" lvl="0" indent="0" algn="l" defTabSz="914400" rtl="0" eaLnBrk="1" fontAlgn="auto" latinLnBrk="0" hangingPunct="1">
+              <a:lnSpc>
+                <a:spcPct val="100000"/>
+              </a:lnSpc>
+              <a:spcBef>
+                <a:spcPts val="280"/>
+              </a:spcBef>
+              <a:spcAft>
+                <a:spcPts val="0"/>
+              </a:spcAft>
+              <a:buClr>
+                <a:srgbClr val="000000"/>
+              </a:buClr>
+              <a:buSzPts val="1400"/>
+              <a:buFont typeface="Arial"/>
+              <a:buNone/>
+              <a:tabLst/>
+              <a:defRPr/>
+            </a:pPr>
+            <a:r>
+              <a:rPr lang="en-US" sz="1400" b="1" kern="0" dirty="0">
+                <a:solidFill>
+                  <a:srgbClr val="000000"/>
+                </a:solidFill>
+                <a:latin typeface="Courier New"/>
+                <a:ea typeface="Courier New"/>
+                <a:cs typeface="Courier New"/>
+                <a:sym typeface="Courier New"/>
+              </a:rPr>
+              <a:t>p</a:t>
+            </a:r>
+            <a:r>
+              <a:rPr kumimoji="0" lang="en-US" sz="1400" b="1" i="0" u="none" strike="noStrike" kern="0" cap="none" spc="0" normalizeH="0" baseline="0" noProof="0" dirty="0" err="1">
+                <a:ln>
+                  <a:noFill/>
+                </a:ln>
+                <a:solidFill>
+                  <a:srgbClr val="000000"/>
+                </a:solidFill>
+                <a:effectLst/>
+                <a:uLnTx/>
+                <a:uFillTx/>
+                <a:latin typeface="Courier New"/>
+                <a:ea typeface="Courier New"/>
+                <a:cs typeface="Courier New"/>
+                <a:sym typeface="Courier New"/>
+              </a:rPr>
+              <a:t>ublic</a:t>
+            </a:r>
+            <a:r>
+              <a:rPr kumimoji="0" lang="en-US" sz="1400" b="1" i="0" u="none" strike="noStrike" kern="0" cap="none" spc="0" normalizeH="0" baseline="0" noProof="0" dirty="0">
+                <a:ln>
+                  <a:noFill/>
+                </a:ln>
+                <a:solidFill>
+                  <a:srgbClr val="000000"/>
+                </a:solidFill>
+                <a:effectLst/>
+                <a:uLnTx/>
+                <a:uFillTx/>
+                <a:latin typeface="Courier New"/>
+                <a:ea typeface="Courier New"/>
+                <a:cs typeface="Courier New"/>
+                <a:sym typeface="Courier New"/>
+              </a:rPr>
+              <a:t> class</a:t>
+            </a:r>
+            <a:r>
+              <a:rPr kumimoji="0" lang="en-US" sz="1400" b="0" i="0" u="none" strike="noStrike" kern="0" cap="none" spc="0" normalizeH="0" baseline="0" noProof="0" dirty="0">
+                <a:ln>
+                  <a:noFill/>
+                </a:ln>
+                <a:solidFill>
+                  <a:srgbClr val="000000"/>
+                </a:solidFill>
+                <a:effectLst/>
+                <a:uLnTx/>
+                <a:uFillTx/>
+                <a:latin typeface="Courier New"/>
+                <a:ea typeface="Courier New"/>
+                <a:cs typeface="Courier New"/>
+                <a:sym typeface="Courier New"/>
+              </a:rPr>
+              <a:t> </a:t>
+            </a:r>
+            <a:r>
+              <a:rPr kumimoji="0" lang="en-US" sz="1400" b="0" i="0" u="none" strike="noStrike" kern="0" cap="none" spc="0" normalizeH="0" baseline="0" noProof="0" dirty="0" err="1">
+                <a:ln>
+                  <a:noFill/>
+                </a:ln>
+                <a:solidFill>
+                  <a:srgbClr val="000000"/>
+                </a:solidFill>
+                <a:effectLst/>
+                <a:uLnTx/>
+                <a:uFillTx/>
+                <a:latin typeface="Courier New"/>
+                <a:ea typeface="Courier New"/>
+                <a:cs typeface="Courier New"/>
+                <a:sym typeface="Courier New"/>
+              </a:rPr>
+              <a:t>MySQLDatabase</a:t>
+            </a:r>
+            <a:r>
+              <a:rPr kumimoji="0" lang="en-US" sz="1400" b="0" i="0" u="none" strike="noStrike" kern="0" cap="none" spc="0" normalizeH="0" baseline="0" noProof="0" dirty="0">
+                <a:ln>
+                  <a:noFill/>
+                </a:ln>
+                <a:solidFill>
+                  <a:srgbClr val="000000"/>
+                </a:solidFill>
+                <a:effectLst/>
+                <a:uLnTx/>
+                <a:uFillTx/>
+                <a:latin typeface="Courier New"/>
+                <a:ea typeface="Courier New"/>
+                <a:cs typeface="Courier New"/>
+                <a:sym typeface="Courier New"/>
+              </a:rPr>
+              <a:t> {</a:t>
+            </a:r>
+            <a:endParaRPr kumimoji="0" lang="en-US" sz="1400" b="0" i="0" u="none" strike="noStrike" kern="0" cap="none" spc="0" normalizeH="0" baseline="0" noProof="0" dirty="0">
+              <a:ln>
+                <a:noFill/>
+              </a:ln>
+              <a:solidFill>
+                <a:srgbClr val="000000"/>
+              </a:solidFill>
+              <a:effectLst/>
+              <a:uLnTx/>
+              <a:uFillTx/>
+              <a:latin typeface="Arial"/>
+              <a:ea typeface="+mn-ea"/>
+              <a:cs typeface="+mn-cs"/>
+              <a:sym typeface="Arial"/>
+            </a:endParaRPr>
+          </a:p>
+          <a:p>
+            <a:pPr marL="0" marR="0" lvl="0" indent="0" algn="l" defTabSz="914400" rtl="0" eaLnBrk="1" fontAlgn="auto" latinLnBrk="0" hangingPunct="1">
+              <a:lnSpc>
+                <a:spcPct val="100000"/>
+              </a:lnSpc>
+              <a:spcBef>
+                <a:spcPts val="280"/>
+              </a:spcBef>
+              <a:spcAft>
+                <a:spcPts val="0"/>
+              </a:spcAft>
+              <a:buClr>
+                <a:srgbClr val="000000"/>
+              </a:buClr>
+              <a:buSzPts val="1400"/>
+              <a:buFont typeface="Arial"/>
+              <a:buNone/>
+              <a:tabLst/>
+              <a:defRPr/>
+            </a:pPr>
+            <a:r>
+              <a:rPr kumimoji="0" lang="en-US" sz="1400" b="0" i="0" u="none" strike="noStrike" kern="0" cap="none" spc="0" normalizeH="0" baseline="0" noProof="0" dirty="0">
+                <a:ln>
+                  <a:noFill/>
+                </a:ln>
+                <a:solidFill>
+                  <a:srgbClr val="000000"/>
+                </a:solidFill>
+                <a:effectLst/>
+                <a:uLnTx/>
+                <a:uFillTx/>
+                <a:latin typeface="Courier New"/>
+                <a:ea typeface="Courier New"/>
+                <a:cs typeface="Courier New"/>
+                <a:sym typeface="Courier New"/>
+              </a:rPr>
+              <a:t>    </a:t>
+            </a:r>
+            <a:r>
+              <a:rPr kumimoji="0" lang="en-US" sz="1400" b="1" i="0" u="none" strike="noStrike" kern="0" cap="none" spc="0" normalizeH="0" baseline="0" noProof="0" dirty="0">
+                <a:ln>
+                  <a:noFill/>
+                </a:ln>
+                <a:solidFill>
+                  <a:srgbClr val="000000"/>
+                </a:solidFill>
+                <a:effectLst/>
+                <a:uLnTx/>
+                <a:uFillTx/>
+                <a:latin typeface="Courier New"/>
+                <a:ea typeface="Courier New"/>
+                <a:cs typeface="Courier New"/>
+                <a:sym typeface="Courier New"/>
+              </a:rPr>
+              <a:t>public</a:t>
+            </a:r>
+            <a:r>
+              <a:rPr kumimoji="0" lang="en-US" sz="1400" b="0" i="0" u="none" strike="noStrike" kern="0" cap="none" spc="0" normalizeH="0" baseline="0" noProof="0" dirty="0">
+                <a:ln>
+                  <a:noFill/>
+                </a:ln>
+                <a:solidFill>
+                  <a:srgbClr val="000000"/>
+                </a:solidFill>
+                <a:effectLst/>
+                <a:uLnTx/>
+                <a:uFillTx/>
+                <a:latin typeface="Courier New"/>
+                <a:ea typeface="Courier New"/>
+                <a:cs typeface="Courier New"/>
+                <a:sym typeface="Courier New"/>
+              </a:rPr>
+              <a:t> </a:t>
+            </a:r>
+            <a:r>
+              <a:rPr kumimoji="0" lang="en-US" sz="1400" b="1" i="0" u="none" strike="noStrike" kern="0" cap="none" spc="0" normalizeH="0" baseline="0" noProof="0" dirty="0">
+                <a:ln>
+                  <a:noFill/>
+                </a:ln>
+                <a:solidFill>
+                  <a:srgbClr val="000000"/>
+                </a:solidFill>
+                <a:effectLst/>
+                <a:uLnTx/>
+                <a:uFillTx/>
+                <a:latin typeface="Courier New"/>
+                <a:ea typeface="Courier New"/>
+                <a:cs typeface="Courier New"/>
+                <a:sym typeface="Courier New"/>
+              </a:rPr>
+              <a:t>void</a:t>
+            </a:r>
+            <a:r>
+              <a:rPr kumimoji="0" lang="en-US" sz="1400" b="0" i="0" u="none" strike="noStrike" kern="0" cap="none" spc="0" normalizeH="0" baseline="0" noProof="0" dirty="0">
+                <a:ln>
+                  <a:noFill/>
+                </a:ln>
+                <a:solidFill>
+                  <a:srgbClr val="000000"/>
+                </a:solidFill>
+                <a:effectLst/>
+                <a:uLnTx/>
+                <a:uFillTx/>
+                <a:latin typeface="Courier New"/>
+                <a:ea typeface="Courier New"/>
+                <a:cs typeface="Courier New"/>
+                <a:sym typeface="Courier New"/>
+              </a:rPr>
+              <a:t> </a:t>
+            </a:r>
+            <a:r>
+              <a:rPr kumimoji="0" lang="en-US" sz="1400" b="0" i="0" u="none" strike="noStrike" kern="0" cap="none" spc="0" normalizeH="0" baseline="0" noProof="0" dirty="0" err="1">
+                <a:ln>
+                  <a:noFill/>
+                </a:ln>
+                <a:solidFill>
+                  <a:srgbClr val="000000"/>
+                </a:solidFill>
+                <a:effectLst/>
+                <a:uLnTx/>
+                <a:uFillTx/>
+                <a:latin typeface="Courier New"/>
+                <a:ea typeface="Courier New"/>
+                <a:cs typeface="Courier New"/>
+                <a:sym typeface="Courier New"/>
+              </a:rPr>
+              <a:t>addRow</a:t>
+            </a:r>
+            <a:r>
+              <a:rPr kumimoji="0" lang="en-US" sz="1400" b="0" i="0" u="none" strike="noStrike" kern="0" cap="none" spc="0" normalizeH="0" baseline="0" noProof="0" dirty="0">
+                <a:ln>
+                  <a:noFill/>
+                </a:ln>
+                <a:solidFill>
+                  <a:srgbClr val="000000"/>
+                </a:solidFill>
+                <a:effectLst/>
+                <a:uLnTx/>
+                <a:uFillTx/>
+                <a:latin typeface="Courier New"/>
+                <a:ea typeface="Courier New"/>
+                <a:cs typeface="Courier New"/>
+                <a:sym typeface="Courier New"/>
+              </a:rPr>
+              <a:t>(String Table, String Value) {}</a:t>
+            </a:r>
+            <a:endParaRPr kumimoji="0" lang="en-US" sz="1400" b="0" i="0" u="none" strike="noStrike" kern="0" cap="none" spc="0" normalizeH="0" baseline="0" noProof="0" dirty="0">
+              <a:ln>
+                <a:noFill/>
+              </a:ln>
+              <a:solidFill>
+                <a:srgbClr val="000000"/>
+              </a:solidFill>
+              <a:effectLst/>
+              <a:uLnTx/>
+              <a:uFillTx/>
+              <a:latin typeface="Arial"/>
+              <a:ea typeface="+mn-ea"/>
+              <a:cs typeface="+mn-cs"/>
+              <a:sym typeface="Arial"/>
+            </a:endParaRPr>
+          </a:p>
+          <a:p>
+            <a:pPr marL="0" marR="0" lvl="0" indent="0" algn="l" defTabSz="914400" rtl="0" eaLnBrk="1" fontAlgn="auto" latinLnBrk="0" hangingPunct="1">
+              <a:lnSpc>
+                <a:spcPct val="100000"/>
+              </a:lnSpc>
+              <a:spcBef>
+                <a:spcPts val="280"/>
+              </a:spcBef>
+              <a:spcAft>
+                <a:spcPts val="0"/>
+              </a:spcAft>
+              <a:buClr>
+                <a:srgbClr val="000000"/>
+              </a:buClr>
+              <a:buSzPts val="1400"/>
+              <a:buFont typeface="Arial"/>
+              <a:buNone/>
+              <a:tabLst/>
+              <a:defRPr/>
+            </a:pPr>
+            <a:r>
+              <a:rPr kumimoji="0" lang="en-US" sz="1400" b="0" i="0" u="none" strike="noStrike" kern="0" cap="none" spc="0" normalizeH="0" baseline="0" noProof="0" dirty="0">
+                <a:ln>
+                  <a:noFill/>
+                </a:ln>
+                <a:solidFill>
+                  <a:srgbClr val="000000"/>
+                </a:solidFill>
+                <a:effectLst/>
+                <a:uLnTx/>
+                <a:uFillTx/>
+                <a:latin typeface="Courier New"/>
+                <a:ea typeface="Courier New"/>
+                <a:cs typeface="Courier New"/>
+                <a:sym typeface="Courier New"/>
+              </a:rPr>
+              <a:t>}</a:t>
+            </a:r>
+            <a:endParaRPr kumimoji="0" lang="en-US" sz="1400" b="0" i="0" u="none" strike="noStrike" kern="0" cap="none" spc="0" normalizeH="0" baseline="0" noProof="0" dirty="0">
+              <a:ln>
+                <a:noFill/>
+              </a:ln>
+              <a:solidFill>
+                <a:srgbClr val="000000"/>
+              </a:solidFill>
+              <a:effectLst/>
+              <a:uLnTx/>
+              <a:uFillTx/>
+              <a:latin typeface="Arial"/>
+              <a:ea typeface="+mn-ea"/>
+              <a:cs typeface="+mn-cs"/>
+              <a:sym typeface="Arial"/>
+            </a:endParaRPr>
+          </a:p>
+        </p:txBody>
+      </p:sp>
+      <p:sp>
+        <p:nvSpPr>
+          <p:cNvPr id="3" name="Rectangle 2">
+            <a:extLst>
+              <a:ext uri="{FF2B5EF4-FFF2-40B4-BE49-F238E27FC236}">
+                <a16:creationId xmlns:a16="http://schemas.microsoft.com/office/drawing/2014/main" id="{B191859A-9A4C-4DDF-89BD-47134E6C4842}"/>
+              </a:ext>
+            </a:extLst>
+          </p:cNvPr>
+          <p:cNvSpPr/>
+          <p:nvPr/>
+        </p:nvSpPr>
+        <p:spPr>
+          <a:xfrm>
+            <a:off x="754144" y="3449959"/>
+            <a:ext cx="7013544" cy="2517703"/>
+          </a:xfrm>
+          <a:prstGeom prst="rect">
+            <a:avLst/>
+          </a:prstGeom>
+        </p:spPr>
+        <p:style>
+          <a:lnRef idx="1">
+            <a:schemeClr val="accent2"/>
+          </a:lnRef>
+          <a:fillRef idx="2">
+            <a:schemeClr val="accent2"/>
+          </a:fillRef>
+          <a:effectRef idx="1">
+            <a:schemeClr val="accent2"/>
+          </a:effectRef>
+          <a:fontRef idx="minor">
+            <a:schemeClr val="dk1"/>
+          </a:fontRef>
+        </p:style>
+        <p:txBody>
+          <a:bodyPr rtlCol="0" anchor="ctr"/>
+          <a:lstStyle/>
+          <a:p>
+            <a:pPr marL="0" marR="0" lvl="0" indent="0" algn="l" defTabSz="914400" rtl="0" eaLnBrk="1" fontAlgn="auto" latinLnBrk="0" hangingPunct="1">
+              <a:lnSpc>
+                <a:spcPct val="100000"/>
+              </a:lnSpc>
+              <a:spcBef>
+                <a:spcPts val="280"/>
+              </a:spcBef>
+              <a:spcAft>
+                <a:spcPts val="0"/>
+              </a:spcAft>
+              <a:buClr>
+                <a:srgbClr val="000000"/>
+              </a:buClr>
+              <a:buSzPts val="1400"/>
+              <a:buFont typeface="Arial"/>
+              <a:buNone/>
+              <a:tabLst/>
+              <a:defRPr/>
+            </a:pPr>
+            <a:r>
+              <a:rPr lang="en-US" sz="1400" b="1" kern="0" dirty="0">
+                <a:solidFill>
+                  <a:srgbClr val="000000"/>
+                </a:solidFill>
+                <a:latin typeface="Courier New"/>
+                <a:ea typeface="Courier New"/>
+                <a:cs typeface="Courier New"/>
+                <a:sym typeface="Courier New"/>
+              </a:rPr>
+              <a:t>p</a:t>
+            </a:r>
+            <a:r>
+              <a:rPr kumimoji="0" lang="en-US" sz="1400" b="1" i="0" u="none" strike="noStrike" kern="0" cap="none" spc="0" normalizeH="0" baseline="0" noProof="0" dirty="0" err="1">
+                <a:ln>
+                  <a:noFill/>
+                </a:ln>
+                <a:solidFill>
+                  <a:srgbClr val="000000"/>
+                </a:solidFill>
+                <a:effectLst/>
+                <a:uLnTx/>
+                <a:uFillTx/>
+                <a:latin typeface="Courier New"/>
+                <a:ea typeface="Courier New"/>
+                <a:cs typeface="Courier New"/>
+                <a:sym typeface="Courier New"/>
+              </a:rPr>
+              <a:t>ublic</a:t>
+            </a:r>
+            <a:r>
+              <a:rPr kumimoji="0" lang="en-US" sz="1400" b="1" i="0" u="none" strike="noStrike" kern="0" cap="none" spc="0" normalizeH="0" baseline="0" noProof="0" dirty="0">
+                <a:ln>
+                  <a:noFill/>
+                </a:ln>
+                <a:solidFill>
+                  <a:srgbClr val="000000"/>
+                </a:solidFill>
+                <a:effectLst/>
+                <a:uLnTx/>
+                <a:uFillTx/>
+                <a:latin typeface="Courier New"/>
+                <a:ea typeface="Courier New"/>
+                <a:cs typeface="Courier New"/>
+                <a:sym typeface="Courier New"/>
+              </a:rPr>
+              <a:t> class</a:t>
+            </a:r>
+            <a:r>
+              <a:rPr kumimoji="0" lang="en-US" sz="1400" b="0" i="0" u="none" strike="noStrike" kern="0" cap="none" spc="0" normalizeH="0" baseline="0" noProof="0" dirty="0">
+                <a:ln>
+                  <a:noFill/>
+                </a:ln>
+                <a:solidFill>
+                  <a:srgbClr val="000000"/>
+                </a:solidFill>
+                <a:effectLst/>
+                <a:uLnTx/>
+                <a:uFillTx/>
+                <a:latin typeface="Courier New"/>
+                <a:ea typeface="Courier New"/>
+                <a:cs typeface="Courier New"/>
+                <a:sym typeface="Courier New"/>
+              </a:rPr>
+              <a:t> </a:t>
+            </a:r>
+            <a:r>
+              <a:rPr kumimoji="0" lang="en-US" sz="1400" b="0" i="0" u="none" strike="noStrike" kern="0" cap="none" spc="0" normalizeH="0" baseline="0" noProof="0" dirty="0" err="1">
+                <a:ln>
+                  <a:noFill/>
+                </a:ln>
+                <a:solidFill>
+                  <a:srgbClr val="000000"/>
+                </a:solidFill>
+                <a:effectLst/>
+                <a:uLnTx/>
+                <a:uFillTx/>
+                <a:latin typeface="Courier New"/>
+                <a:ea typeface="Courier New"/>
+                <a:cs typeface="Courier New"/>
+                <a:sym typeface="Courier New"/>
+              </a:rPr>
+              <a:t>CustomerRepository</a:t>
+            </a:r>
+            <a:r>
+              <a:rPr kumimoji="0" lang="en-US" sz="1400" b="0" i="0" u="none" strike="noStrike" kern="0" cap="none" spc="0" normalizeH="0" baseline="0" noProof="0" dirty="0">
+                <a:ln>
+                  <a:noFill/>
+                </a:ln>
+                <a:solidFill>
+                  <a:srgbClr val="000000"/>
+                </a:solidFill>
+                <a:effectLst/>
+                <a:uLnTx/>
+                <a:uFillTx/>
+                <a:latin typeface="Courier New"/>
+                <a:ea typeface="Courier New"/>
+                <a:cs typeface="Courier New"/>
+                <a:sym typeface="Courier New"/>
+              </a:rPr>
+              <a:t> {</a:t>
+            </a:r>
+            <a:endParaRPr kumimoji="0" lang="en-US" sz="1400" b="0" i="0" u="none" strike="noStrike" kern="0" cap="none" spc="0" normalizeH="0" baseline="0" noProof="0" dirty="0">
+              <a:ln>
+                <a:noFill/>
+              </a:ln>
+              <a:solidFill>
+                <a:srgbClr val="000000"/>
+              </a:solidFill>
+              <a:effectLst/>
+              <a:uLnTx/>
+              <a:uFillTx/>
+              <a:latin typeface="Arial"/>
+              <a:ea typeface="+mn-ea"/>
+              <a:cs typeface="+mn-cs"/>
+              <a:sym typeface="Arial"/>
+            </a:endParaRPr>
+          </a:p>
+          <a:p>
+            <a:pPr marL="0" marR="0" lvl="0" indent="0" algn="l" defTabSz="914400" rtl="0" eaLnBrk="1" fontAlgn="auto" latinLnBrk="0" hangingPunct="1">
+              <a:lnSpc>
+                <a:spcPct val="100000"/>
+              </a:lnSpc>
+              <a:spcBef>
+                <a:spcPts val="280"/>
+              </a:spcBef>
+              <a:spcAft>
+                <a:spcPts val="0"/>
+              </a:spcAft>
+              <a:buClr>
+                <a:srgbClr val="000000"/>
+              </a:buClr>
+              <a:buSzPts val="1400"/>
+              <a:buFont typeface="Arial"/>
+              <a:buNone/>
+              <a:tabLst/>
+              <a:defRPr/>
+            </a:pPr>
+            <a:r>
+              <a:rPr kumimoji="0" lang="en-US" sz="1400" b="0" i="0" u="none" strike="noStrike" kern="0" cap="none" spc="0" normalizeH="0" baseline="0" noProof="0" dirty="0">
+                <a:ln>
+                  <a:noFill/>
+                </a:ln>
+                <a:solidFill>
+                  <a:srgbClr val="000000"/>
+                </a:solidFill>
+                <a:effectLst/>
+                <a:uLnTx/>
+                <a:uFillTx/>
+                <a:latin typeface="Courier New"/>
+                <a:ea typeface="Courier New"/>
+                <a:cs typeface="Courier New"/>
+                <a:sym typeface="Courier New"/>
+              </a:rPr>
+              <a:t>    </a:t>
+            </a:r>
+            <a:r>
+              <a:rPr kumimoji="0" lang="en-US" sz="1400" b="1" i="0" u="none" strike="noStrike" kern="0" cap="none" spc="0" normalizeH="0" baseline="0" noProof="0" dirty="0">
+                <a:ln>
+                  <a:noFill/>
+                </a:ln>
+                <a:solidFill>
+                  <a:srgbClr val="000000"/>
+                </a:solidFill>
+                <a:effectLst/>
+                <a:uLnTx/>
+                <a:uFillTx/>
+                <a:latin typeface="Courier New"/>
+                <a:ea typeface="Courier New"/>
+                <a:cs typeface="Courier New"/>
+                <a:sym typeface="Courier New"/>
+              </a:rPr>
+              <a:t>private</a:t>
+            </a:r>
+            <a:r>
+              <a:rPr kumimoji="0" lang="en-US" sz="1400" b="0" i="0" u="none" strike="noStrike" kern="0" cap="none" spc="0" normalizeH="0" baseline="0" noProof="0" dirty="0">
+                <a:ln>
+                  <a:noFill/>
+                </a:ln>
+                <a:solidFill>
+                  <a:srgbClr val="000000"/>
+                </a:solidFill>
+                <a:effectLst/>
+                <a:uLnTx/>
+                <a:uFillTx/>
+                <a:latin typeface="Courier New"/>
+                <a:ea typeface="Courier New"/>
+                <a:cs typeface="Courier New"/>
+                <a:sym typeface="Courier New"/>
+              </a:rPr>
+              <a:t> </a:t>
+            </a:r>
+            <a:r>
+              <a:rPr kumimoji="0" lang="en-US" sz="1400" b="0" i="0" u="none" strike="noStrike" kern="0" cap="none" spc="0" normalizeH="0" baseline="0" noProof="0" dirty="0" err="1">
+                <a:ln>
+                  <a:noFill/>
+                </a:ln>
+                <a:solidFill>
+                  <a:srgbClr val="000000"/>
+                </a:solidFill>
+                <a:effectLst/>
+                <a:uLnTx/>
+                <a:uFillTx/>
+                <a:latin typeface="Courier New"/>
+                <a:ea typeface="Courier New"/>
+                <a:cs typeface="Courier New"/>
+                <a:sym typeface="Courier New"/>
+              </a:rPr>
+              <a:t>MySQLDatabase</a:t>
+            </a:r>
+            <a:r>
+              <a:rPr kumimoji="0" lang="en-US" sz="1400" b="0" i="0" u="none" strike="noStrike" kern="0" cap="none" spc="0" normalizeH="0" baseline="0" noProof="0" dirty="0">
+                <a:ln>
+                  <a:noFill/>
+                </a:ln>
+                <a:solidFill>
+                  <a:srgbClr val="000000"/>
+                </a:solidFill>
+                <a:effectLst/>
+                <a:uLnTx/>
+                <a:uFillTx/>
+                <a:latin typeface="Courier New"/>
+                <a:ea typeface="Courier New"/>
+                <a:cs typeface="Courier New"/>
+                <a:sym typeface="Courier New"/>
+              </a:rPr>
+              <a:t> database;</a:t>
+            </a:r>
+            <a:endParaRPr kumimoji="0" lang="en-US" sz="1400" b="0" i="0" u="none" strike="noStrike" kern="0" cap="none" spc="0" normalizeH="0" baseline="0" noProof="0" dirty="0">
+              <a:ln>
+                <a:noFill/>
+              </a:ln>
+              <a:solidFill>
+                <a:srgbClr val="000000"/>
+              </a:solidFill>
+              <a:effectLst/>
+              <a:uLnTx/>
+              <a:uFillTx/>
+              <a:latin typeface="Arial"/>
+              <a:ea typeface="+mn-ea"/>
+              <a:cs typeface="+mn-cs"/>
+              <a:sym typeface="Arial"/>
+            </a:endParaRPr>
+          </a:p>
+          <a:p>
+            <a:pPr marL="0" marR="0" lvl="0" indent="0" algn="l" defTabSz="914400" rtl="0" eaLnBrk="1" fontAlgn="auto" latinLnBrk="0" hangingPunct="1">
+              <a:lnSpc>
+                <a:spcPct val="100000"/>
+              </a:lnSpc>
+              <a:spcBef>
+                <a:spcPts val="280"/>
+              </a:spcBef>
+              <a:spcAft>
+                <a:spcPts val="0"/>
+              </a:spcAft>
+              <a:buClr>
+                <a:srgbClr val="000000"/>
+              </a:buClr>
+              <a:buSzPts val="1400"/>
+              <a:buFont typeface="Arial"/>
+              <a:buNone/>
+              <a:tabLst/>
+              <a:defRPr/>
+            </a:pPr>
+            <a:endParaRPr kumimoji="0" lang="en-US" sz="1400" b="0" i="0" u="none" strike="noStrike" kern="0" cap="none" spc="0" normalizeH="0" baseline="0" noProof="0" dirty="0">
+              <a:ln>
+                <a:noFill/>
+              </a:ln>
+              <a:solidFill>
+                <a:srgbClr val="000000"/>
+              </a:solidFill>
+              <a:effectLst/>
+              <a:uLnTx/>
+              <a:uFillTx/>
+              <a:latin typeface="Courier New"/>
+              <a:ea typeface="Courier New"/>
+              <a:cs typeface="Courier New"/>
+              <a:sym typeface="Courier New"/>
+            </a:endParaRPr>
+          </a:p>
+          <a:p>
+            <a:pPr marL="0" marR="0" lvl="0" indent="0" algn="l" defTabSz="914400" rtl="0" eaLnBrk="1" fontAlgn="auto" latinLnBrk="0" hangingPunct="1">
+              <a:lnSpc>
+                <a:spcPct val="100000"/>
+              </a:lnSpc>
+              <a:spcBef>
+                <a:spcPts val="280"/>
+              </a:spcBef>
+              <a:spcAft>
+                <a:spcPts val="0"/>
+              </a:spcAft>
+              <a:buClr>
+                <a:srgbClr val="000000"/>
+              </a:buClr>
+              <a:buSzPts val="1400"/>
+              <a:buFont typeface="Arial"/>
+              <a:buNone/>
+              <a:tabLst/>
+              <a:defRPr/>
+            </a:pPr>
+            <a:r>
+              <a:rPr kumimoji="0" lang="en-US" sz="1400" b="0" i="0" u="none" strike="noStrike" kern="0" cap="none" spc="0" normalizeH="0" baseline="0" noProof="0" dirty="0">
+                <a:ln>
+                  <a:noFill/>
+                </a:ln>
+                <a:solidFill>
+                  <a:srgbClr val="000000"/>
+                </a:solidFill>
+                <a:effectLst/>
+                <a:uLnTx/>
+                <a:uFillTx/>
+                <a:latin typeface="Courier New"/>
+                <a:ea typeface="Courier New"/>
+                <a:cs typeface="Courier New"/>
+                <a:sym typeface="Courier New"/>
+              </a:rPr>
+              <a:t>    </a:t>
+            </a:r>
+            <a:r>
+              <a:rPr kumimoji="0" lang="en-US" sz="1400" b="1" i="0" u="none" strike="noStrike" kern="0" cap="none" spc="0" normalizeH="0" baseline="0" noProof="0" dirty="0">
+                <a:ln>
+                  <a:noFill/>
+                </a:ln>
+                <a:solidFill>
+                  <a:srgbClr val="000000"/>
+                </a:solidFill>
+                <a:effectLst/>
+                <a:uLnTx/>
+                <a:uFillTx/>
+                <a:latin typeface="Courier New"/>
+                <a:ea typeface="Courier New"/>
+                <a:cs typeface="Courier New"/>
+                <a:sym typeface="Courier New"/>
+              </a:rPr>
+              <a:t>public</a:t>
+            </a:r>
+            <a:r>
+              <a:rPr kumimoji="0" lang="en-US" sz="1400" b="0" i="0" u="none" strike="noStrike" kern="0" cap="none" spc="0" normalizeH="0" baseline="0" noProof="0" dirty="0">
+                <a:ln>
+                  <a:noFill/>
+                </a:ln>
+                <a:solidFill>
+                  <a:srgbClr val="000000"/>
+                </a:solidFill>
+                <a:effectLst/>
+                <a:uLnTx/>
+                <a:uFillTx/>
+                <a:latin typeface="Courier New"/>
+                <a:ea typeface="Courier New"/>
+                <a:cs typeface="Courier New"/>
+                <a:sym typeface="Courier New"/>
+              </a:rPr>
+              <a:t> </a:t>
+            </a:r>
+            <a:r>
+              <a:rPr kumimoji="0" lang="en-US" sz="1400" b="0" i="0" u="none" strike="noStrike" kern="0" cap="none" spc="0" normalizeH="0" baseline="0" noProof="0" dirty="0" err="1">
+                <a:ln>
+                  <a:noFill/>
+                </a:ln>
+                <a:solidFill>
+                  <a:srgbClr val="000000"/>
+                </a:solidFill>
+                <a:effectLst/>
+                <a:uLnTx/>
+                <a:uFillTx/>
+                <a:latin typeface="Courier New"/>
+                <a:ea typeface="Courier New"/>
+                <a:cs typeface="Courier New"/>
+                <a:sym typeface="Courier New"/>
+              </a:rPr>
+              <a:t>CustomerRepository</a:t>
+            </a:r>
+            <a:r>
+              <a:rPr kumimoji="0" lang="en-US" sz="1400" b="0" i="0" u="none" strike="noStrike" kern="0" cap="none" spc="0" normalizeH="0" baseline="0" noProof="0" dirty="0">
+                <a:ln>
+                  <a:noFill/>
+                </a:ln>
+                <a:solidFill>
+                  <a:srgbClr val="000000"/>
+                </a:solidFill>
+                <a:effectLst/>
+                <a:uLnTx/>
+                <a:uFillTx/>
+                <a:latin typeface="Courier New"/>
+                <a:ea typeface="Courier New"/>
+                <a:cs typeface="Courier New"/>
+                <a:sym typeface="Courier New"/>
+              </a:rPr>
+              <a:t>(</a:t>
+            </a:r>
+            <a:r>
+              <a:rPr kumimoji="0" lang="en-US" sz="1400" b="0" i="0" u="none" strike="noStrike" kern="0" cap="none" spc="0" normalizeH="0" baseline="0" noProof="0" dirty="0" err="1">
+                <a:ln>
+                  <a:noFill/>
+                </a:ln>
+                <a:solidFill>
+                  <a:srgbClr val="000000"/>
+                </a:solidFill>
+                <a:effectLst/>
+                <a:uLnTx/>
+                <a:uFillTx/>
+                <a:latin typeface="Courier New"/>
+                <a:ea typeface="Courier New"/>
+                <a:cs typeface="Courier New"/>
+                <a:sym typeface="Courier New"/>
+              </a:rPr>
+              <a:t>MySQLDatabase</a:t>
+            </a:r>
+            <a:r>
+              <a:rPr kumimoji="0" lang="en-US" sz="1400" b="0" i="0" u="none" strike="noStrike" kern="0" cap="none" spc="0" normalizeH="0" baseline="0" noProof="0" dirty="0">
+                <a:ln>
+                  <a:noFill/>
+                </a:ln>
+                <a:solidFill>
+                  <a:srgbClr val="000000"/>
+                </a:solidFill>
+                <a:effectLst/>
+                <a:uLnTx/>
+                <a:uFillTx/>
+                <a:latin typeface="Courier New"/>
+                <a:ea typeface="Courier New"/>
+                <a:cs typeface="Courier New"/>
+                <a:sym typeface="Courier New"/>
+              </a:rPr>
+              <a:t> database) {</a:t>
+            </a:r>
+            <a:endParaRPr kumimoji="0" lang="en-US" sz="1400" b="0" i="0" u="none" strike="noStrike" kern="0" cap="none" spc="0" normalizeH="0" baseline="0" noProof="0" dirty="0">
+              <a:ln>
+                <a:noFill/>
+              </a:ln>
+              <a:solidFill>
+                <a:srgbClr val="000000"/>
+              </a:solidFill>
+              <a:effectLst/>
+              <a:uLnTx/>
+              <a:uFillTx/>
+              <a:latin typeface="Arial"/>
+              <a:ea typeface="+mn-ea"/>
+              <a:cs typeface="+mn-cs"/>
+              <a:sym typeface="Arial"/>
+            </a:endParaRPr>
+          </a:p>
+          <a:p>
+            <a:pPr marL="0" marR="0" lvl="0" indent="0" algn="l" defTabSz="914400" rtl="0" eaLnBrk="1" fontAlgn="auto" latinLnBrk="0" hangingPunct="1">
+              <a:lnSpc>
+                <a:spcPct val="100000"/>
+              </a:lnSpc>
+              <a:spcBef>
+                <a:spcPts val="280"/>
+              </a:spcBef>
+              <a:spcAft>
+                <a:spcPts val="0"/>
+              </a:spcAft>
+              <a:buClr>
+                <a:srgbClr val="000000"/>
+              </a:buClr>
+              <a:buSzPts val="1400"/>
+              <a:buFont typeface="Arial"/>
+              <a:buNone/>
+              <a:tabLst/>
+              <a:defRPr/>
+            </a:pPr>
+            <a:r>
+              <a:rPr kumimoji="0" lang="en-US" sz="1400" b="0" i="0" u="none" strike="noStrike" kern="0" cap="none" spc="0" normalizeH="0" baseline="0" noProof="0" dirty="0">
+                <a:ln>
+                  <a:noFill/>
+                </a:ln>
+                <a:solidFill>
+                  <a:srgbClr val="000000"/>
+                </a:solidFill>
+                <a:effectLst/>
+                <a:uLnTx/>
+                <a:uFillTx/>
+                <a:latin typeface="Courier New"/>
+                <a:ea typeface="Courier New"/>
+                <a:cs typeface="Courier New"/>
+                <a:sym typeface="Courier New"/>
+              </a:rPr>
+              <a:t>        </a:t>
+            </a:r>
+            <a:r>
+              <a:rPr kumimoji="0" lang="en-US" sz="1400" b="1" i="0" u="none" strike="noStrike" kern="0" cap="none" spc="0" normalizeH="0" baseline="0" noProof="0" dirty="0" err="1">
+                <a:ln>
+                  <a:noFill/>
+                </a:ln>
+                <a:solidFill>
+                  <a:srgbClr val="000000"/>
+                </a:solidFill>
+                <a:effectLst/>
+                <a:uLnTx/>
+                <a:uFillTx/>
+                <a:latin typeface="Courier New"/>
+                <a:ea typeface="Courier New"/>
+                <a:cs typeface="Courier New"/>
+                <a:sym typeface="Courier New"/>
+              </a:rPr>
+              <a:t>this</a:t>
+            </a:r>
+            <a:r>
+              <a:rPr kumimoji="0" lang="en-US" sz="1400" b="0" i="0" u="none" strike="noStrike" kern="0" cap="none" spc="0" normalizeH="0" baseline="0" noProof="0" dirty="0" err="1">
+                <a:ln>
+                  <a:noFill/>
+                </a:ln>
+                <a:solidFill>
+                  <a:srgbClr val="000000"/>
+                </a:solidFill>
+                <a:effectLst/>
+                <a:uLnTx/>
+                <a:uFillTx/>
+                <a:latin typeface="Courier New"/>
+                <a:ea typeface="Courier New"/>
+                <a:cs typeface="Courier New"/>
+                <a:sym typeface="Courier New"/>
+              </a:rPr>
+              <a:t>.database</a:t>
+            </a:r>
+            <a:r>
+              <a:rPr kumimoji="0" lang="en-US" sz="1400" b="0" i="0" u="none" strike="noStrike" kern="0" cap="none" spc="0" normalizeH="0" baseline="0" noProof="0" dirty="0">
+                <a:ln>
+                  <a:noFill/>
+                </a:ln>
+                <a:solidFill>
+                  <a:srgbClr val="000000"/>
+                </a:solidFill>
+                <a:effectLst/>
+                <a:uLnTx/>
+                <a:uFillTx/>
+                <a:latin typeface="Courier New"/>
+                <a:ea typeface="Courier New"/>
+                <a:cs typeface="Courier New"/>
+                <a:sym typeface="Courier New"/>
+              </a:rPr>
+              <a:t> = database;</a:t>
+            </a:r>
+            <a:endParaRPr kumimoji="0" lang="en-US" sz="1400" b="0" i="0" u="none" strike="noStrike" kern="0" cap="none" spc="0" normalizeH="0" baseline="0" noProof="0" dirty="0">
+              <a:ln>
+                <a:noFill/>
+              </a:ln>
+              <a:solidFill>
+                <a:srgbClr val="000000"/>
+              </a:solidFill>
+              <a:effectLst/>
+              <a:uLnTx/>
+              <a:uFillTx/>
+              <a:latin typeface="Arial"/>
+              <a:ea typeface="+mn-ea"/>
+              <a:cs typeface="+mn-cs"/>
+              <a:sym typeface="Arial"/>
+            </a:endParaRPr>
+          </a:p>
+          <a:p>
+            <a:pPr marL="0" marR="0" lvl="0" indent="0" algn="l" defTabSz="914400" rtl="0" eaLnBrk="1" fontAlgn="auto" latinLnBrk="0" hangingPunct="1">
+              <a:lnSpc>
+                <a:spcPct val="100000"/>
+              </a:lnSpc>
+              <a:spcBef>
+                <a:spcPts val="280"/>
+              </a:spcBef>
+              <a:spcAft>
+                <a:spcPts val="0"/>
+              </a:spcAft>
+              <a:buClr>
+                <a:srgbClr val="000000"/>
+              </a:buClr>
+              <a:buSzPts val="1400"/>
+              <a:buFont typeface="Arial"/>
+              <a:buNone/>
+              <a:tabLst/>
+              <a:defRPr/>
+            </a:pPr>
+            <a:r>
+              <a:rPr kumimoji="0" lang="en-US" sz="1400" b="0" i="0" u="none" strike="noStrike" kern="0" cap="none" spc="0" normalizeH="0" baseline="0" noProof="0" dirty="0">
+                <a:ln>
+                  <a:noFill/>
+                </a:ln>
+                <a:solidFill>
+                  <a:srgbClr val="000000"/>
+                </a:solidFill>
+                <a:effectLst/>
+                <a:uLnTx/>
+                <a:uFillTx/>
+                <a:latin typeface="Courier New"/>
+                <a:ea typeface="Courier New"/>
+                <a:cs typeface="Courier New"/>
+                <a:sym typeface="Courier New"/>
+              </a:rPr>
+              <a:t>    }</a:t>
+            </a:r>
+            <a:endParaRPr kumimoji="0" lang="en-US" sz="1400" b="0" i="0" u="none" strike="noStrike" kern="0" cap="none" spc="0" normalizeH="0" baseline="0" noProof="0" dirty="0">
+              <a:ln>
+                <a:noFill/>
+              </a:ln>
+              <a:solidFill>
+                <a:srgbClr val="000000"/>
+              </a:solidFill>
+              <a:effectLst/>
+              <a:uLnTx/>
+              <a:uFillTx/>
+              <a:latin typeface="Arial"/>
+              <a:ea typeface="+mn-ea"/>
+              <a:cs typeface="+mn-cs"/>
+              <a:sym typeface="Arial"/>
+            </a:endParaRPr>
+          </a:p>
+          <a:p>
+            <a:pPr marL="0" marR="0" lvl="0" indent="0" algn="l" defTabSz="914400" rtl="0" eaLnBrk="1" fontAlgn="auto" latinLnBrk="0" hangingPunct="1">
+              <a:lnSpc>
+                <a:spcPct val="100000"/>
+              </a:lnSpc>
+              <a:spcBef>
+                <a:spcPts val="280"/>
+              </a:spcBef>
+              <a:spcAft>
+                <a:spcPts val="0"/>
+              </a:spcAft>
+              <a:buClr>
+                <a:srgbClr val="000000"/>
+              </a:buClr>
+              <a:buSzPts val="1400"/>
+              <a:buFont typeface="Arial"/>
+              <a:buNone/>
+              <a:tabLst/>
+              <a:defRPr/>
+            </a:pPr>
+            <a:r>
+              <a:rPr kumimoji="0" lang="en-US" sz="1400" b="0" i="0" u="none" strike="noStrike" kern="0" cap="none" spc="0" normalizeH="0" baseline="0" noProof="0" dirty="0">
+                <a:ln>
+                  <a:noFill/>
+                </a:ln>
+                <a:solidFill>
+                  <a:srgbClr val="000000"/>
+                </a:solidFill>
+                <a:effectLst/>
+                <a:uLnTx/>
+                <a:uFillTx/>
+                <a:latin typeface="Courier New"/>
+                <a:ea typeface="Courier New"/>
+                <a:cs typeface="Courier New"/>
+                <a:sym typeface="Courier New"/>
+              </a:rPr>
+              <a:t>    </a:t>
+            </a:r>
+            <a:r>
+              <a:rPr kumimoji="0" lang="en-US" sz="1400" b="1" i="0" u="none" strike="noStrike" kern="0" cap="none" spc="0" normalizeH="0" baseline="0" noProof="0" dirty="0">
+                <a:ln>
+                  <a:noFill/>
+                </a:ln>
+                <a:solidFill>
+                  <a:srgbClr val="000000"/>
+                </a:solidFill>
+                <a:effectLst/>
+                <a:uLnTx/>
+                <a:uFillTx/>
+                <a:latin typeface="Courier New"/>
+                <a:ea typeface="Courier New"/>
+                <a:cs typeface="Courier New"/>
+                <a:sym typeface="Courier New"/>
+              </a:rPr>
+              <a:t>public</a:t>
+            </a:r>
+            <a:r>
+              <a:rPr kumimoji="0" lang="en-US" sz="1400" b="0" i="0" u="none" strike="noStrike" kern="0" cap="none" spc="0" normalizeH="0" baseline="0" noProof="0" dirty="0">
+                <a:ln>
+                  <a:noFill/>
+                </a:ln>
+                <a:solidFill>
+                  <a:srgbClr val="000000"/>
+                </a:solidFill>
+                <a:effectLst/>
+                <a:uLnTx/>
+                <a:uFillTx/>
+                <a:latin typeface="Courier New"/>
+                <a:ea typeface="Courier New"/>
+                <a:cs typeface="Courier New"/>
+                <a:sym typeface="Courier New"/>
+              </a:rPr>
+              <a:t> </a:t>
+            </a:r>
+            <a:r>
+              <a:rPr kumimoji="0" lang="en-US" sz="1400" b="1" i="0" u="none" strike="noStrike" kern="0" cap="none" spc="0" normalizeH="0" baseline="0" noProof="0" dirty="0">
+                <a:ln>
+                  <a:noFill/>
+                </a:ln>
+                <a:solidFill>
+                  <a:srgbClr val="000000"/>
+                </a:solidFill>
+                <a:effectLst/>
+                <a:uLnTx/>
+                <a:uFillTx/>
+                <a:latin typeface="Courier New"/>
+                <a:ea typeface="Courier New"/>
+                <a:cs typeface="Courier New"/>
+                <a:sym typeface="Courier New"/>
+              </a:rPr>
+              <a:t>void</a:t>
+            </a:r>
+            <a:r>
+              <a:rPr kumimoji="0" lang="en-US" sz="1400" b="0" i="0" u="none" strike="noStrike" kern="0" cap="none" spc="0" normalizeH="0" baseline="0" noProof="0" dirty="0">
+                <a:ln>
+                  <a:noFill/>
+                </a:ln>
+                <a:solidFill>
+                  <a:srgbClr val="000000"/>
+                </a:solidFill>
+                <a:effectLst/>
+                <a:uLnTx/>
+                <a:uFillTx/>
+                <a:latin typeface="Courier New"/>
+                <a:ea typeface="Courier New"/>
+                <a:cs typeface="Courier New"/>
+                <a:sym typeface="Courier New"/>
+              </a:rPr>
+              <a:t> add(</a:t>
+            </a:r>
+            <a:r>
+              <a:rPr lang="en-US" sz="1400" kern="0" dirty="0">
+                <a:solidFill>
+                  <a:srgbClr val="000000"/>
+                </a:solidFill>
+                <a:latin typeface="Courier New"/>
+                <a:ea typeface="Courier New"/>
+                <a:cs typeface="Courier New"/>
+                <a:sym typeface="Courier New"/>
+              </a:rPr>
+              <a:t>S</a:t>
+            </a:r>
+            <a:r>
+              <a:rPr kumimoji="0" lang="en-US" sz="1400" b="0" i="0" u="none" strike="noStrike" kern="0" cap="none" spc="0" normalizeH="0" baseline="0" noProof="0" dirty="0" err="1">
+                <a:ln>
+                  <a:noFill/>
+                </a:ln>
+                <a:solidFill>
+                  <a:srgbClr val="000000"/>
+                </a:solidFill>
+                <a:effectLst/>
+                <a:uLnTx/>
+                <a:uFillTx/>
+                <a:latin typeface="Courier New"/>
+                <a:ea typeface="Courier New"/>
+                <a:cs typeface="Courier New"/>
+                <a:sym typeface="Courier New"/>
+              </a:rPr>
+              <a:t>tring</a:t>
+            </a:r>
+            <a:r>
+              <a:rPr kumimoji="0" lang="en-US" sz="1400" b="0" i="0" u="none" strike="noStrike" kern="0" cap="none" spc="0" normalizeH="0" baseline="0" noProof="0" dirty="0">
+                <a:ln>
+                  <a:noFill/>
+                </a:ln>
+                <a:solidFill>
+                  <a:srgbClr val="000000"/>
+                </a:solidFill>
+                <a:effectLst/>
+                <a:uLnTx/>
+                <a:uFillTx/>
+                <a:latin typeface="Courier New"/>
+                <a:ea typeface="Courier New"/>
+                <a:cs typeface="Courier New"/>
+                <a:sym typeface="Courier New"/>
+              </a:rPr>
+              <a:t> </a:t>
+            </a:r>
+            <a:r>
+              <a:rPr kumimoji="0" lang="en-US" sz="1400" b="0" i="0" u="none" strike="noStrike" kern="0" cap="none" spc="0" normalizeH="0" baseline="0" noProof="0" dirty="0" err="1">
+                <a:ln>
+                  <a:noFill/>
+                </a:ln>
+                <a:solidFill>
+                  <a:srgbClr val="000000"/>
+                </a:solidFill>
+                <a:effectLst/>
+                <a:uLnTx/>
+                <a:uFillTx/>
+                <a:latin typeface="Courier New"/>
+                <a:ea typeface="Courier New"/>
+                <a:cs typeface="Courier New"/>
+                <a:sym typeface="Courier New"/>
+              </a:rPr>
+              <a:t>CustomerName</a:t>
+            </a:r>
+            <a:r>
+              <a:rPr kumimoji="0" lang="en-US" sz="1400" b="0" i="0" u="none" strike="noStrike" kern="0" cap="none" spc="0" normalizeH="0" baseline="0" noProof="0" dirty="0">
+                <a:ln>
+                  <a:noFill/>
+                </a:ln>
+                <a:solidFill>
+                  <a:srgbClr val="000000"/>
+                </a:solidFill>
+                <a:effectLst/>
+                <a:uLnTx/>
+                <a:uFillTx/>
+                <a:latin typeface="Courier New"/>
+                <a:ea typeface="Courier New"/>
+                <a:cs typeface="Courier New"/>
+                <a:sym typeface="Courier New"/>
+              </a:rPr>
+              <a:t>) {</a:t>
+            </a:r>
+            <a:endParaRPr kumimoji="0" lang="en-US" sz="1400" b="0" i="0" u="none" strike="noStrike" kern="0" cap="none" spc="0" normalizeH="0" baseline="0" noProof="0" dirty="0">
+              <a:ln>
+                <a:noFill/>
+              </a:ln>
+              <a:solidFill>
+                <a:srgbClr val="000000"/>
+              </a:solidFill>
+              <a:effectLst/>
+              <a:uLnTx/>
+              <a:uFillTx/>
+              <a:latin typeface="Arial"/>
+              <a:ea typeface="+mn-ea"/>
+              <a:cs typeface="+mn-cs"/>
+              <a:sym typeface="Arial"/>
+            </a:endParaRPr>
+          </a:p>
+          <a:p>
+            <a:pPr marL="0" marR="0" lvl="0" indent="0" algn="l" defTabSz="914400" rtl="0" eaLnBrk="1" fontAlgn="auto" latinLnBrk="0" hangingPunct="1">
+              <a:lnSpc>
+                <a:spcPct val="100000"/>
+              </a:lnSpc>
+              <a:spcBef>
+                <a:spcPts val="280"/>
+              </a:spcBef>
+              <a:spcAft>
+                <a:spcPts val="0"/>
+              </a:spcAft>
+              <a:buClr>
+                <a:srgbClr val="000000"/>
+              </a:buClr>
+              <a:buSzPts val="1400"/>
+              <a:buFont typeface="Arial"/>
+              <a:buNone/>
+              <a:tabLst/>
+              <a:defRPr/>
+            </a:pPr>
+            <a:r>
+              <a:rPr kumimoji="0" lang="en-US" sz="1400" b="0" i="0" u="none" strike="noStrike" kern="0" cap="none" spc="0" normalizeH="0" baseline="0" noProof="0" dirty="0">
+                <a:ln>
+                  <a:noFill/>
+                </a:ln>
+                <a:solidFill>
+                  <a:srgbClr val="000000"/>
+                </a:solidFill>
+                <a:effectLst/>
+                <a:uLnTx/>
+                <a:uFillTx/>
+                <a:latin typeface="Courier New"/>
+                <a:ea typeface="Courier New"/>
+                <a:cs typeface="Courier New"/>
+                <a:sym typeface="Courier New"/>
+              </a:rPr>
+              <a:t>        </a:t>
+            </a:r>
+            <a:r>
+              <a:rPr kumimoji="0" lang="en-US" sz="1400" b="0" i="0" u="none" strike="noStrike" kern="0" cap="none" spc="0" normalizeH="0" baseline="0" noProof="0" dirty="0" err="1">
+                <a:ln>
+                  <a:noFill/>
+                </a:ln>
+                <a:solidFill>
+                  <a:srgbClr val="000000"/>
+                </a:solidFill>
+                <a:effectLst/>
+                <a:uLnTx/>
+                <a:uFillTx/>
+                <a:latin typeface="Courier New"/>
+                <a:ea typeface="Courier New"/>
+                <a:cs typeface="Courier New"/>
+                <a:sym typeface="Courier New"/>
+              </a:rPr>
+              <a:t>database.addRow</a:t>
+            </a:r>
+            <a:r>
+              <a:rPr kumimoji="0" lang="en-US" sz="1400" b="0" i="0" u="none" strike="noStrike" kern="0" cap="none" spc="0" normalizeH="0" baseline="0" noProof="0" dirty="0">
+                <a:ln>
+                  <a:noFill/>
+                </a:ln>
+                <a:solidFill>
+                  <a:srgbClr val="000000"/>
+                </a:solidFill>
+                <a:effectLst/>
+                <a:uLnTx/>
+                <a:uFillTx/>
+                <a:latin typeface="Courier New"/>
+                <a:ea typeface="Courier New"/>
+                <a:cs typeface="Courier New"/>
+                <a:sym typeface="Courier New"/>
+              </a:rPr>
+              <a:t>("Customer", </a:t>
+            </a:r>
+            <a:r>
+              <a:rPr kumimoji="0" lang="en-US" sz="1400" b="0" i="0" u="none" strike="noStrike" kern="0" cap="none" spc="0" normalizeH="0" baseline="0" noProof="0" dirty="0" err="1">
+                <a:ln>
+                  <a:noFill/>
+                </a:ln>
+                <a:solidFill>
+                  <a:srgbClr val="000000"/>
+                </a:solidFill>
+                <a:effectLst/>
+                <a:uLnTx/>
+                <a:uFillTx/>
+                <a:latin typeface="Courier New"/>
+                <a:ea typeface="Courier New"/>
+                <a:cs typeface="Courier New"/>
+                <a:sym typeface="Courier New"/>
+              </a:rPr>
+              <a:t>CustomerName</a:t>
+            </a:r>
+            <a:r>
+              <a:rPr kumimoji="0" lang="en-US" sz="1400" b="0" i="0" u="none" strike="noStrike" kern="0" cap="none" spc="0" normalizeH="0" baseline="0" noProof="0" dirty="0">
+                <a:ln>
+                  <a:noFill/>
+                </a:ln>
+                <a:solidFill>
+                  <a:srgbClr val="000000"/>
+                </a:solidFill>
+                <a:effectLst/>
+                <a:uLnTx/>
+                <a:uFillTx/>
+                <a:latin typeface="Courier New"/>
+                <a:ea typeface="Courier New"/>
+                <a:cs typeface="Courier New"/>
+                <a:sym typeface="Courier New"/>
+              </a:rPr>
+              <a:t>);</a:t>
+            </a:r>
+            <a:endParaRPr kumimoji="0" lang="en-US" sz="1400" b="0" i="0" u="none" strike="noStrike" kern="0" cap="none" spc="0" normalizeH="0" baseline="0" noProof="0" dirty="0">
+              <a:ln>
+                <a:noFill/>
+              </a:ln>
+              <a:solidFill>
+                <a:srgbClr val="000000"/>
+              </a:solidFill>
+              <a:effectLst/>
+              <a:uLnTx/>
+              <a:uFillTx/>
+              <a:latin typeface="Arial"/>
+              <a:ea typeface="+mn-ea"/>
+              <a:cs typeface="+mn-cs"/>
+              <a:sym typeface="Arial"/>
+            </a:endParaRPr>
+          </a:p>
+          <a:p>
+            <a:pPr marL="0" marR="0" lvl="0" indent="0" algn="l" defTabSz="914400" rtl="0" eaLnBrk="1" fontAlgn="auto" latinLnBrk="0" hangingPunct="1">
+              <a:lnSpc>
+                <a:spcPct val="100000"/>
+              </a:lnSpc>
+              <a:spcBef>
+                <a:spcPts val="280"/>
+              </a:spcBef>
+              <a:spcAft>
+                <a:spcPts val="0"/>
+              </a:spcAft>
+              <a:buClr>
+                <a:srgbClr val="000000"/>
+              </a:buClr>
+              <a:buSzPts val="1400"/>
+              <a:buFont typeface="Arial"/>
+              <a:buNone/>
+              <a:tabLst/>
+              <a:defRPr/>
+            </a:pPr>
+            <a:r>
+              <a:rPr kumimoji="0" lang="en-US" sz="1400" b="0" i="0" u="none" strike="noStrike" kern="0" cap="none" spc="0" normalizeH="0" baseline="0" noProof="0" dirty="0">
+                <a:ln>
+                  <a:noFill/>
+                </a:ln>
+                <a:solidFill>
+                  <a:srgbClr val="000000"/>
+                </a:solidFill>
+                <a:effectLst/>
+                <a:uLnTx/>
+                <a:uFillTx/>
+                <a:latin typeface="Courier New"/>
+                <a:ea typeface="Courier New"/>
+                <a:cs typeface="Courier New"/>
+                <a:sym typeface="Courier New"/>
+              </a:rPr>
+              <a:t>    }</a:t>
+            </a:r>
+            <a:endParaRPr kumimoji="0" lang="en-US" sz="1400" b="0" i="0" u="none" strike="noStrike" kern="0" cap="none" spc="0" normalizeH="0" baseline="0" noProof="0" dirty="0">
+              <a:ln>
+                <a:noFill/>
+              </a:ln>
+              <a:solidFill>
+                <a:srgbClr val="000000"/>
+              </a:solidFill>
+              <a:effectLst/>
+              <a:uLnTx/>
+              <a:uFillTx/>
+              <a:latin typeface="Arial"/>
+              <a:ea typeface="+mn-ea"/>
+              <a:cs typeface="+mn-cs"/>
+              <a:sym typeface="Arial"/>
+            </a:endParaRPr>
+          </a:p>
+          <a:p>
+            <a:pPr marL="0" marR="0" lvl="0" indent="0" algn="l" defTabSz="914400" rtl="0" eaLnBrk="1" fontAlgn="auto" latinLnBrk="0" hangingPunct="1">
+              <a:lnSpc>
+                <a:spcPct val="100000"/>
+              </a:lnSpc>
+              <a:spcBef>
+                <a:spcPts val="280"/>
+              </a:spcBef>
+              <a:spcAft>
+                <a:spcPts val="0"/>
+              </a:spcAft>
+              <a:buClr>
+                <a:srgbClr val="000000"/>
+              </a:buClr>
+              <a:buSzPts val="1400"/>
+              <a:buFont typeface="Arial"/>
+              <a:buNone/>
+              <a:tabLst/>
+              <a:defRPr/>
+            </a:pPr>
+            <a:r>
+              <a:rPr kumimoji="0" lang="en-US" sz="1400" b="0" i="0" u="none" strike="noStrike" kern="0" cap="none" spc="0" normalizeH="0" baseline="0" noProof="0" dirty="0">
+                <a:ln>
+                  <a:noFill/>
+                </a:ln>
+                <a:solidFill>
+                  <a:srgbClr val="000000"/>
+                </a:solidFill>
+                <a:effectLst/>
+                <a:uLnTx/>
+                <a:uFillTx/>
+                <a:latin typeface="Courier New"/>
+                <a:ea typeface="Courier New"/>
+                <a:cs typeface="Courier New"/>
+                <a:sym typeface="Courier New"/>
+              </a:rPr>
+              <a:t>}</a:t>
+            </a:r>
+            <a:endParaRPr kumimoji="0" lang="en-US" sz="1400" b="0" i="0" u="none" strike="noStrike" kern="0" cap="none" spc="0" normalizeH="0" baseline="0" noProof="0" dirty="0">
+              <a:ln>
+                <a:noFill/>
+              </a:ln>
+              <a:solidFill>
+                <a:srgbClr val="000000"/>
+              </a:solidFill>
+              <a:effectLst/>
+              <a:uLnTx/>
+              <a:uFillTx/>
+              <a:latin typeface="Arial"/>
+              <a:ea typeface="+mn-ea"/>
+              <a:cs typeface="+mn-cs"/>
+              <a:sym typeface="Arial"/>
+            </a:endParaRPr>
+          </a:p>
+        </p:txBody>
+      </p:sp>
+    </p:spTree>
+  </p:cSld>
+  <p:clrMapOvr>
+    <a:masterClrMapping/>
+  </p:clrMapOvr>
+  <p:timing>
+    <p:tnLst>
+      <p:par>
+        <p:cTn id="1" dur="indefinite" restart="never" nodeType="tmRoot">
+          <p:childTnLst>
+            <p:seq concurrent="1" nextAc="seek">
+              <p:cTn id="2" dur="indefinite" nodeType="mainSeq">
+                <p:childTnLst>
+                  <p:par>
+                    <p:cTn id="3" fill="hold">
+                      <p:stCondLst>
+                        <p:cond delay="indefinite"/>
+                      </p:stCondLst>
+                      <p:childTnLst>
+                        <p:par>
+                          <p:cTn id="4" fill="hold">
+                            <p:stCondLst>
+                              <p:cond delay="0"/>
+                            </p:stCondLst>
+                            <p:childTnLst>
+                              <p:par>
+                                <p:cTn id="5" presetID="1" presetClass="entr" presetSubtype="0" fill="hold" grpId="0" nodeType="clickEffect">
+                                  <p:stCondLst>
+                                    <p:cond delay="0"/>
+                                  </p:stCondLst>
+                                  <p:childTnLst>
+                                    <p:set>
+                                      <p:cBhvr>
+                                        <p:cTn id="6" dur="1" fill="hold">
+                                          <p:stCondLst>
+                                            <p:cond delay="0"/>
+                                          </p:stCondLst>
+                                        </p:cTn>
+                                        <p:tgtEl>
+                                          <p:spTgt spid="282">
+                                            <p:txEl>
+                                              <p:pRg st="0" end="0"/>
+                                            </p:txEl>
+                                          </p:spTgt>
+                                        </p:tgtEl>
+                                        <p:attrNameLst>
+                                          <p:attrName>style.visibility</p:attrName>
+                                        </p:attrNameLst>
+                                      </p:cBhvr>
+                                      <p:to>
+                                        <p:strVal val="visible"/>
+                                      </p:to>
+                                    </p:set>
+                                  </p:childTnLst>
+                                </p:cTn>
+                              </p:par>
+                            </p:childTnLst>
+                          </p:cTn>
+                        </p:par>
+                      </p:childTnLst>
+                    </p:cTn>
+                  </p:par>
+                  <p:par>
+                    <p:cTn id="7" fill="hold">
+                      <p:stCondLst>
+                        <p:cond delay="indefinite"/>
+                      </p:stCondLst>
+                      <p:childTnLst>
+                        <p:par>
+                          <p:cTn id="8" fill="hold">
+                            <p:stCondLst>
+                              <p:cond delay="0"/>
+                            </p:stCondLst>
+                            <p:childTnLst>
+                              <p:par>
+                                <p:cTn id="9" presetID="1" presetClass="entr" presetSubtype="0" fill="hold" grpId="0" nodeType="clickEffect">
+                                  <p:stCondLst>
+                                    <p:cond delay="0"/>
+                                  </p:stCondLst>
+                                  <p:childTnLst>
+                                    <p:set>
+                                      <p:cBhvr>
+                                        <p:cTn id="10" dur="1" fill="hold">
+                                          <p:stCondLst>
+                                            <p:cond delay="0"/>
+                                          </p:stCondLst>
+                                        </p:cTn>
+                                        <p:tgtEl>
+                                          <p:spTgt spid="282">
+                                            <p:txEl>
+                                              <p:pRg st="1" end="1"/>
+                                            </p:txEl>
+                                          </p:spTgt>
+                                        </p:tgtEl>
+                                        <p:attrNameLst>
+                                          <p:attrName>style.visibility</p:attrName>
+                                        </p:attrNameLst>
+                                      </p:cBhvr>
+                                      <p:to>
+                                        <p:strVal val="visible"/>
+                                      </p:to>
+                                    </p:set>
+                                  </p:childTnLst>
+                                </p:cTn>
+                              </p:par>
+                            </p:childTnLst>
+                          </p:cTn>
+                        </p:par>
+                      </p:childTnLst>
+                    </p:cTn>
+                  </p:par>
+                  <p:par>
+                    <p:cTn id="11" fill="hold">
+                      <p:stCondLst>
+                        <p:cond delay="indefinite"/>
+                      </p:stCondLst>
+                      <p:childTnLst>
+                        <p:par>
+                          <p:cTn id="12" fill="hold">
+                            <p:stCondLst>
+                              <p:cond delay="0"/>
+                            </p:stCondLst>
+                            <p:childTnLst>
+                              <p:par>
+                                <p:cTn id="13" presetID="1" presetClass="entr" presetSubtype="0" fill="hold" grpId="0" nodeType="clickEffect">
+                                  <p:stCondLst>
+                                    <p:cond delay="0"/>
+                                  </p:stCondLst>
+                                  <p:childTnLst>
+                                    <p:set>
+                                      <p:cBhvr>
+                                        <p:cTn id="14" dur="1" fill="hold">
+                                          <p:stCondLst>
+                                            <p:cond delay="0"/>
+                                          </p:stCondLst>
+                                        </p:cTn>
+                                        <p:tgtEl>
+                                          <p:spTgt spid="282">
+                                            <p:txEl>
+                                              <p:pRg st="18" end="18"/>
+                                            </p:txEl>
+                                          </p:spTgt>
+                                        </p:tgtEl>
+                                        <p:attrNameLst>
+                                          <p:attrName>style.visibility</p:attrName>
+                                        </p:attrNameLst>
+                                      </p:cBhvr>
+                                      <p:to>
+                                        <p:strVal val="visible"/>
+                                      </p:to>
+                                    </p:set>
+                                  </p:childTnLst>
+                                </p:cTn>
+                              </p:par>
+                            </p:childTnLst>
+                          </p:cTn>
+                        </p:par>
+                      </p:childTnLst>
+                    </p:cTn>
+                  </p:par>
+                </p:childTnLst>
+              </p:cTn>
+              <p:prevCondLst>
+                <p:cond evt="onPrev" delay="0">
+                  <p:tgtEl>
+                    <p:sldTgt/>
+                  </p:tgtEl>
+                </p:cond>
+              </p:prevCondLst>
+              <p:nextCondLst>
+                <p:cond evt="onNext" delay="0">
+                  <p:tgtEl>
+                    <p:sldTgt/>
+                  </p:tgtEl>
+                </p:cond>
+              </p:nextCondLst>
+            </p:seq>
+          </p:childTnLst>
+        </p:cTn>
+      </p:par>
+    </p:tnLst>
+    <p:bldLst>
+      <p:bldP spid="282" grpId="0" build="p"/>
+    </p:bldLst>
+  </p:timing>
+</p:sld>
+</file>
+
+<file path=ppt/slides/slide9.xml><?xml version="1.0" encoding="utf-8"?>
+<p:sld xmlns:a="http://schemas.openxmlformats.org/drawingml/2006/main" xmlns:r="http://schemas.openxmlformats.org/officeDocument/2006/relationships" xmlns:p="http://schemas.openxmlformats.org/presentationml/2006/main">
+  <p:cSld>
+    <p:spTree>
+      <p:nvGrpSpPr>
+        <p:cNvPr id="1" name=""/>
+        <p:cNvGrpSpPr/>
+        <p:nvPr/>
+      </p:nvGrpSpPr>
+      <p:grpSpPr>
+        <a:xfrm>
+          <a:off x="0" y="0"/>
+          <a:ext cx="0" cy="0"/>
+          <a:chOff x="0" y="0"/>
+          <a:chExt cx="0" cy="0"/>
+        </a:xfrm>
+      </p:grpSpPr>
+      <p:sp>
+        <p:nvSpPr>
+          <p:cNvPr id="2" name="Title 1">
+            <a:extLst>
+              <a:ext uri="{FF2B5EF4-FFF2-40B4-BE49-F238E27FC236}">
+                <a16:creationId xmlns:a16="http://schemas.microsoft.com/office/drawing/2014/main" id="{A4C0DB6F-3DEE-4841-A9EC-E2E8A9E817DC}"/>
+              </a:ext>
+            </a:extLst>
+          </p:cNvPr>
+          <p:cNvSpPr>
+            <a:spLocks noGrp="1"/>
+          </p:cNvSpPr>
+          <p:nvPr>
+            <p:ph type="title"/>
+          </p:nvPr>
+        </p:nvSpPr>
+        <p:spPr/>
+        <p:txBody>
+          <a:bodyPr/>
+          <a:lstStyle/>
+          <a:p>
+            <a:r>
+              <a:rPr lang="en-US" dirty="0"/>
+              <a:t>Loosely Coupled Example…</a:t>
+            </a:r>
+          </a:p>
+        </p:txBody>
+      </p:sp>
+      <p:sp>
+        <p:nvSpPr>
+          <p:cNvPr id="4" name="Slide Number Placeholder 3">
+            <a:extLst>
+              <a:ext uri="{FF2B5EF4-FFF2-40B4-BE49-F238E27FC236}">
+                <a16:creationId xmlns:a16="http://schemas.microsoft.com/office/drawing/2014/main" id="{3F24A170-99F9-4CE8-BEB3-8D9DC9809A99}"/>
+              </a:ext>
+            </a:extLst>
+          </p:cNvPr>
+          <p:cNvSpPr>
+            <a:spLocks noGrp="1"/>
+          </p:cNvSpPr>
+          <p:nvPr>
+            <p:ph type="sldNum" idx="12"/>
+          </p:nvPr>
+        </p:nvSpPr>
+        <p:spPr/>
+        <p:txBody>
+          <a:bodyPr/>
+          <a:lstStyle/>
+          <a:p>
+            <a:pPr marL="0" marR="0" lvl="0" indent="0" algn="r" defTabSz="914400" rtl="0" eaLnBrk="1" fontAlgn="auto" latinLnBrk="0" hangingPunct="1">
+              <a:lnSpc>
+                <a:spcPct val="100000"/>
+              </a:lnSpc>
+              <a:spcBef>
+                <a:spcPts val="0"/>
+              </a:spcBef>
+              <a:spcAft>
+                <a:spcPts val="0"/>
+              </a:spcAft>
+              <a:buClr>
+                <a:srgbClr val="000000"/>
+              </a:buClr>
+              <a:buSzTx/>
+              <a:buFont typeface="Arial"/>
+              <a:buNone/>
+              <a:tabLst/>
+              <a:defRPr/>
+            </a:pPr>
+            <a:fld id="{00000000-1234-1234-1234-123412341234}" type="slidenum">
+              <a:rPr kumimoji="0" lang="en-US" sz="1200" b="0" i="0" u="none" strike="noStrike" kern="0" cap="none" spc="0" normalizeH="0" baseline="0" noProof="0" smtClean="0">
+                <a:ln>
+                  <a:noFill/>
+                </a:ln>
+                <a:solidFill>
+                  <a:srgbClr val="A0A1A0"/>
+                </a:solidFill>
+                <a:effectLst/>
+                <a:uLnTx/>
+                <a:uFillTx/>
+                <a:latin typeface="Arial"/>
+                <a:cs typeface="Arial"/>
+                <a:sym typeface="Arial"/>
+              </a:rPr>
+              <a:pPr marL="0" marR="0" lvl="0" indent="0" algn="r" defTabSz="914400" rtl="0" eaLnBrk="1" fontAlgn="auto" latinLnBrk="0" hangingPunct="1">
+                <a:lnSpc>
+                  <a:spcPct val="100000"/>
+                </a:lnSpc>
+                <a:spcBef>
+                  <a:spcPts val="0"/>
+                </a:spcBef>
+                <a:spcAft>
+                  <a:spcPts val="0"/>
+                </a:spcAft>
+                <a:buClr>
+                  <a:srgbClr val="000000"/>
+                </a:buClr>
+                <a:buSzTx/>
+                <a:buFont typeface="Arial"/>
+                <a:buNone/>
+                <a:tabLst/>
+                <a:defRPr/>
+              </a:pPr>
+              <a:t>8</a:t>
+            </a:fld>
+            <a:endParaRPr kumimoji="0" lang="en-US" sz="1200" b="0" i="0" u="none" strike="noStrike" kern="0" cap="none" spc="0" normalizeH="0" baseline="0" noProof="0">
+              <a:ln>
+                <a:noFill/>
+              </a:ln>
+              <a:solidFill>
+                <a:srgbClr val="A0A1A0"/>
+              </a:solidFill>
+              <a:effectLst/>
+              <a:uLnTx/>
+              <a:uFillTx/>
+              <a:latin typeface="Arial"/>
+              <a:cs typeface="Arial"/>
+              <a:sym typeface="Arial"/>
+            </a:endParaRPr>
+          </a:p>
+        </p:txBody>
+      </p:sp>
+      <p:sp>
+        <p:nvSpPr>
+          <p:cNvPr id="5" name="Rectangle 4">
+            <a:extLst>
+              <a:ext uri="{FF2B5EF4-FFF2-40B4-BE49-F238E27FC236}">
+                <a16:creationId xmlns:a16="http://schemas.microsoft.com/office/drawing/2014/main" id="{4BCC62A6-F1A0-4218-8CF5-814B6F6C224B}"/>
+              </a:ext>
+            </a:extLst>
+          </p:cNvPr>
+          <p:cNvSpPr/>
+          <p:nvPr/>
+        </p:nvSpPr>
+        <p:spPr>
+          <a:xfrm>
+            <a:off x="380007" y="1328233"/>
+            <a:ext cx="7868444" cy="716437"/>
+          </a:xfrm>
+          <a:prstGeom prst="rect">
+            <a:avLst/>
+          </a:prstGeom>
+        </p:spPr>
+        <p:style>
+          <a:lnRef idx="1">
+            <a:schemeClr val="accent2"/>
+          </a:lnRef>
+          <a:fillRef idx="2">
+            <a:schemeClr val="accent2"/>
+          </a:fillRef>
+          <a:effectRef idx="1">
+            <a:schemeClr val="accent2"/>
+          </a:effectRef>
+          <a:fontRef idx="minor">
+            <a:schemeClr val="dk1"/>
+          </a:fontRef>
+        </p:style>
+        <p:txBody>
+          <a:bodyPr rtlCol="0" anchor="ctr"/>
+          <a:lstStyle/>
+          <a:p>
+            <a:pPr marL="0" marR="0" lvl="0" indent="0" algn="l" defTabSz="914400" rtl="0" eaLnBrk="1" fontAlgn="auto" latinLnBrk="0" hangingPunct="1">
+              <a:lnSpc>
+                <a:spcPct val="80000"/>
+              </a:lnSpc>
+              <a:spcBef>
+                <a:spcPts val="0"/>
+              </a:spcBef>
+              <a:spcAft>
+                <a:spcPts val="0"/>
+              </a:spcAft>
+              <a:buClr>
+                <a:srgbClr val="000000"/>
+              </a:buClr>
+              <a:buSzPts val="1400"/>
+              <a:buFont typeface="Arial"/>
+              <a:buNone/>
+              <a:tabLst/>
+              <a:defRPr/>
+            </a:pPr>
+            <a:r>
+              <a:rPr lang="en-US" sz="1400" b="1" kern="0" dirty="0">
+                <a:solidFill>
+                  <a:srgbClr val="000000"/>
+                </a:solidFill>
+                <a:latin typeface="Courier New"/>
+                <a:ea typeface="Courier New"/>
+                <a:cs typeface="Courier New"/>
+                <a:sym typeface="Courier New"/>
+              </a:rPr>
+              <a:t>p</a:t>
+            </a:r>
+            <a:r>
+              <a:rPr kumimoji="0" lang="en-US" sz="1400" b="1" i="0" u="none" strike="noStrike" kern="0" cap="none" spc="0" normalizeH="0" baseline="0" noProof="0" dirty="0" err="1">
+                <a:ln>
+                  <a:noFill/>
+                </a:ln>
+                <a:solidFill>
+                  <a:srgbClr val="000000"/>
+                </a:solidFill>
+                <a:effectLst/>
+                <a:uLnTx/>
+                <a:uFillTx/>
+                <a:latin typeface="Courier New"/>
+                <a:ea typeface="Courier New"/>
+                <a:cs typeface="Courier New"/>
+                <a:sym typeface="Courier New"/>
+              </a:rPr>
+              <a:t>ublic</a:t>
+            </a:r>
+            <a:r>
+              <a:rPr kumimoji="0" lang="en-US" sz="1400" b="1" i="0" u="none" strike="noStrike" kern="0" cap="none" spc="0" normalizeH="0" baseline="0" noProof="0" dirty="0">
+                <a:ln>
+                  <a:noFill/>
+                </a:ln>
+                <a:solidFill>
+                  <a:srgbClr val="000000"/>
+                </a:solidFill>
+                <a:effectLst/>
+                <a:uLnTx/>
+                <a:uFillTx/>
+                <a:latin typeface="Courier New"/>
+                <a:ea typeface="Courier New"/>
+                <a:cs typeface="Courier New"/>
+                <a:sym typeface="Courier New"/>
+              </a:rPr>
+              <a:t> interface</a:t>
+            </a:r>
+            <a:r>
+              <a:rPr kumimoji="0" lang="en-US" sz="1400" b="0" i="0" u="none" strike="noStrike" kern="0" cap="none" spc="0" normalizeH="0" baseline="0" noProof="0" dirty="0">
+                <a:ln>
+                  <a:noFill/>
+                </a:ln>
+                <a:solidFill>
+                  <a:srgbClr val="000000"/>
+                </a:solidFill>
+                <a:effectLst/>
+                <a:uLnTx/>
+                <a:uFillTx/>
+                <a:latin typeface="Courier New"/>
+                <a:ea typeface="Courier New"/>
+                <a:cs typeface="Courier New"/>
+                <a:sym typeface="Courier New"/>
+              </a:rPr>
+              <a:t> </a:t>
+            </a:r>
+            <a:r>
+              <a:rPr kumimoji="0" lang="en-US" sz="1400" b="0" i="0" u="none" strike="noStrike" kern="0" cap="none" spc="0" normalizeH="0" baseline="0" noProof="0" dirty="0" err="1">
+                <a:ln>
+                  <a:noFill/>
+                </a:ln>
+                <a:solidFill>
+                  <a:srgbClr val="000000"/>
+                </a:solidFill>
+                <a:effectLst/>
+                <a:uLnTx/>
+                <a:uFillTx/>
+                <a:latin typeface="Courier New"/>
+                <a:ea typeface="Courier New"/>
+                <a:cs typeface="Courier New"/>
+                <a:sym typeface="Courier New"/>
+              </a:rPr>
+              <a:t>IDatabase</a:t>
+            </a:r>
+            <a:r>
+              <a:rPr kumimoji="0" lang="en-US" sz="1400" b="0" i="0" u="none" strike="noStrike" kern="0" cap="none" spc="0" normalizeH="0" baseline="0" noProof="0" dirty="0">
+                <a:ln>
+                  <a:noFill/>
+                </a:ln>
+                <a:solidFill>
+                  <a:srgbClr val="000000"/>
+                </a:solidFill>
+                <a:effectLst/>
+                <a:uLnTx/>
+                <a:uFillTx/>
+                <a:latin typeface="Courier New"/>
+                <a:ea typeface="Courier New"/>
+                <a:cs typeface="Courier New"/>
+                <a:sym typeface="Courier New"/>
+              </a:rPr>
+              <a:t> {</a:t>
+            </a:r>
+            <a:endParaRPr kumimoji="0" lang="en-US" sz="1400" b="0" i="0" u="none" strike="noStrike" kern="0" cap="none" spc="0" normalizeH="0" baseline="0" noProof="0" dirty="0">
+              <a:ln>
+                <a:noFill/>
+              </a:ln>
+              <a:solidFill>
+                <a:srgbClr val="000000"/>
+              </a:solidFill>
+              <a:effectLst/>
+              <a:uLnTx/>
+              <a:uFillTx/>
+              <a:latin typeface="Arial"/>
+              <a:ea typeface="+mn-ea"/>
+              <a:cs typeface="+mn-cs"/>
+              <a:sym typeface="Arial"/>
+            </a:endParaRPr>
+          </a:p>
+          <a:p>
+            <a:pPr marL="0" marR="0" lvl="0" indent="0" algn="l" defTabSz="914400" rtl="0" eaLnBrk="1" fontAlgn="auto" latinLnBrk="0" hangingPunct="1">
+              <a:lnSpc>
+                <a:spcPct val="80000"/>
+              </a:lnSpc>
+              <a:spcBef>
+                <a:spcPts val="280"/>
+              </a:spcBef>
+              <a:spcAft>
+                <a:spcPts val="0"/>
+              </a:spcAft>
+              <a:buClr>
+                <a:srgbClr val="000000"/>
+              </a:buClr>
+              <a:buSzPts val="1400"/>
+              <a:buFont typeface="Arial"/>
+              <a:buNone/>
+              <a:tabLst/>
+              <a:defRPr/>
+            </a:pPr>
+            <a:r>
+              <a:rPr kumimoji="0" lang="en-US" sz="1400" b="0" i="0" u="none" strike="noStrike" kern="0" cap="none" spc="0" normalizeH="0" baseline="0" noProof="0" dirty="0">
+                <a:ln>
+                  <a:noFill/>
+                </a:ln>
+                <a:solidFill>
+                  <a:srgbClr val="000000"/>
+                </a:solidFill>
+                <a:effectLst/>
+                <a:uLnTx/>
+                <a:uFillTx/>
+                <a:latin typeface="Courier New"/>
+                <a:ea typeface="Courier New"/>
+                <a:cs typeface="Courier New"/>
+                <a:sym typeface="Courier New"/>
+              </a:rPr>
+              <a:t>    </a:t>
+            </a:r>
+            <a:r>
+              <a:rPr kumimoji="0" lang="en-US" sz="1400" b="1" i="0" u="none" strike="noStrike" kern="0" cap="none" spc="0" normalizeH="0" baseline="0" noProof="0" dirty="0">
+                <a:ln>
+                  <a:noFill/>
+                </a:ln>
+                <a:solidFill>
+                  <a:srgbClr val="000000"/>
+                </a:solidFill>
+                <a:effectLst/>
+                <a:uLnTx/>
+                <a:uFillTx/>
+                <a:latin typeface="Courier New"/>
+                <a:ea typeface="Courier New"/>
+                <a:cs typeface="Courier New"/>
+                <a:sym typeface="Courier New"/>
+              </a:rPr>
+              <a:t>public</a:t>
+            </a:r>
+            <a:r>
+              <a:rPr kumimoji="0" lang="en-US" sz="1400" b="0" i="0" u="none" strike="noStrike" kern="0" cap="none" spc="0" normalizeH="0" baseline="0" noProof="0" dirty="0">
+                <a:ln>
+                  <a:noFill/>
+                </a:ln>
+                <a:solidFill>
+                  <a:srgbClr val="000000"/>
+                </a:solidFill>
+                <a:effectLst/>
+                <a:uLnTx/>
+                <a:uFillTx/>
+                <a:latin typeface="Courier New"/>
+                <a:ea typeface="Courier New"/>
+                <a:cs typeface="Courier New"/>
+                <a:sym typeface="Courier New"/>
+              </a:rPr>
+              <a:t> </a:t>
+            </a:r>
+            <a:r>
+              <a:rPr kumimoji="0" lang="en-US" sz="1400" b="1" i="0" u="none" strike="noStrike" kern="0" cap="none" spc="0" normalizeH="0" baseline="0" noProof="0" dirty="0">
+                <a:ln>
+                  <a:noFill/>
+                </a:ln>
+                <a:solidFill>
+                  <a:srgbClr val="000000"/>
+                </a:solidFill>
+                <a:effectLst/>
+                <a:uLnTx/>
+                <a:uFillTx/>
+                <a:latin typeface="Courier New"/>
+                <a:ea typeface="Courier New"/>
+                <a:cs typeface="Courier New"/>
+                <a:sym typeface="Courier New"/>
+              </a:rPr>
+              <a:t>void</a:t>
+            </a:r>
+            <a:r>
+              <a:rPr kumimoji="0" lang="en-US" sz="1400" b="0" i="0" u="none" strike="noStrike" kern="0" cap="none" spc="0" normalizeH="0" baseline="0" noProof="0" dirty="0">
+                <a:ln>
+                  <a:noFill/>
+                </a:ln>
+                <a:solidFill>
+                  <a:srgbClr val="000000"/>
+                </a:solidFill>
+                <a:effectLst/>
+                <a:uLnTx/>
+                <a:uFillTx/>
+                <a:latin typeface="Courier New"/>
+                <a:ea typeface="Courier New"/>
+                <a:cs typeface="Courier New"/>
+                <a:sym typeface="Courier New"/>
+              </a:rPr>
+              <a:t> </a:t>
+            </a:r>
+            <a:r>
+              <a:rPr kumimoji="0" lang="en-US" sz="1400" b="0" i="0" u="none" strike="noStrike" kern="0" cap="none" spc="0" normalizeH="0" baseline="0" noProof="0" dirty="0" err="1">
+                <a:ln>
+                  <a:noFill/>
+                </a:ln>
+                <a:solidFill>
+                  <a:srgbClr val="000000"/>
+                </a:solidFill>
+                <a:effectLst/>
+                <a:uLnTx/>
+                <a:uFillTx/>
+                <a:latin typeface="Courier New"/>
+                <a:ea typeface="Courier New"/>
+                <a:cs typeface="Courier New"/>
+                <a:sym typeface="Courier New"/>
+              </a:rPr>
+              <a:t>addRow</a:t>
+            </a:r>
+            <a:r>
+              <a:rPr kumimoji="0" lang="en-US" sz="1400" b="0" i="0" u="none" strike="noStrike" kern="0" cap="none" spc="0" normalizeH="0" baseline="0" noProof="0" dirty="0">
+                <a:ln>
+                  <a:noFill/>
+                </a:ln>
+                <a:solidFill>
+                  <a:srgbClr val="000000"/>
+                </a:solidFill>
+                <a:effectLst/>
+                <a:uLnTx/>
+                <a:uFillTx/>
+                <a:latin typeface="Courier New"/>
+                <a:ea typeface="Courier New"/>
+                <a:cs typeface="Courier New"/>
+                <a:sym typeface="Courier New"/>
+              </a:rPr>
+              <a:t>(String Table, String Value);</a:t>
+            </a:r>
+            <a:endParaRPr kumimoji="0" lang="en-US" sz="1400" b="0" i="0" u="none" strike="noStrike" kern="0" cap="none" spc="0" normalizeH="0" baseline="0" noProof="0" dirty="0">
+              <a:ln>
+                <a:noFill/>
+              </a:ln>
+              <a:solidFill>
+                <a:srgbClr val="000000"/>
+              </a:solidFill>
+              <a:effectLst/>
+              <a:uLnTx/>
+              <a:uFillTx/>
+              <a:latin typeface="Arial"/>
+              <a:ea typeface="+mn-ea"/>
+              <a:cs typeface="+mn-cs"/>
+              <a:sym typeface="Arial"/>
+            </a:endParaRPr>
+          </a:p>
+          <a:p>
+            <a:pPr marL="0" marR="0" lvl="0" indent="0" algn="l" defTabSz="914400" rtl="0" eaLnBrk="1" fontAlgn="auto" latinLnBrk="0" hangingPunct="1">
+              <a:lnSpc>
+                <a:spcPct val="80000"/>
+              </a:lnSpc>
+              <a:spcBef>
+                <a:spcPts val="280"/>
+              </a:spcBef>
+              <a:spcAft>
+                <a:spcPts val="0"/>
+              </a:spcAft>
+              <a:buClr>
+                <a:srgbClr val="000000"/>
+              </a:buClr>
+              <a:buSzPts val="1400"/>
+              <a:buFont typeface="Arial"/>
+              <a:buNone/>
+              <a:tabLst/>
+              <a:defRPr/>
+            </a:pPr>
+            <a:r>
+              <a:rPr kumimoji="0" lang="en-US" sz="1400" b="0" i="0" u="none" strike="noStrike" kern="0" cap="none" spc="0" normalizeH="0" baseline="0" noProof="0" dirty="0">
+                <a:ln>
+                  <a:noFill/>
+                </a:ln>
+                <a:solidFill>
+                  <a:srgbClr val="000000"/>
+                </a:solidFill>
+                <a:effectLst/>
+                <a:uLnTx/>
+                <a:uFillTx/>
+                <a:latin typeface="Courier New"/>
+                <a:ea typeface="Courier New"/>
+                <a:cs typeface="Courier New"/>
+                <a:sym typeface="Courier New"/>
+              </a:rPr>
+              <a:t>}</a:t>
+            </a:r>
+            <a:endParaRPr kumimoji="0" lang="en-US" sz="1400" b="0" i="0" u="none" strike="noStrike" kern="0" cap="none" spc="0" normalizeH="0" baseline="0" noProof="0" dirty="0">
+              <a:ln>
+                <a:noFill/>
+              </a:ln>
+              <a:solidFill>
+                <a:srgbClr val="000000"/>
+              </a:solidFill>
+              <a:effectLst/>
+              <a:uLnTx/>
+              <a:uFillTx/>
+              <a:latin typeface="Arial"/>
+              <a:ea typeface="+mn-ea"/>
+              <a:cs typeface="+mn-cs"/>
+              <a:sym typeface="Arial"/>
+            </a:endParaRPr>
+          </a:p>
+        </p:txBody>
+      </p:sp>
+      <p:sp>
+        <p:nvSpPr>
+          <p:cNvPr id="6" name="Rectangle 5">
+            <a:extLst>
+              <a:ext uri="{FF2B5EF4-FFF2-40B4-BE49-F238E27FC236}">
+                <a16:creationId xmlns:a16="http://schemas.microsoft.com/office/drawing/2014/main" id="{1A28F6FC-93EC-4C55-856B-39752E8384EE}"/>
+              </a:ext>
+            </a:extLst>
+          </p:cNvPr>
+          <p:cNvSpPr/>
+          <p:nvPr/>
+        </p:nvSpPr>
+        <p:spPr>
+          <a:xfrm>
+            <a:off x="380008" y="2228171"/>
+            <a:ext cx="7868443" cy="641969"/>
+          </a:xfrm>
+          <a:prstGeom prst="rect">
+            <a:avLst/>
+          </a:prstGeom>
+        </p:spPr>
+        <p:style>
+          <a:lnRef idx="1">
+            <a:schemeClr val="accent2"/>
+          </a:lnRef>
+          <a:fillRef idx="2">
+            <a:schemeClr val="accent2"/>
+          </a:fillRef>
+          <a:effectRef idx="1">
+            <a:schemeClr val="accent2"/>
+          </a:effectRef>
+          <a:fontRef idx="minor">
+            <a:schemeClr val="dk1"/>
+          </a:fontRef>
+        </p:style>
+        <p:txBody>
+          <a:bodyPr rtlCol="0" anchor="ctr"/>
+          <a:lstStyle/>
+          <a:p>
+            <a:pPr marL="0" marR="0" lvl="0" indent="0" algn="l" defTabSz="914400" rtl="0" eaLnBrk="1" fontAlgn="auto" latinLnBrk="0" hangingPunct="1">
+              <a:lnSpc>
+                <a:spcPct val="80000"/>
+              </a:lnSpc>
+              <a:spcBef>
+                <a:spcPts val="280"/>
+              </a:spcBef>
+              <a:spcAft>
+                <a:spcPts val="0"/>
+              </a:spcAft>
+              <a:buClr>
+                <a:srgbClr val="000000"/>
+              </a:buClr>
+              <a:buSzPts val="1400"/>
+              <a:buFont typeface="Arial"/>
+              <a:buNone/>
+              <a:tabLst/>
+              <a:defRPr/>
+            </a:pPr>
+            <a:r>
+              <a:rPr lang="en-US" sz="1400" b="1" kern="0" dirty="0">
+                <a:solidFill>
+                  <a:srgbClr val="000000"/>
+                </a:solidFill>
+                <a:latin typeface="Courier New"/>
+                <a:ea typeface="Courier New"/>
+                <a:cs typeface="Courier New"/>
+                <a:sym typeface="Courier New"/>
+              </a:rPr>
+              <a:t>p</a:t>
+            </a:r>
+            <a:r>
+              <a:rPr kumimoji="0" lang="en-US" sz="1400" b="1" i="0" u="none" strike="noStrike" kern="0" cap="none" spc="0" normalizeH="0" baseline="0" noProof="0" dirty="0" err="1">
+                <a:ln>
+                  <a:noFill/>
+                </a:ln>
+                <a:solidFill>
+                  <a:srgbClr val="000000"/>
+                </a:solidFill>
+                <a:effectLst/>
+                <a:uLnTx/>
+                <a:uFillTx/>
+                <a:latin typeface="Courier New"/>
+                <a:ea typeface="Courier New"/>
+                <a:cs typeface="Courier New"/>
+                <a:sym typeface="Courier New"/>
+              </a:rPr>
+              <a:t>ublic</a:t>
+            </a:r>
+            <a:r>
+              <a:rPr kumimoji="0" lang="en-US" sz="1400" b="1" i="0" u="none" strike="noStrike" kern="0" cap="none" spc="0" normalizeH="0" baseline="0" noProof="0" dirty="0">
+                <a:ln>
+                  <a:noFill/>
+                </a:ln>
+                <a:solidFill>
+                  <a:srgbClr val="000000"/>
+                </a:solidFill>
+                <a:effectLst/>
+                <a:uLnTx/>
+                <a:uFillTx/>
+                <a:latin typeface="Courier New"/>
+                <a:ea typeface="Courier New"/>
+                <a:cs typeface="Courier New"/>
+                <a:sym typeface="Courier New"/>
+              </a:rPr>
+              <a:t> class</a:t>
+            </a:r>
+            <a:r>
+              <a:rPr kumimoji="0" lang="en-US" sz="1400" b="0" i="0" u="none" strike="noStrike" kern="0" cap="none" spc="0" normalizeH="0" baseline="0" noProof="0" dirty="0">
+                <a:ln>
+                  <a:noFill/>
+                </a:ln>
+                <a:solidFill>
+                  <a:srgbClr val="000000"/>
+                </a:solidFill>
+                <a:effectLst/>
+                <a:uLnTx/>
+                <a:uFillTx/>
+                <a:latin typeface="Courier New"/>
+                <a:ea typeface="Courier New"/>
+                <a:cs typeface="Courier New"/>
+                <a:sym typeface="Courier New"/>
+              </a:rPr>
+              <a:t> </a:t>
+            </a:r>
+            <a:r>
+              <a:rPr kumimoji="0" lang="en-US" sz="1400" b="0" i="0" u="none" strike="noStrike" kern="0" cap="none" spc="0" normalizeH="0" baseline="0" noProof="0" dirty="0" err="1">
+                <a:ln>
+                  <a:noFill/>
+                </a:ln>
+                <a:solidFill>
+                  <a:srgbClr val="000000"/>
+                </a:solidFill>
+                <a:effectLst/>
+                <a:uLnTx/>
+                <a:uFillTx/>
+                <a:latin typeface="Courier New"/>
+                <a:ea typeface="Courier New"/>
+                <a:cs typeface="Courier New"/>
+                <a:sym typeface="Courier New"/>
+              </a:rPr>
+              <a:t>MySQLDatabase</a:t>
+            </a:r>
+            <a:r>
+              <a:rPr kumimoji="0" lang="en-US" sz="1400" b="0" i="0" u="none" strike="noStrike" kern="0" cap="none" spc="0" normalizeH="0" baseline="0" noProof="0" dirty="0">
+                <a:ln>
+                  <a:noFill/>
+                </a:ln>
+                <a:solidFill>
+                  <a:srgbClr val="000000"/>
+                </a:solidFill>
+                <a:effectLst/>
+                <a:uLnTx/>
+                <a:uFillTx/>
+                <a:latin typeface="Courier New"/>
+                <a:ea typeface="Courier New"/>
+                <a:cs typeface="Courier New"/>
+                <a:sym typeface="Courier New"/>
+              </a:rPr>
+              <a:t> </a:t>
+            </a:r>
+            <a:r>
+              <a:rPr kumimoji="0" lang="en-US" sz="1400" b="1" i="0" u="none" strike="noStrike" kern="0" cap="none" spc="0" normalizeH="0" baseline="0" noProof="0" dirty="0">
+                <a:ln>
+                  <a:noFill/>
+                </a:ln>
+                <a:solidFill>
+                  <a:srgbClr val="000000"/>
+                </a:solidFill>
+                <a:effectLst/>
+                <a:uLnTx/>
+                <a:uFillTx/>
+                <a:latin typeface="Courier New"/>
+                <a:ea typeface="Courier New"/>
+                <a:cs typeface="Courier New"/>
+                <a:sym typeface="Courier New"/>
+              </a:rPr>
+              <a:t>implements</a:t>
+            </a:r>
+            <a:r>
+              <a:rPr kumimoji="0" lang="en-US" sz="1400" b="0" i="0" u="none" strike="noStrike" kern="0" cap="none" spc="0" normalizeH="0" baseline="0" noProof="0" dirty="0">
+                <a:ln>
+                  <a:noFill/>
+                </a:ln>
+                <a:solidFill>
+                  <a:srgbClr val="000000"/>
+                </a:solidFill>
+                <a:effectLst/>
+                <a:uLnTx/>
+                <a:uFillTx/>
+                <a:latin typeface="Courier New"/>
+                <a:ea typeface="Courier New"/>
+                <a:cs typeface="Courier New"/>
+                <a:sym typeface="Courier New"/>
+              </a:rPr>
+              <a:t> </a:t>
+            </a:r>
+            <a:r>
+              <a:rPr kumimoji="0" lang="en-US" sz="1400" b="0" i="0" u="none" strike="noStrike" kern="0" cap="none" spc="0" normalizeH="0" baseline="0" noProof="0" dirty="0" err="1">
+                <a:ln>
+                  <a:noFill/>
+                </a:ln>
+                <a:solidFill>
+                  <a:srgbClr val="000000"/>
+                </a:solidFill>
+                <a:effectLst/>
+                <a:uLnTx/>
+                <a:uFillTx/>
+                <a:latin typeface="Courier New"/>
+                <a:ea typeface="Courier New"/>
+                <a:cs typeface="Courier New"/>
+                <a:sym typeface="Courier New"/>
+              </a:rPr>
+              <a:t>IDatabase</a:t>
+            </a:r>
+            <a:r>
+              <a:rPr kumimoji="0" lang="en-US" sz="1400" b="0" i="0" u="none" strike="noStrike" kern="0" cap="none" spc="0" normalizeH="0" baseline="0" noProof="0" dirty="0">
+                <a:ln>
+                  <a:noFill/>
+                </a:ln>
+                <a:solidFill>
+                  <a:srgbClr val="000000"/>
+                </a:solidFill>
+                <a:effectLst/>
+                <a:uLnTx/>
+                <a:uFillTx/>
+                <a:latin typeface="Courier New"/>
+                <a:ea typeface="Courier New"/>
+                <a:cs typeface="Courier New"/>
+                <a:sym typeface="Courier New"/>
+              </a:rPr>
+              <a:t> {</a:t>
+            </a:r>
+            <a:endParaRPr kumimoji="0" lang="en-US" sz="1400" b="0" i="0" u="none" strike="noStrike" kern="0" cap="none" spc="0" normalizeH="0" baseline="0" noProof="0" dirty="0">
+              <a:ln>
+                <a:noFill/>
+              </a:ln>
+              <a:solidFill>
+                <a:srgbClr val="000000"/>
+              </a:solidFill>
+              <a:effectLst/>
+              <a:uLnTx/>
+              <a:uFillTx/>
+              <a:latin typeface="Arial"/>
+              <a:ea typeface="+mn-ea"/>
+              <a:cs typeface="+mn-cs"/>
+              <a:sym typeface="Arial"/>
+            </a:endParaRPr>
+          </a:p>
+          <a:p>
+            <a:pPr marL="0" marR="0" lvl="0" indent="0" algn="l" defTabSz="914400" rtl="0" eaLnBrk="1" fontAlgn="auto" latinLnBrk="0" hangingPunct="1">
+              <a:lnSpc>
+                <a:spcPct val="80000"/>
+              </a:lnSpc>
+              <a:spcBef>
+                <a:spcPts val="280"/>
+              </a:spcBef>
+              <a:spcAft>
+                <a:spcPts val="0"/>
+              </a:spcAft>
+              <a:buClr>
+                <a:srgbClr val="000000"/>
+              </a:buClr>
+              <a:buSzPts val="1400"/>
+              <a:buFont typeface="Arial"/>
+              <a:buNone/>
+              <a:tabLst/>
+              <a:defRPr/>
+            </a:pPr>
+            <a:r>
+              <a:rPr kumimoji="0" lang="en-US" sz="1400" b="0" i="0" u="none" strike="noStrike" kern="0" cap="none" spc="0" normalizeH="0" baseline="0" noProof="0" dirty="0">
+                <a:ln>
+                  <a:noFill/>
+                </a:ln>
+                <a:solidFill>
+                  <a:srgbClr val="000000"/>
+                </a:solidFill>
+                <a:effectLst/>
+                <a:uLnTx/>
+                <a:uFillTx/>
+                <a:latin typeface="Courier New"/>
+                <a:ea typeface="Courier New"/>
+                <a:cs typeface="Courier New"/>
+                <a:sym typeface="Courier New"/>
+              </a:rPr>
+              <a:t>    </a:t>
+            </a:r>
+            <a:r>
+              <a:rPr kumimoji="0" lang="en-US" sz="1400" b="1" i="0" u="none" strike="noStrike" kern="0" cap="none" spc="0" normalizeH="0" baseline="0" noProof="0" dirty="0">
+                <a:ln>
+                  <a:noFill/>
+                </a:ln>
+                <a:solidFill>
+                  <a:srgbClr val="000000"/>
+                </a:solidFill>
+                <a:effectLst/>
+                <a:uLnTx/>
+                <a:uFillTx/>
+                <a:latin typeface="Courier New"/>
+                <a:ea typeface="Courier New"/>
+                <a:cs typeface="Courier New"/>
+                <a:sym typeface="Courier New"/>
+              </a:rPr>
+              <a:t>public</a:t>
+            </a:r>
+            <a:r>
+              <a:rPr kumimoji="0" lang="en-US" sz="1400" b="0" i="0" u="none" strike="noStrike" kern="0" cap="none" spc="0" normalizeH="0" baseline="0" noProof="0" dirty="0">
+                <a:ln>
+                  <a:noFill/>
+                </a:ln>
+                <a:solidFill>
+                  <a:srgbClr val="000000"/>
+                </a:solidFill>
+                <a:effectLst/>
+                <a:uLnTx/>
+                <a:uFillTx/>
+                <a:latin typeface="Courier New"/>
+                <a:ea typeface="Courier New"/>
+                <a:cs typeface="Courier New"/>
+                <a:sym typeface="Courier New"/>
+              </a:rPr>
+              <a:t> </a:t>
+            </a:r>
+            <a:r>
+              <a:rPr kumimoji="0" lang="en-US" sz="1400" b="1" i="0" u="none" strike="noStrike" kern="0" cap="none" spc="0" normalizeH="0" baseline="0" noProof="0" dirty="0">
+                <a:ln>
+                  <a:noFill/>
+                </a:ln>
+                <a:solidFill>
+                  <a:srgbClr val="000000"/>
+                </a:solidFill>
+                <a:effectLst/>
+                <a:uLnTx/>
+                <a:uFillTx/>
+                <a:latin typeface="Courier New"/>
+                <a:ea typeface="Courier New"/>
+                <a:cs typeface="Courier New"/>
+                <a:sym typeface="Courier New"/>
+              </a:rPr>
+              <a:t>void</a:t>
+            </a:r>
+            <a:r>
+              <a:rPr kumimoji="0" lang="en-US" sz="1400" b="0" i="0" u="none" strike="noStrike" kern="0" cap="none" spc="0" normalizeH="0" baseline="0" noProof="0" dirty="0">
+                <a:ln>
+                  <a:noFill/>
+                </a:ln>
+                <a:solidFill>
+                  <a:srgbClr val="000000"/>
+                </a:solidFill>
+                <a:effectLst/>
+                <a:uLnTx/>
+                <a:uFillTx/>
+                <a:latin typeface="Courier New"/>
+                <a:ea typeface="Courier New"/>
+                <a:cs typeface="Courier New"/>
+                <a:sym typeface="Courier New"/>
+              </a:rPr>
+              <a:t> </a:t>
+            </a:r>
+            <a:r>
+              <a:rPr kumimoji="0" lang="en-US" sz="1400" b="0" i="0" u="none" strike="noStrike" kern="0" cap="none" spc="0" normalizeH="0" baseline="0" noProof="0" dirty="0" err="1">
+                <a:ln>
+                  <a:noFill/>
+                </a:ln>
+                <a:solidFill>
+                  <a:srgbClr val="000000"/>
+                </a:solidFill>
+                <a:effectLst/>
+                <a:uLnTx/>
+                <a:uFillTx/>
+                <a:latin typeface="Courier New"/>
+                <a:ea typeface="Courier New"/>
+                <a:cs typeface="Courier New"/>
+                <a:sym typeface="Courier New"/>
+              </a:rPr>
+              <a:t>addRow</a:t>
+            </a:r>
+            <a:r>
+              <a:rPr kumimoji="0" lang="en-US" sz="1400" b="0" i="0" u="none" strike="noStrike" kern="0" cap="none" spc="0" normalizeH="0" baseline="0" noProof="0" dirty="0">
+                <a:ln>
+                  <a:noFill/>
+                </a:ln>
+                <a:solidFill>
+                  <a:srgbClr val="000000"/>
+                </a:solidFill>
+                <a:effectLst/>
+                <a:uLnTx/>
+                <a:uFillTx/>
+                <a:latin typeface="Courier New"/>
+                <a:ea typeface="Courier New"/>
+                <a:cs typeface="Courier New"/>
+                <a:sym typeface="Courier New"/>
+              </a:rPr>
+              <a:t>(String Table, String Value) { /* whatever*/ }</a:t>
+            </a:r>
+            <a:endParaRPr kumimoji="0" lang="en-US" sz="1400" b="0" i="0" u="none" strike="noStrike" kern="0" cap="none" spc="0" normalizeH="0" baseline="0" noProof="0" dirty="0">
+              <a:ln>
+                <a:noFill/>
+              </a:ln>
+              <a:solidFill>
+                <a:srgbClr val="000000"/>
+              </a:solidFill>
+              <a:effectLst/>
+              <a:uLnTx/>
+              <a:uFillTx/>
+              <a:latin typeface="Arial"/>
+              <a:ea typeface="+mn-ea"/>
+              <a:cs typeface="+mn-cs"/>
+              <a:sym typeface="Arial"/>
+            </a:endParaRPr>
+          </a:p>
+          <a:p>
+            <a:pPr marL="0" marR="0" lvl="0" indent="0" algn="l" defTabSz="914400" rtl="0" eaLnBrk="1" fontAlgn="auto" latinLnBrk="0" hangingPunct="1">
+              <a:lnSpc>
+                <a:spcPct val="80000"/>
+              </a:lnSpc>
+              <a:spcBef>
+                <a:spcPts val="280"/>
+              </a:spcBef>
+              <a:spcAft>
+                <a:spcPts val="0"/>
+              </a:spcAft>
+              <a:buClr>
+                <a:srgbClr val="000000"/>
+              </a:buClr>
+              <a:buSzPts val="1400"/>
+              <a:buFont typeface="Arial"/>
+              <a:buNone/>
+              <a:tabLst/>
+              <a:defRPr/>
+            </a:pPr>
+            <a:r>
+              <a:rPr kumimoji="0" lang="en-US" sz="1400" b="0" i="0" u="none" strike="noStrike" kern="0" cap="none" spc="0" normalizeH="0" baseline="0" noProof="0" dirty="0">
+                <a:ln>
+                  <a:noFill/>
+                </a:ln>
+                <a:solidFill>
+                  <a:srgbClr val="000000"/>
+                </a:solidFill>
+                <a:effectLst/>
+                <a:uLnTx/>
+                <a:uFillTx/>
+                <a:latin typeface="Courier New"/>
+                <a:ea typeface="Courier New"/>
+                <a:cs typeface="Courier New"/>
+                <a:sym typeface="Courier New"/>
+              </a:rPr>
+              <a:t>}</a:t>
+            </a:r>
+            <a:endParaRPr kumimoji="0" lang="en-US" sz="1400" b="0" i="0" u="none" strike="noStrike" kern="0" cap="none" spc="0" normalizeH="0" baseline="0" noProof="0" dirty="0">
+              <a:ln>
+                <a:noFill/>
+              </a:ln>
+              <a:solidFill>
+                <a:srgbClr val="000000"/>
+              </a:solidFill>
+              <a:effectLst/>
+              <a:uLnTx/>
+              <a:uFillTx/>
+              <a:latin typeface="Arial"/>
+              <a:ea typeface="+mn-ea"/>
+              <a:cs typeface="+mn-cs"/>
+              <a:sym typeface="Arial"/>
+            </a:endParaRPr>
+          </a:p>
+        </p:txBody>
+      </p:sp>
+      <p:sp>
+        <p:nvSpPr>
+          <p:cNvPr id="8" name="Rectangle 7">
+            <a:extLst>
+              <a:ext uri="{FF2B5EF4-FFF2-40B4-BE49-F238E27FC236}">
+                <a16:creationId xmlns:a16="http://schemas.microsoft.com/office/drawing/2014/main" id="{03EE8E1C-A145-43A5-8404-CFEC446D5A9E}"/>
+              </a:ext>
+            </a:extLst>
+          </p:cNvPr>
+          <p:cNvSpPr/>
+          <p:nvPr/>
+        </p:nvSpPr>
+        <p:spPr>
+          <a:xfrm>
+            <a:off x="380008" y="3100314"/>
+            <a:ext cx="7868443" cy="641969"/>
+          </a:xfrm>
+          <a:prstGeom prst="rect">
+            <a:avLst/>
+          </a:prstGeom>
+        </p:spPr>
+        <p:style>
+          <a:lnRef idx="1">
+            <a:schemeClr val="accent2"/>
+          </a:lnRef>
+          <a:fillRef idx="2">
+            <a:schemeClr val="accent2"/>
+          </a:fillRef>
+          <a:effectRef idx="1">
+            <a:schemeClr val="accent2"/>
+          </a:effectRef>
+          <a:fontRef idx="minor">
+            <a:schemeClr val="dk1"/>
+          </a:fontRef>
+        </p:style>
+        <p:txBody>
+          <a:bodyPr rtlCol="0" anchor="ctr"/>
+          <a:lstStyle/>
+          <a:p>
+            <a:pPr marL="0" marR="0" lvl="0" indent="0" algn="l" defTabSz="914400" rtl="0" eaLnBrk="1" fontAlgn="auto" latinLnBrk="0" hangingPunct="1">
+              <a:lnSpc>
+                <a:spcPct val="80000"/>
+              </a:lnSpc>
+              <a:spcBef>
+                <a:spcPts val="280"/>
+              </a:spcBef>
+              <a:spcAft>
+                <a:spcPts val="0"/>
+              </a:spcAft>
+              <a:buClr>
+                <a:srgbClr val="000000"/>
+              </a:buClr>
+              <a:buSzPts val="1400"/>
+              <a:buFont typeface="Arial"/>
+              <a:buNone/>
+              <a:tabLst/>
+              <a:defRPr/>
+            </a:pPr>
+            <a:r>
+              <a:rPr lang="en-US" sz="1400" b="1" kern="0" dirty="0">
+                <a:solidFill>
+                  <a:srgbClr val="000000"/>
+                </a:solidFill>
+                <a:latin typeface="Courier New"/>
+                <a:ea typeface="Courier New"/>
+                <a:cs typeface="Courier New"/>
+                <a:sym typeface="Courier New"/>
+              </a:rPr>
+              <a:t>p</a:t>
+            </a:r>
+            <a:r>
+              <a:rPr kumimoji="0" lang="en-US" sz="1400" b="1" i="0" u="none" strike="noStrike" kern="0" cap="none" spc="0" normalizeH="0" baseline="0" noProof="0" dirty="0" err="1">
+                <a:ln>
+                  <a:noFill/>
+                </a:ln>
+                <a:solidFill>
+                  <a:srgbClr val="000000"/>
+                </a:solidFill>
+                <a:effectLst/>
+                <a:uLnTx/>
+                <a:uFillTx/>
+                <a:latin typeface="Courier New"/>
+                <a:ea typeface="Courier New"/>
+                <a:cs typeface="Courier New"/>
+                <a:sym typeface="Courier New"/>
+              </a:rPr>
+              <a:t>ublic</a:t>
+            </a:r>
+            <a:r>
+              <a:rPr kumimoji="0" lang="en-US" sz="1400" b="1" i="0" u="none" strike="noStrike" kern="0" cap="none" spc="0" normalizeH="0" baseline="0" noProof="0" dirty="0">
+                <a:ln>
+                  <a:noFill/>
+                </a:ln>
+                <a:solidFill>
+                  <a:srgbClr val="000000"/>
+                </a:solidFill>
+                <a:effectLst/>
+                <a:uLnTx/>
+                <a:uFillTx/>
+                <a:latin typeface="Courier New"/>
+                <a:ea typeface="Courier New"/>
+                <a:cs typeface="Courier New"/>
+                <a:sym typeface="Courier New"/>
+              </a:rPr>
+              <a:t> class</a:t>
+            </a:r>
+            <a:r>
+              <a:rPr kumimoji="0" lang="en-US" sz="1400" b="0" i="0" u="none" strike="noStrike" kern="0" cap="none" spc="0" normalizeH="0" baseline="0" noProof="0" dirty="0">
+                <a:ln>
+                  <a:noFill/>
+                </a:ln>
+                <a:solidFill>
+                  <a:srgbClr val="000000"/>
+                </a:solidFill>
+                <a:effectLst/>
+                <a:uLnTx/>
+                <a:uFillTx/>
+                <a:latin typeface="Courier New"/>
+                <a:ea typeface="Courier New"/>
+                <a:cs typeface="Courier New"/>
+                <a:sym typeface="Courier New"/>
+              </a:rPr>
+              <a:t> </a:t>
+            </a:r>
+            <a:r>
+              <a:rPr kumimoji="0" lang="en-US" sz="1400" b="0" i="0" u="none" strike="noStrike" kern="0" cap="none" spc="0" normalizeH="0" baseline="0" noProof="0" dirty="0" err="1">
+                <a:ln>
+                  <a:noFill/>
+                </a:ln>
+                <a:solidFill>
+                  <a:srgbClr val="000000"/>
+                </a:solidFill>
+                <a:effectLst/>
+                <a:uLnTx/>
+                <a:uFillTx/>
+                <a:latin typeface="Courier New"/>
+                <a:ea typeface="Courier New"/>
+                <a:cs typeface="Courier New"/>
+                <a:sym typeface="Courier New"/>
+              </a:rPr>
+              <a:t>PostgreSQLDatabase</a:t>
+            </a:r>
+            <a:r>
+              <a:rPr kumimoji="0" lang="en-US" sz="1400" b="0" i="0" u="none" strike="noStrike" kern="0" cap="none" spc="0" normalizeH="0" baseline="0" noProof="0" dirty="0">
+                <a:ln>
+                  <a:noFill/>
+                </a:ln>
+                <a:solidFill>
+                  <a:srgbClr val="000000"/>
+                </a:solidFill>
+                <a:effectLst/>
+                <a:uLnTx/>
+                <a:uFillTx/>
+                <a:latin typeface="Courier New"/>
+                <a:ea typeface="Courier New"/>
+                <a:cs typeface="Courier New"/>
+                <a:sym typeface="Courier New"/>
+              </a:rPr>
+              <a:t> </a:t>
+            </a:r>
+            <a:r>
+              <a:rPr kumimoji="0" lang="en-US" sz="1400" b="1" i="0" u="none" strike="noStrike" kern="0" cap="none" spc="0" normalizeH="0" baseline="0" noProof="0" dirty="0">
+                <a:ln>
+                  <a:noFill/>
+                </a:ln>
+                <a:solidFill>
+                  <a:srgbClr val="000000"/>
+                </a:solidFill>
+                <a:effectLst/>
+                <a:uLnTx/>
+                <a:uFillTx/>
+                <a:latin typeface="Courier New"/>
+                <a:ea typeface="Courier New"/>
+                <a:cs typeface="Courier New"/>
+                <a:sym typeface="Courier New"/>
+              </a:rPr>
+              <a:t>implements</a:t>
+            </a:r>
+            <a:r>
+              <a:rPr kumimoji="0" lang="en-US" sz="1400" b="0" i="0" u="none" strike="noStrike" kern="0" cap="none" spc="0" normalizeH="0" baseline="0" noProof="0" dirty="0">
+                <a:ln>
+                  <a:noFill/>
+                </a:ln>
+                <a:solidFill>
+                  <a:srgbClr val="000000"/>
+                </a:solidFill>
+                <a:effectLst/>
+                <a:uLnTx/>
+                <a:uFillTx/>
+                <a:latin typeface="Courier New"/>
+                <a:ea typeface="Courier New"/>
+                <a:cs typeface="Courier New"/>
+                <a:sym typeface="Courier New"/>
+              </a:rPr>
+              <a:t> </a:t>
+            </a:r>
+            <a:r>
+              <a:rPr kumimoji="0" lang="en-US" sz="1400" b="0" i="0" u="none" strike="noStrike" kern="0" cap="none" spc="0" normalizeH="0" baseline="0" noProof="0" dirty="0" err="1">
+                <a:ln>
+                  <a:noFill/>
+                </a:ln>
+                <a:solidFill>
+                  <a:srgbClr val="000000"/>
+                </a:solidFill>
+                <a:effectLst/>
+                <a:uLnTx/>
+                <a:uFillTx/>
+                <a:latin typeface="Courier New"/>
+                <a:ea typeface="Courier New"/>
+                <a:cs typeface="Courier New"/>
+                <a:sym typeface="Courier New"/>
+              </a:rPr>
+              <a:t>IDatabase</a:t>
+            </a:r>
+            <a:r>
+              <a:rPr kumimoji="0" lang="en-US" sz="1400" b="0" i="0" u="none" strike="noStrike" kern="0" cap="none" spc="0" normalizeH="0" baseline="0" noProof="0" dirty="0">
+                <a:ln>
+                  <a:noFill/>
+                </a:ln>
+                <a:solidFill>
+                  <a:srgbClr val="000000"/>
+                </a:solidFill>
+                <a:effectLst/>
+                <a:uLnTx/>
+                <a:uFillTx/>
+                <a:latin typeface="Courier New"/>
+                <a:ea typeface="Courier New"/>
+                <a:cs typeface="Courier New"/>
+                <a:sym typeface="Courier New"/>
+              </a:rPr>
+              <a:t> {</a:t>
+            </a:r>
+            <a:endParaRPr kumimoji="0" lang="en-US" sz="1400" b="0" i="0" u="none" strike="noStrike" kern="0" cap="none" spc="0" normalizeH="0" baseline="0" noProof="0" dirty="0">
+              <a:ln>
+                <a:noFill/>
+              </a:ln>
+              <a:solidFill>
+                <a:srgbClr val="000000"/>
+              </a:solidFill>
+              <a:effectLst/>
+              <a:uLnTx/>
+              <a:uFillTx/>
+              <a:latin typeface="Arial"/>
+              <a:ea typeface="+mn-ea"/>
+              <a:cs typeface="+mn-cs"/>
+              <a:sym typeface="Arial"/>
+            </a:endParaRPr>
+          </a:p>
+          <a:p>
+            <a:pPr marL="0" marR="0" lvl="0" indent="0" algn="l" defTabSz="914400" rtl="0" eaLnBrk="1" fontAlgn="auto" latinLnBrk="0" hangingPunct="1">
+              <a:lnSpc>
+                <a:spcPct val="80000"/>
+              </a:lnSpc>
+              <a:spcBef>
+                <a:spcPts val="280"/>
+              </a:spcBef>
+              <a:spcAft>
+                <a:spcPts val="0"/>
+              </a:spcAft>
+              <a:buClr>
+                <a:srgbClr val="000000"/>
+              </a:buClr>
+              <a:buSzPts val="1400"/>
+              <a:buFont typeface="Arial"/>
+              <a:buNone/>
+              <a:tabLst/>
+              <a:defRPr/>
+            </a:pPr>
+            <a:r>
+              <a:rPr kumimoji="0" lang="en-US" sz="1400" b="0" i="0" u="none" strike="noStrike" kern="0" cap="none" spc="0" normalizeH="0" baseline="0" noProof="0" dirty="0">
+                <a:ln>
+                  <a:noFill/>
+                </a:ln>
+                <a:solidFill>
+                  <a:srgbClr val="000000"/>
+                </a:solidFill>
+                <a:effectLst/>
+                <a:uLnTx/>
+                <a:uFillTx/>
+                <a:latin typeface="Courier New"/>
+                <a:ea typeface="Courier New"/>
+                <a:cs typeface="Courier New"/>
+                <a:sym typeface="Courier New"/>
+              </a:rPr>
+              <a:t>    </a:t>
+            </a:r>
+            <a:r>
+              <a:rPr kumimoji="0" lang="en-US" sz="1400" b="1" i="0" u="none" strike="noStrike" kern="0" cap="none" spc="0" normalizeH="0" baseline="0" noProof="0" dirty="0">
+                <a:ln>
+                  <a:noFill/>
+                </a:ln>
+                <a:solidFill>
+                  <a:srgbClr val="000000"/>
+                </a:solidFill>
+                <a:effectLst/>
+                <a:uLnTx/>
+                <a:uFillTx/>
+                <a:latin typeface="Courier New"/>
+                <a:ea typeface="Courier New"/>
+                <a:cs typeface="Courier New"/>
+                <a:sym typeface="Courier New"/>
+              </a:rPr>
+              <a:t>public void</a:t>
+            </a:r>
+            <a:r>
+              <a:rPr kumimoji="0" lang="en-US" sz="1400" b="0" i="0" u="none" strike="noStrike" kern="0" cap="none" spc="0" normalizeH="0" baseline="0" noProof="0" dirty="0">
+                <a:ln>
+                  <a:noFill/>
+                </a:ln>
+                <a:solidFill>
+                  <a:srgbClr val="000000"/>
+                </a:solidFill>
+                <a:effectLst/>
+                <a:uLnTx/>
+                <a:uFillTx/>
+                <a:latin typeface="Courier New"/>
+                <a:ea typeface="Courier New"/>
+                <a:cs typeface="Courier New"/>
+                <a:sym typeface="Courier New"/>
+              </a:rPr>
+              <a:t> </a:t>
+            </a:r>
+            <a:r>
+              <a:rPr kumimoji="0" lang="en-US" sz="1400" b="0" i="0" u="none" strike="noStrike" kern="0" cap="none" spc="0" normalizeH="0" baseline="0" noProof="0" dirty="0" err="1">
+                <a:ln>
+                  <a:noFill/>
+                </a:ln>
+                <a:solidFill>
+                  <a:srgbClr val="000000"/>
+                </a:solidFill>
+                <a:effectLst/>
+                <a:uLnTx/>
+                <a:uFillTx/>
+                <a:latin typeface="Courier New"/>
+                <a:ea typeface="Courier New"/>
+                <a:cs typeface="Courier New"/>
+                <a:sym typeface="Courier New"/>
+              </a:rPr>
+              <a:t>addRow</a:t>
+            </a:r>
+            <a:r>
+              <a:rPr kumimoji="0" lang="en-US" sz="1400" b="0" i="0" u="none" strike="noStrike" kern="0" cap="none" spc="0" normalizeH="0" baseline="0" noProof="0" dirty="0">
+                <a:ln>
+                  <a:noFill/>
+                </a:ln>
+                <a:solidFill>
+                  <a:srgbClr val="000000"/>
+                </a:solidFill>
+                <a:effectLst/>
+                <a:uLnTx/>
+                <a:uFillTx/>
+                <a:latin typeface="Courier New"/>
+                <a:ea typeface="Courier New"/>
+                <a:cs typeface="Courier New"/>
+                <a:sym typeface="Courier New"/>
+              </a:rPr>
+              <a:t>(String Table, String Value) { /* </a:t>
+            </a:r>
+            <a:r>
+              <a:rPr kumimoji="0" lang="en-US" sz="1400" b="0" i="0" u="none" strike="noStrike" kern="0" cap="none" spc="0" normalizeH="0" baseline="0" noProof="0" dirty="0" err="1">
+                <a:ln>
+                  <a:noFill/>
+                </a:ln>
+                <a:solidFill>
+                  <a:srgbClr val="000000"/>
+                </a:solidFill>
+                <a:effectLst/>
+                <a:uLnTx/>
+                <a:uFillTx/>
+                <a:latin typeface="Courier New"/>
+                <a:ea typeface="Courier New"/>
+                <a:cs typeface="Courier New"/>
+                <a:sym typeface="Courier New"/>
+              </a:rPr>
+              <a:t>postgre</a:t>
+            </a:r>
+            <a:r>
+              <a:rPr kumimoji="0" lang="en-US" sz="1400" b="0" i="0" u="none" strike="noStrike" kern="0" cap="none" spc="0" normalizeH="0" baseline="0" noProof="0" dirty="0">
+                <a:ln>
+                  <a:noFill/>
+                </a:ln>
+                <a:solidFill>
+                  <a:srgbClr val="000000"/>
+                </a:solidFill>
+                <a:effectLst/>
+                <a:uLnTx/>
+                <a:uFillTx/>
+                <a:latin typeface="Courier New"/>
+                <a:ea typeface="Courier New"/>
+                <a:cs typeface="Courier New"/>
+                <a:sym typeface="Courier New"/>
+              </a:rPr>
+              <a:t> code */}</a:t>
+            </a:r>
+            <a:endParaRPr kumimoji="0" lang="en-US" sz="1400" b="0" i="0" u="none" strike="noStrike" kern="0" cap="none" spc="0" normalizeH="0" baseline="0" noProof="0" dirty="0">
+              <a:ln>
+                <a:noFill/>
+              </a:ln>
+              <a:solidFill>
+                <a:srgbClr val="000000"/>
+              </a:solidFill>
+              <a:effectLst/>
+              <a:uLnTx/>
+              <a:uFillTx/>
+              <a:latin typeface="Arial"/>
+              <a:ea typeface="+mn-ea"/>
+              <a:cs typeface="+mn-cs"/>
+              <a:sym typeface="Arial"/>
+            </a:endParaRPr>
+          </a:p>
+          <a:p>
+            <a:pPr marL="0" marR="0" lvl="0" indent="0" algn="l" defTabSz="914400" rtl="0" eaLnBrk="1" fontAlgn="auto" latinLnBrk="0" hangingPunct="1">
+              <a:lnSpc>
+                <a:spcPct val="80000"/>
+              </a:lnSpc>
+              <a:spcBef>
+                <a:spcPts val="280"/>
+              </a:spcBef>
+              <a:spcAft>
+                <a:spcPts val="0"/>
+              </a:spcAft>
+              <a:buClr>
+                <a:srgbClr val="000000"/>
+              </a:buClr>
+              <a:buSzPts val="1400"/>
+              <a:buFont typeface="Arial"/>
+              <a:buNone/>
+              <a:tabLst/>
+              <a:defRPr/>
+            </a:pPr>
+            <a:r>
+              <a:rPr kumimoji="0" lang="en-US" sz="1400" b="0" i="0" u="none" strike="noStrike" kern="0" cap="none" spc="0" normalizeH="0" baseline="0" noProof="0" dirty="0">
+                <a:ln>
+                  <a:noFill/>
+                </a:ln>
+                <a:solidFill>
+                  <a:srgbClr val="000000"/>
+                </a:solidFill>
+                <a:effectLst/>
+                <a:uLnTx/>
+                <a:uFillTx/>
+                <a:latin typeface="Courier New"/>
+                <a:ea typeface="Courier New"/>
+                <a:cs typeface="Courier New"/>
+                <a:sym typeface="Courier New"/>
+              </a:rPr>
+              <a:t>}</a:t>
+            </a:r>
+            <a:endParaRPr kumimoji="0" lang="en-US" sz="1400" b="0" i="0" u="none" strike="noStrike" kern="0" cap="none" spc="0" normalizeH="0" baseline="0" noProof="0" dirty="0">
+              <a:ln>
+                <a:noFill/>
+              </a:ln>
+              <a:solidFill>
+                <a:srgbClr val="000000"/>
+              </a:solidFill>
+              <a:effectLst/>
+              <a:uLnTx/>
+              <a:uFillTx/>
+              <a:latin typeface="Arial"/>
+              <a:ea typeface="+mn-ea"/>
+              <a:cs typeface="+mn-cs"/>
+              <a:sym typeface="Arial"/>
+            </a:endParaRPr>
+          </a:p>
+        </p:txBody>
+      </p:sp>
+      <p:sp>
+        <p:nvSpPr>
+          <p:cNvPr id="9" name="Rectangle 8">
+            <a:extLst>
+              <a:ext uri="{FF2B5EF4-FFF2-40B4-BE49-F238E27FC236}">
+                <a16:creationId xmlns:a16="http://schemas.microsoft.com/office/drawing/2014/main" id="{8DCC4198-E08D-4604-B165-0E6553F9902B}"/>
+              </a:ext>
+            </a:extLst>
+          </p:cNvPr>
+          <p:cNvSpPr/>
+          <p:nvPr/>
+        </p:nvSpPr>
+        <p:spPr>
+          <a:xfrm>
+            <a:off x="380009" y="3925784"/>
+            <a:ext cx="7868443" cy="2635272"/>
+          </a:xfrm>
+          <a:prstGeom prst="rect">
+            <a:avLst/>
+          </a:prstGeom>
+        </p:spPr>
+        <p:style>
+          <a:lnRef idx="1">
+            <a:schemeClr val="accent2"/>
+          </a:lnRef>
+          <a:fillRef idx="2">
+            <a:schemeClr val="accent2"/>
+          </a:fillRef>
+          <a:effectRef idx="1">
+            <a:schemeClr val="accent2"/>
+          </a:effectRef>
+          <a:fontRef idx="minor">
+            <a:schemeClr val="dk1"/>
+          </a:fontRef>
+        </p:style>
+        <p:txBody>
+          <a:bodyPr rtlCol="0" anchor="ctr"/>
+          <a:lstStyle/>
+          <a:p>
+            <a:pPr marL="0" marR="0" lvl="0" indent="0" algn="l" defTabSz="914400" rtl="0" eaLnBrk="1" fontAlgn="auto" latinLnBrk="0" hangingPunct="1">
+              <a:lnSpc>
+                <a:spcPct val="80000"/>
+              </a:lnSpc>
+              <a:spcBef>
+                <a:spcPts val="280"/>
+              </a:spcBef>
+              <a:spcAft>
+                <a:spcPts val="0"/>
+              </a:spcAft>
+              <a:buClr>
+                <a:srgbClr val="000000"/>
+              </a:buClr>
+              <a:buSzPts val="1400"/>
+              <a:buFont typeface="Arial"/>
+              <a:buNone/>
+              <a:tabLst/>
+              <a:defRPr/>
+            </a:pPr>
+            <a:r>
+              <a:rPr lang="en-US" sz="1400" b="1" kern="0" dirty="0">
+                <a:solidFill>
+                  <a:srgbClr val="000000"/>
+                </a:solidFill>
+                <a:latin typeface="Courier New"/>
+                <a:ea typeface="Courier New"/>
+                <a:cs typeface="Courier New"/>
+                <a:sym typeface="Courier New"/>
+              </a:rPr>
+              <a:t>p</a:t>
+            </a:r>
+            <a:r>
+              <a:rPr kumimoji="0" lang="en-US" sz="1400" b="1" i="0" u="none" strike="noStrike" kern="0" cap="none" spc="0" normalizeH="0" baseline="0" noProof="0" dirty="0" err="1">
+                <a:ln>
+                  <a:noFill/>
+                </a:ln>
+                <a:solidFill>
+                  <a:srgbClr val="000000"/>
+                </a:solidFill>
+                <a:effectLst/>
+                <a:uLnTx/>
+                <a:uFillTx/>
+                <a:latin typeface="Courier New"/>
+                <a:ea typeface="Courier New"/>
+                <a:cs typeface="Courier New"/>
+                <a:sym typeface="Courier New"/>
+              </a:rPr>
+              <a:t>ublic</a:t>
+            </a:r>
+            <a:r>
+              <a:rPr kumimoji="0" lang="en-US" sz="1400" b="1" i="0" u="none" strike="noStrike" kern="0" cap="none" spc="0" normalizeH="0" baseline="0" noProof="0" dirty="0">
+                <a:ln>
+                  <a:noFill/>
+                </a:ln>
+                <a:solidFill>
+                  <a:srgbClr val="000000"/>
+                </a:solidFill>
+                <a:effectLst/>
+                <a:uLnTx/>
+                <a:uFillTx/>
+                <a:latin typeface="Courier New"/>
+                <a:ea typeface="Courier New"/>
+                <a:cs typeface="Courier New"/>
+                <a:sym typeface="Courier New"/>
+              </a:rPr>
+              <a:t> class</a:t>
+            </a:r>
+            <a:r>
+              <a:rPr kumimoji="0" lang="en-US" sz="1400" b="0" i="0" u="none" strike="noStrike" kern="0" cap="none" spc="0" normalizeH="0" baseline="0" noProof="0" dirty="0">
+                <a:ln>
+                  <a:noFill/>
+                </a:ln>
+                <a:solidFill>
+                  <a:srgbClr val="000000"/>
+                </a:solidFill>
+                <a:effectLst/>
+                <a:uLnTx/>
+                <a:uFillTx/>
+                <a:latin typeface="Courier New"/>
+                <a:ea typeface="Courier New"/>
+                <a:cs typeface="Courier New"/>
+                <a:sym typeface="Courier New"/>
+              </a:rPr>
+              <a:t> </a:t>
+            </a:r>
+            <a:r>
+              <a:rPr kumimoji="0" lang="en-US" sz="1400" b="0" i="0" u="none" strike="noStrike" kern="0" cap="none" spc="0" normalizeH="0" baseline="0" noProof="0" dirty="0" err="1">
+                <a:ln>
+                  <a:noFill/>
+                </a:ln>
+                <a:solidFill>
+                  <a:srgbClr val="000000"/>
+                </a:solidFill>
+                <a:effectLst/>
+                <a:uLnTx/>
+                <a:uFillTx/>
+                <a:latin typeface="Courier New"/>
+                <a:ea typeface="Courier New"/>
+                <a:cs typeface="Courier New"/>
+                <a:sym typeface="Courier New"/>
+              </a:rPr>
+              <a:t>CustomerRepository</a:t>
+            </a:r>
+            <a:r>
+              <a:rPr kumimoji="0" lang="en-US" sz="1400" b="0" i="0" u="none" strike="noStrike" kern="0" cap="none" spc="0" normalizeH="0" baseline="0" noProof="0" dirty="0">
+                <a:ln>
+                  <a:noFill/>
+                </a:ln>
+                <a:solidFill>
+                  <a:srgbClr val="000000"/>
+                </a:solidFill>
+                <a:effectLst/>
+                <a:uLnTx/>
+                <a:uFillTx/>
+                <a:latin typeface="Courier New"/>
+                <a:ea typeface="Courier New"/>
+                <a:cs typeface="Courier New"/>
+                <a:sym typeface="Courier New"/>
+              </a:rPr>
+              <a:t> {</a:t>
+            </a:r>
+            <a:endParaRPr kumimoji="0" lang="en-US" sz="1400" b="0" i="0" u="none" strike="noStrike" kern="0" cap="none" spc="0" normalizeH="0" baseline="0" noProof="0" dirty="0">
+              <a:ln>
+                <a:noFill/>
+              </a:ln>
+              <a:solidFill>
+                <a:srgbClr val="000000"/>
+              </a:solidFill>
+              <a:effectLst/>
+              <a:uLnTx/>
+              <a:uFillTx/>
+              <a:latin typeface="Arial"/>
+              <a:ea typeface="+mn-ea"/>
+              <a:cs typeface="+mn-cs"/>
+              <a:sym typeface="Arial"/>
+            </a:endParaRPr>
+          </a:p>
+          <a:p>
+            <a:pPr marL="0" marR="0" lvl="0" indent="0" algn="l" defTabSz="914400" rtl="0" eaLnBrk="1" fontAlgn="auto" latinLnBrk="0" hangingPunct="1">
+              <a:lnSpc>
+                <a:spcPct val="80000"/>
+              </a:lnSpc>
+              <a:spcBef>
+                <a:spcPts val="280"/>
+              </a:spcBef>
+              <a:spcAft>
+                <a:spcPts val="0"/>
+              </a:spcAft>
+              <a:buClr>
+                <a:srgbClr val="000000"/>
+              </a:buClr>
+              <a:buSzPts val="1400"/>
+              <a:buFont typeface="Arial"/>
+              <a:buNone/>
+              <a:tabLst/>
+              <a:defRPr/>
+            </a:pPr>
+            <a:r>
+              <a:rPr kumimoji="0" lang="en-US" sz="1400" b="0" i="0" u="none" strike="noStrike" kern="0" cap="none" spc="0" normalizeH="0" baseline="0" noProof="0" dirty="0">
+                <a:ln>
+                  <a:noFill/>
+                </a:ln>
+                <a:solidFill>
+                  <a:srgbClr val="000000"/>
+                </a:solidFill>
+                <a:effectLst/>
+                <a:uLnTx/>
+                <a:uFillTx/>
+                <a:latin typeface="Courier New"/>
+                <a:ea typeface="Courier New"/>
+                <a:cs typeface="Courier New"/>
+                <a:sym typeface="Courier New"/>
+              </a:rPr>
+              <a:t>    </a:t>
+            </a:r>
+            <a:r>
+              <a:rPr kumimoji="0" lang="en-US" sz="1400" b="1" i="0" u="none" strike="noStrike" kern="0" cap="none" spc="0" normalizeH="0" baseline="0" noProof="0" dirty="0">
+                <a:ln>
+                  <a:noFill/>
+                </a:ln>
+                <a:solidFill>
+                  <a:srgbClr val="000000"/>
+                </a:solidFill>
+                <a:effectLst/>
+                <a:uLnTx/>
+                <a:uFillTx/>
+                <a:latin typeface="Courier New"/>
+                <a:ea typeface="Courier New"/>
+                <a:cs typeface="Courier New"/>
+                <a:sym typeface="Courier New"/>
+              </a:rPr>
+              <a:t>private</a:t>
+            </a:r>
+            <a:r>
+              <a:rPr kumimoji="0" lang="en-US" sz="1400" b="0" i="0" u="none" strike="noStrike" kern="0" cap="none" spc="0" normalizeH="0" baseline="0" noProof="0" dirty="0">
+                <a:ln>
+                  <a:noFill/>
+                </a:ln>
+                <a:solidFill>
+                  <a:srgbClr val="000000"/>
+                </a:solidFill>
+                <a:effectLst/>
+                <a:uLnTx/>
+                <a:uFillTx/>
+                <a:latin typeface="Courier New"/>
+                <a:ea typeface="Courier New"/>
+                <a:cs typeface="Courier New"/>
+                <a:sym typeface="Courier New"/>
+              </a:rPr>
+              <a:t> </a:t>
+            </a:r>
+            <a:r>
+              <a:rPr kumimoji="0" lang="en-US" sz="1400" b="0" i="0" u="none" strike="noStrike" kern="0" cap="none" spc="0" normalizeH="0" baseline="0" noProof="0" dirty="0" err="1">
+                <a:ln>
+                  <a:noFill/>
+                </a:ln>
+                <a:solidFill>
+                  <a:srgbClr val="000000"/>
+                </a:solidFill>
+                <a:effectLst/>
+                <a:uLnTx/>
+                <a:uFillTx/>
+                <a:latin typeface="Courier New"/>
+                <a:ea typeface="Courier New"/>
+                <a:cs typeface="Courier New"/>
+                <a:sym typeface="Courier New"/>
+              </a:rPr>
+              <a:t>IDatabase</a:t>
+            </a:r>
+            <a:r>
+              <a:rPr kumimoji="0" lang="en-US" sz="1400" b="0" i="0" u="none" strike="noStrike" kern="0" cap="none" spc="0" normalizeH="0" baseline="0" noProof="0" dirty="0">
+                <a:ln>
+                  <a:noFill/>
+                </a:ln>
+                <a:solidFill>
+                  <a:srgbClr val="000000"/>
+                </a:solidFill>
+                <a:effectLst/>
+                <a:uLnTx/>
+                <a:uFillTx/>
+                <a:latin typeface="Courier New"/>
+                <a:ea typeface="Courier New"/>
+                <a:cs typeface="Courier New"/>
+                <a:sym typeface="Courier New"/>
+              </a:rPr>
+              <a:t> database;</a:t>
+            </a:r>
+            <a:endParaRPr kumimoji="0" lang="en-US" sz="1400" b="0" i="0" u="none" strike="noStrike" kern="0" cap="none" spc="0" normalizeH="0" baseline="0" noProof="0" dirty="0">
+              <a:ln>
+                <a:noFill/>
+              </a:ln>
+              <a:solidFill>
+                <a:srgbClr val="000000"/>
+              </a:solidFill>
+              <a:effectLst/>
+              <a:uLnTx/>
+              <a:uFillTx/>
+              <a:latin typeface="Arial"/>
+              <a:ea typeface="+mn-ea"/>
+              <a:cs typeface="+mn-cs"/>
+              <a:sym typeface="Arial"/>
+            </a:endParaRPr>
+          </a:p>
+          <a:p>
+            <a:pPr marL="0" marR="0" lvl="0" indent="0" algn="l" defTabSz="914400" rtl="0" eaLnBrk="1" fontAlgn="auto" latinLnBrk="0" hangingPunct="1">
+              <a:lnSpc>
+                <a:spcPct val="80000"/>
+              </a:lnSpc>
+              <a:spcBef>
+                <a:spcPts val="280"/>
+              </a:spcBef>
+              <a:spcAft>
+                <a:spcPts val="0"/>
+              </a:spcAft>
+              <a:buClr>
+                <a:srgbClr val="000000"/>
+              </a:buClr>
+              <a:buSzPts val="1400"/>
+              <a:buFont typeface="Arial"/>
+              <a:buNone/>
+              <a:tabLst/>
+              <a:defRPr/>
+            </a:pPr>
+            <a:endParaRPr kumimoji="0" lang="en-US" sz="1400" b="0" i="0" u="none" strike="noStrike" kern="0" cap="none" spc="0" normalizeH="0" baseline="0" noProof="0" dirty="0">
+              <a:ln>
+                <a:noFill/>
+              </a:ln>
+              <a:solidFill>
+                <a:srgbClr val="000000"/>
+              </a:solidFill>
+              <a:effectLst/>
+              <a:uLnTx/>
+              <a:uFillTx/>
+              <a:latin typeface="Courier New"/>
+              <a:ea typeface="Courier New"/>
+              <a:cs typeface="Courier New"/>
+              <a:sym typeface="Courier New"/>
+            </a:endParaRPr>
+          </a:p>
+          <a:p>
+            <a:pPr marL="0" marR="0" lvl="0" indent="0" algn="l" defTabSz="914400" rtl="0" eaLnBrk="1" fontAlgn="auto" latinLnBrk="0" hangingPunct="1">
+              <a:lnSpc>
+                <a:spcPct val="80000"/>
+              </a:lnSpc>
+              <a:spcBef>
+                <a:spcPts val="280"/>
+              </a:spcBef>
+              <a:spcAft>
+                <a:spcPts val="0"/>
+              </a:spcAft>
+              <a:buClr>
+                <a:srgbClr val="000000"/>
+              </a:buClr>
+              <a:buSzPts val="1400"/>
+              <a:buFont typeface="Arial"/>
+              <a:buNone/>
+              <a:tabLst/>
+              <a:defRPr/>
+            </a:pPr>
+            <a:r>
+              <a:rPr kumimoji="0" lang="en-US" sz="1400" b="0" i="0" u="none" strike="noStrike" kern="0" cap="none" spc="0" normalizeH="0" baseline="0" noProof="0" dirty="0">
+                <a:ln>
+                  <a:noFill/>
+                </a:ln>
+                <a:solidFill>
+                  <a:srgbClr val="000000"/>
+                </a:solidFill>
+                <a:effectLst/>
+                <a:uLnTx/>
+                <a:uFillTx/>
+                <a:latin typeface="Courier New"/>
+                <a:ea typeface="Courier New"/>
+                <a:cs typeface="Courier New"/>
+                <a:sym typeface="Courier New"/>
+              </a:rPr>
+              <a:t>    </a:t>
+            </a:r>
+            <a:r>
+              <a:rPr kumimoji="0" lang="en-US" sz="1400" b="1" i="0" u="none" strike="noStrike" kern="0" cap="none" spc="0" normalizeH="0" baseline="0" noProof="0" dirty="0">
+                <a:ln>
+                  <a:noFill/>
+                </a:ln>
+                <a:solidFill>
+                  <a:srgbClr val="000000"/>
+                </a:solidFill>
+                <a:effectLst/>
+                <a:uLnTx/>
+                <a:uFillTx/>
+                <a:latin typeface="Courier New"/>
+                <a:ea typeface="Courier New"/>
+                <a:cs typeface="Courier New"/>
+                <a:sym typeface="Courier New"/>
+              </a:rPr>
+              <a:t>public</a:t>
+            </a:r>
+            <a:r>
+              <a:rPr kumimoji="0" lang="en-US" sz="1400" b="0" i="0" u="none" strike="noStrike" kern="0" cap="none" spc="0" normalizeH="0" baseline="0" noProof="0" dirty="0">
+                <a:ln>
+                  <a:noFill/>
+                </a:ln>
+                <a:solidFill>
+                  <a:srgbClr val="000000"/>
+                </a:solidFill>
+                <a:effectLst/>
+                <a:uLnTx/>
+                <a:uFillTx/>
+                <a:latin typeface="Courier New"/>
+                <a:ea typeface="Courier New"/>
+                <a:cs typeface="Courier New"/>
+                <a:sym typeface="Courier New"/>
+              </a:rPr>
+              <a:t> </a:t>
+            </a:r>
+            <a:r>
+              <a:rPr kumimoji="0" lang="en-US" sz="1400" b="0" i="0" u="none" strike="noStrike" kern="0" cap="none" spc="0" normalizeH="0" baseline="0" noProof="0" dirty="0" err="1">
+                <a:ln>
+                  <a:noFill/>
+                </a:ln>
+                <a:solidFill>
+                  <a:srgbClr val="000000"/>
+                </a:solidFill>
+                <a:effectLst/>
+                <a:uLnTx/>
+                <a:uFillTx/>
+                <a:latin typeface="Courier New"/>
+                <a:ea typeface="Courier New"/>
+                <a:cs typeface="Courier New"/>
+                <a:sym typeface="Courier New"/>
+              </a:rPr>
+              <a:t>CustomerRepository</a:t>
+            </a:r>
+            <a:r>
+              <a:rPr kumimoji="0" lang="en-US" sz="1400" b="0" i="0" u="none" strike="noStrike" kern="0" cap="none" spc="0" normalizeH="0" baseline="0" noProof="0" dirty="0">
+                <a:ln>
+                  <a:noFill/>
+                </a:ln>
+                <a:solidFill>
+                  <a:srgbClr val="000000"/>
+                </a:solidFill>
+                <a:effectLst/>
+                <a:uLnTx/>
+                <a:uFillTx/>
+                <a:latin typeface="Courier New"/>
+                <a:ea typeface="Courier New"/>
+                <a:cs typeface="Courier New"/>
+                <a:sym typeface="Courier New"/>
+              </a:rPr>
+              <a:t>(</a:t>
+            </a:r>
+            <a:r>
+              <a:rPr kumimoji="0" lang="en-US" sz="1400" b="0" i="0" u="none" strike="noStrike" kern="0" cap="none" spc="0" normalizeH="0" baseline="0" noProof="0" dirty="0" err="1">
+                <a:ln>
+                  <a:noFill/>
+                </a:ln>
+                <a:solidFill>
+                  <a:srgbClr val="000000"/>
+                </a:solidFill>
+                <a:effectLst/>
+                <a:uLnTx/>
+                <a:uFillTx/>
+                <a:latin typeface="Courier New"/>
+                <a:ea typeface="Courier New"/>
+                <a:cs typeface="Courier New"/>
+                <a:sym typeface="Courier New"/>
+              </a:rPr>
+              <a:t>IDatabase</a:t>
+            </a:r>
+            <a:r>
+              <a:rPr kumimoji="0" lang="en-US" sz="1400" b="0" i="0" u="none" strike="noStrike" kern="0" cap="none" spc="0" normalizeH="0" baseline="0" noProof="0" dirty="0">
+                <a:ln>
+                  <a:noFill/>
+                </a:ln>
+                <a:solidFill>
+                  <a:srgbClr val="000000"/>
+                </a:solidFill>
+                <a:effectLst/>
+                <a:uLnTx/>
+                <a:uFillTx/>
+                <a:latin typeface="Courier New"/>
+                <a:ea typeface="Courier New"/>
+                <a:cs typeface="Courier New"/>
+                <a:sym typeface="Courier New"/>
+              </a:rPr>
+              <a:t> database) {</a:t>
+            </a:r>
+            <a:endParaRPr kumimoji="0" lang="en-US" sz="1400" b="0" i="0" u="none" strike="noStrike" kern="0" cap="none" spc="0" normalizeH="0" baseline="0" noProof="0" dirty="0">
+              <a:ln>
+                <a:noFill/>
+              </a:ln>
+              <a:solidFill>
+                <a:srgbClr val="000000"/>
+              </a:solidFill>
+              <a:effectLst/>
+              <a:uLnTx/>
+              <a:uFillTx/>
+              <a:latin typeface="Arial"/>
+              <a:ea typeface="+mn-ea"/>
+              <a:cs typeface="+mn-cs"/>
+              <a:sym typeface="Arial"/>
+            </a:endParaRPr>
+          </a:p>
+          <a:p>
+            <a:pPr marL="0" marR="0" lvl="0" indent="0" algn="l" defTabSz="914400" rtl="0" eaLnBrk="1" fontAlgn="auto" latinLnBrk="0" hangingPunct="1">
+              <a:lnSpc>
+                <a:spcPct val="80000"/>
+              </a:lnSpc>
+              <a:spcBef>
+                <a:spcPts val="280"/>
+              </a:spcBef>
+              <a:spcAft>
+                <a:spcPts val="0"/>
+              </a:spcAft>
+              <a:buClr>
+                <a:srgbClr val="000000"/>
+              </a:buClr>
+              <a:buSzPts val="1400"/>
+              <a:buFont typeface="Arial"/>
+              <a:buNone/>
+              <a:tabLst/>
+              <a:defRPr/>
+            </a:pPr>
+            <a:r>
+              <a:rPr kumimoji="0" lang="en-US" sz="1400" b="0" i="0" u="none" strike="noStrike" kern="0" cap="none" spc="0" normalizeH="0" baseline="0" noProof="0" dirty="0">
+                <a:ln>
+                  <a:noFill/>
+                </a:ln>
+                <a:solidFill>
+                  <a:srgbClr val="000000"/>
+                </a:solidFill>
+                <a:effectLst/>
+                <a:uLnTx/>
+                <a:uFillTx/>
+                <a:latin typeface="Courier New"/>
+                <a:ea typeface="Courier New"/>
+                <a:cs typeface="Courier New"/>
+                <a:sym typeface="Courier New"/>
+              </a:rPr>
+              <a:t>        </a:t>
+            </a:r>
+            <a:r>
+              <a:rPr kumimoji="0" lang="en-US" sz="1400" b="1" i="0" u="none" strike="noStrike" kern="0" cap="none" spc="0" normalizeH="0" baseline="0" noProof="0" dirty="0" err="1">
+                <a:ln>
+                  <a:noFill/>
+                </a:ln>
+                <a:solidFill>
+                  <a:srgbClr val="000000"/>
+                </a:solidFill>
+                <a:effectLst/>
+                <a:uLnTx/>
+                <a:uFillTx/>
+                <a:latin typeface="Courier New"/>
+                <a:ea typeface="Courier New"/>
+                <a:cs typeface="Courier New"/>
+                <a:sym typeface="Courier New"/>
+              </a:rPr>
+              <a:t>this</a:t>
+            </a:r>
+            <a:r>
+              <a:rPr kumimoji="0" lang="en-US" sz="1400" b="0" i="0" u="none" strike="noStrike" kern="0" cap="none" spc="0" normalizeH="0" baseline="0" noProof="0" dirty="0" err="1">
+                <a:ln>
+                  <a:noFill/>
+                </a:ln>
+                <a:solidFill>
+                  <a:srgbClr val="000000"/>
+                </a:solidFill>
+                <a:effectLst/>
+                <a:uLnTx/>
+                <a:uFillTx/>
+                <a:latin typeface="Courier New"/>
+                <a:ea typeface="Courier New"/>
+                <a:cs typeface="Courier New"/>
+                <a:sym typeface="Courier New"/>
+              </a:rPr>
+              <a:t>.database</a:t>
+            </a:r>
+            <a:r>
+              <a:rPr kumimoji="0" lang="en-US" sz="1400" b="0" i="0" u="none" strike="noStrike" kern="0" cap="none" spc="0" normalizeH="0" baseline="0" noProof="0" dirty="0">
+                <a:ln>
+                  <a:noFill/>
+                </a:ln>
+                <a:solidFill>
+                  <a:srgbClr val="000000"/>
+                </a:solidFill>
+                <a:effectLst/>
+                <a:uLnTx/>
+                <a:uFillTx/>
+                <a:latin typeface="Courier New"/>
+                <a:ea typeface="Courier New"/>
+                <a:cs typeface="Courier New"/>
+                <a:sym typeface="Courier New"/>
+              </a:rPr>
+              <a:t> = database;</a:t>
+            </a:r>
+            <a:endParaRPr kumimoji="0" lang="en-US" sz="1400" b="0" i="0" u="none" strike="noStrike" kern="0" cap="none" spc="0" normalizeH="0" baseline="0" noProof="0" dirty="0">
+              <a:ln>
+                <a:noFill/>
+              </a:ln>
+              <a:solidFill>
+                <a:srgbClr val="000000"/>
+              </a:solidFill>
+              <a:effectLst/>
+              <a:uLnTx/>
+              <a:uFillTx/>
+              <a:latin typeface="Arial"/>
+              <a:ea typeface="+mn-ea"/>
+              <a:cs typeface="+mn-cs"/>
+              <a:sym typeface="Arial"/>
+            </a:endParaRPr>
+          </a:p>
+          <a:p>
+            <a:pPr marL="0" marR="0" lvl="0" indent="0" algn="l" defTabSz="914400" rtl="0" eaLnBrk="1" fontAlgn="auto" latinLnBrk="0" hangingPunct="1">
+              <a:lnSpc>
+                <a:spcPct val="80000"/>
+              </a:lnSpc>
+              <a:spcBef>
+                <a:spcPts val="280"/>
+              </a:spcBef>
+              <a:spcAft>
+                <a:spcPts val="0"/>
+              </a:spcAft>
+              <a:buClr>
+                <a:srgbClr val="000000"/>
+              </a:buClr>
+              <a:buSzPts val="1400"/>
+              <a:buFont typeface="Arial"/>
+              <a:buNone/>
+              <a:tabLst/>
+              <a:defRPr/>
+            </a:pPr>
+            <a:r>
+              <a:rPr kumimoji="0" lang="en-US" sz="1400" b="0" i="0" u="none" strike="noStrike" kern="0" cap="none" spc="0" normalizeH="0" baseline="0" noProof="0" dirty="0">
+                <a:ln>
+                  <a:noFill/>
+                </a:ln>
+                <a:solidFill>
+                  <a:srgbClr val="000000"/>
+                </a:solidFill>
+                <a:effectLst/>
+                <a:uLnTx/>
+                <a:uFillTx/>
+                <a:latin typeface="Courier New"/>
+                <a:ea typeface="Courier New"/>
+                <a:cs typeface="Courier New"/>
+                <a:sym typeface="Courier New"/>
+              </a:rPr>
+              <a:t>    }</a:t>
+            </a:r>
+            <a:endParaRPr kumimoji="0" lang="en-US" sz="1400" b="0" i="0" u="none" strike="noStrike" kern="0" cap="none" spc="0" normalizeH="0" baseline="0" noProof="0" dirty="0">
+              <a:ln>
+                <a:noFill/>
+              </a:ln>
+              <a:solidFill>
+                <a:srgbClr val="000000"/>
+              </a:solidFill>
+              <a:effectLst/>
+              <a:uLnTx/>
+              <a:uFillTx/>
+              <a:latin typeface="Arial"/>
+              <a:ea typeface="+mn-ea"/>
+              <a:cs typeface="+mn-cs"/>
+              <a:sym typeface="Arial"/>
+            </a:endParaRPr>
+          </a:p>
+          <a:p>
+            <a:pPr marL="0" marR="0" lvl="0" indent="0" algn="l" defTabSz="914400" rtl="0" eaLnBrk="1" fontAlgn="auto" latinLnBrk="0" hangingPunct="1">
+              <a:lnSpc>
+                <a:spcPct val="80000"/>
+              </a:lnSpc>
+              <a:spcBef>
+                <a:spcPts val="280"/>
+              </a:spcBef>
+              <a:spcAft>
+                <a:spcPts val="0"/>
+              </a:spcAft>
+              <a:buClr>
+                <a:srgbClr val="000000"/>
+              </a:buClr>
+              <a:buSzPts val="1400"/>
+              <a:buFont typeface="Arial"/>
+              <a:buNone/>
+              <a:tabLst/>
+              <a:defRPr/>
+            </a:pPr>
+            <a:endParaRPr kumimoji="0" lang="en-US" sz="1400" b="0" i="0" u="none" strike="noStrike" kern="0" cap="none" spc="0" normalizeH="0" baseline="0" noProof="0" dirty="0">
+              <a:ln>
+                <a:noFill/>
+              </a:ln>
+              <a:solidFill>
+                <a:srgbClr val="000000"/>
+              </a:solidFill>
+              <a:effectLst/>
+              <a:uLnTx/>
+              <a:uFillTx/>
+              <a:latin typeface="Courier New"/>
+              <a:ea typeface="Courier New"/>
+              <a:cs typeface="Courier New"/>
+              <a:sym typeface="Courier New"/>
+            </a:endParaRPr>
+          </a:p>
+          <a:p>
+            <a:pPr marL="0" marR="0" lvl="0" indent="0" algn="l" defTabSz="914400" rtl="0" eaLnBrk="1" fontAlgn="auto" latinLnBrk="0" hangingPunct="1">
+              <a:lnSpc>
+                <a:spcPct val="80000"/>
+              </a:lnSpc>
+              <a:spcBef>
+                <a:spcPts val="280"/>
+              </a:spcBef>
+              <a:spcAft>
+                <a:spcPts val="0"/>
+              </a:spcAft>
+              <a:buClr>
+                <a:srgbClr val="000000"/>
+              </a:buClr>
+              <a:buSzPts val="1400"/>
+              <a:buFont typeface="Arial"/>
+              <a:buNone/>
+              <a:tabLst/>
+              <a:defRPr/>
+            </a:pPr>
+            <a:r>
+              <a:rPr kumimoji="0" lang="en-US" sz="1400" b="0" i="0" u="none" strike="noStrike" kern="0" cap="none" spc="0" normalizeH="0" baseline="0" noProof="0" dirty="0">
+                <a:ln>
+                  <a:noFill/>
+                </a:ln>
+                <a:solidFill>
+                  <a:srgbClr val="000000"/>
+                </a:solidFill>
+                <a:effectLst/>
+                <a:uLnTx/>
+                <a:uFillTx/>
+                <a:latin typeface="Courier New"/>
+                <a:ea typeface="Courier New"/>
+                <a:cs typeface="Courier New"/>
+                <a:sym typeface="Courier New"/>
+              </a:rPr>
+              <a:t>    </a:t>
+            </a:r>
+            <a:r>
+              <a:rPr kumimoji="0" lang="en-US" sz="1400" b="1" i="0" u="none" strike="noStrike" kern="0" cap="none" spc="0" normalizeH="0" baseline="0" noProof="0" dirty="0">
+                <a:ln>
+                  <a:noFill/>
+                </a:ln>
+                <a:solidFill>
+                  <a:srgbClr val="000000"/>
+                </a:solidFill>
+                <a:effectLst/>
+                <a:uLnTx/>
+                <a:uFillTx/>
+                <a:latin typeface="Courier New"/>
+                <a:ea typeface="Courier New"/>
+                <a:cs typeface="Courier New"/>
+                <a:sym typeface="Courier New"/>
+              </a:rPr>
+              <a:t>public</a:t>
+            </a:r>
+            <a:r>
+              <a:rPr kumimoji="0" lang="en-US" sz="1400" b="0" i="0" u="none" strike="noStrike" kern="0" cap="none" spc="0" normalizeH="0" baseline="0" noProof="0" dirty="0">
+                <a:ln>
+                  <a:noFill/>
+                </a:ln>
+                <a:solidFill>
+                  <a:srgbClr val="000000"/>
+                </a:solidFill>
+                <a:effectLst/>
+                <a:uLnTx/>
+                <a:uFillTx/>
+                <a:latin typeface="Courier New"/>
+                <a:ea typeface="Courier New"/>
+                <a:cs typeface="Courier New"/>
+                <a:sym typeface="Courier New"/>
+              </a:rPr>
+              <a:t> </a:t>
+            </a:r>
+            <a:r>
+              <a:rPr kumimoji="0" lang="en-US" sz="1400" b="1" i="0" u="none" strike="noStrike" kern="0" cap="none" spc="0" normalizeH="0" baseline="0" noProof="0" dirty="0">
+                <a:ln>
+                  <a:noFill/>
+                </a:ln>
+                <a:solidFill>
+                  <a:srgbClr val="000000"/>
+                </a:solidFill>
+                <a:effectLst/>
+                <a:uLnTx/>
+                <a:uFillTx/>
+                <a:latin typeface="Courier New"/>
+                <a:ea typeface="Courier New"/>
+                <a:cs typeface="Courier New"/>
+                <a:sym typeface="Courier New"/>
+              </a:rPr>
+              <a:t>void</a:t>
+            </a:r>
+            <a:r>
+              <a:rPr kumimoji="0" lang="en-US" sz="1400" b="0" i="0" u="none" strike="noStrike" kern="0" cap="none" spc="0" normalizeH="0" baseline="0" noProof="0" dirty="0">
+                <a:ln>
+                  <a:noFill/>
+                </a:ln>
+                <a:solidFill>
+                  <a:srgbClr val="000000"/>
+                </a:solidFill>
+                <a:effectLst/>
+                <a:uLnTx/>
+                <a:uFillTx/>
+                <a:latin typeface="Courier New"/>
+                <a:ea typeface="Courier New"/>
+                <a:cs typeface="Courier New"/>
+                <a:sym typeface="Courier New"/>
+              </a:rPr>
+              <a:t> add(string </a:t>
+            </a:r>
+            <a:r>
+              <a:rPr kumimoji="0" lang="en-US" sz="1400" b="0" i="0" u="none" strike="noStrike" kern="0" cap="none" spc="0" normalizeH="0" baseline="0" noProof="0" dirty="0" err="1">
+                <a:ln>
+                  <a:noFill/>
+                </a:ln>
+                <a:solidFill>
+                  <a:srgbClr val="000000"/>
+                </a:solidFill>
+                <a:effectLst/>
+                <a:uLnTx/>
+                <a:uFillTx/>
+                <a:latin typeface="Courier New"/>
+                <a:ea typeface="Courier New"/>
+                <a:cs typeface="Courier New"/>
+                <a:sym typeface="Courier New"/>
+              </a:rPr>
+              <a:t>CustomerName</a:t>
+            </a:r>
+            <a:r>
+              <a:rPr kumimoji="0" lang="en-US" sz="1400" b="0" i="0" u="none" strike="noStrike" kern="0" cap="none" spc="0" normalizeH="0" baseline="0" noProof="0" dirty="0">
+                <a:ln>
+                  <a:noFill/>
+                </a:ln>
+                <a:solidFill>
+                  <a:srgbClr val="000000"/>
+                </a:solidFill>
+                <a:effectLst/>
+                <a:uLnTx/>
+                <a:uFillTx/>
+                <a:latin typeface="Courier New"/>
+                <a:ea typeface="Courier New"/>
+                <a:cs typeface="Courier New"/>
+                <a:sym typeface="Courier New"/>
+              </a:rPr>
+              <a:t>) {</a:t>
+            </a:r>
+            <a:endParaRPr kumimoji="0" lang="en-US" sz="1400" b="0" i="0" u="none" strike="noStrike" kern="0" cap="none" spc="0" normalizeH="0" baseline="0" noProof="0" dirty="0">
+              <a:ln>
+                <a:noFill/>
+              </a:ln>
+              <a:solidFill>
+                <a:srgbClr val="000000"/>
+              </a:solidFill>
+              <a:effectLst/>
+              <a:uLnTx/>
+              <a:uFillTx/>
+              <a:latin typeface="Arial"/>
+              <a:ea typeface="+mn-ea"/>
+              <a:cs typeface="+mn-cs"/>
+              <a:sym typeface="Arial"/>
+            </a:endParaRPr>
+          </a:p>
+          <a:p>
+            <a:pPr marL="0" marR="0" lvl="0" indent="0" algn="l" defTabSz="914400" rtl="0" eaLnBrk="1" fontAlgn="auto" latinLnBrk="0" hangingPunct="1">
+              <a:lnSpc>
+                <a:spcPct val="80000"/>
+              </a:lnSpc>
+              <a:spcBef>
+                <a:spcPts val="280"/>
+              </a:spcBef>
+              <a:spcAft>
+                <a:spcPts val="0"/>
+              </a:spcAft>
+              <a:buClr>
+                <a:srgbClr val="000000"/>
+              </a:buClr>
+              <a:buSzPts val="1400"/>
+              <a:buFont typeface="Arial"/>
+              <a:buNone/>
+              <a:tabLst/>
+              <a:defRPr/>
+            </a:pPr>
+            <a:r>
+              <a:rPr kumimoji="0" lang="en-US" sz="1400" b="0" i="0" u="none" strike="noStrike" kern="0" cap="none" spc="0" normalizeH="0" baseline="0" noProof="0" dirty="0">
+                <a:ln>
+                  <a:noFill/>
+                </a:ln>
+                <a:solidFill>
+                  <a:srgbClr val="000000"/>
+                </a:solidFill>
+                <a:effectLst/>
+                <a:uLnTx/>
+                <a:uFillTx/>
+                <a:latin typeface="Courier New"/>
+                <a:ea typeface="Courier New"/>
+                <a:cs typeface="Courier New"/>
+                <a:sym typeface="Courier New"/>
+              </a:rPr>
+              <a:t>        </a:t>
+            </a:r>
+            <a:r>
+              <a:rPr kumimoji="0" lang="en-US" sz="1400" b="0" i="0" u="none" strike="noStrike" kern="0" cap="none" spc="0" normalizeH="0" baseline="0" noProof="0" dirty="0" err="1">
+                <a:ln>
+                  <a:noFill/>
+                </a:ln>
+                <a:solidFill>
+                  <a:srgbClr val="000000"/>
+                </a:solidFill>
+                <a:effectLst/>
+                <a:uLnTx/>
+                <a:uFillTx/>
+                <a:latin typeface="Courier New"/>
+                <a:ea typeface="Courier New"/>
+                <a:cs typeface="Courier New"/>
+                <a:sym typeface="Courier New"/>
+              </a:rPr>
+              <a:t>database.addRow</a:t>
+            </a:r>
+            <a:r>
+              <a:rPr kumimoji="0" lang="en-US" sz="1400" b="0" i="0" u="none" strike="noStrike" kern="0" cap="none" spc="0" normalizeH="0" baseline="0" noProof="0" dirty="0">
+                <a:ln>
+                  <a:noFill/>
+                </a:ln>
+                <a:solidFill>
+                  <a:srgbClr val="000000"/>
+                </a:solidFill>
+                <a:effectLst/>
+                <a:uLnTx/>
+                <a:uFillTx/>
+                <a:latin typeface="Courier New"/>
+                <a:ea typeface="Courier New"/>
+                <a:cs typeface="Courier New"/>
+                <a:sym typeface="Courier New"/>
+              </a:rPr>
+              <a:t>("Customer", </a:t>
+            </a:r>
+            <a:r>
+              <a:rPr kumimoji="0" lang="en-US" sz="1400" b="0" i="0" u="none" strike="noStrike" kern="0" cap="none" spc="0" normalizeH="0" baseline="0" noProof="0" dirty="0" err="1">
+                <a:ln>
+                  <a:noFill/>
+                </a:ln>
+                <a:solidFill>
+                  <a:srgbClr val="000000"/>
+                </a:solidFill>
+                <a:effectLst/>
+                <a:uLnTx/>
+                <a:uFillTx/>
+                <a:latin typeface="Courier New"/>
+                <a:ea typeface="Courier New"/>
+                <a:cs typeface="Courier New"/>
+                <a:sym typeface="Courier New"/>
+              </a:rPr>
+              <a:t>CustomerName</a:t>
+            </a:r>
+            <a:r>
+              <a:rPr kumimoji="0" lang="en-US" sz="1400" b="0" i="0" u="none" strike="noStrike" kern="0" cap="none" spc="0" normalizeH="0" baseline="0" noProof="0" dirty="0">
+                <a:ln>
+                  <a:noFill/>
+                </a:ln>
+                <a:solidFill>
+                  <a:srgbClr val="000000"/>
+                </a:solidFill>
+                <a:effectLst/>
+                <a:uLnTx/>
+                <a:uFillTx/>
+                <a:latin typeface="Courier New"/>
+                <a:ea typeface="Courier New"/>
+                <a:cs typeface="Courier New"/>
+                <a:sym typeface="Courier New"/>
+              </a:rPr>
+              <a:t>);</a:t>
+            </a:r>
+            <a:endParaRPr kumimoji="0" lang="en-US" sz="1400" b="0" i="0" u="none" strike="noStrike" kern="0" cap="none" spc="0" normalizeH="0" baseline="0" noProof="0" dirty="0">
+              <a:ln>
+                <a:noFill/>
+              </a:ln>
+              <a:solidFill>
+                <a:srgbClr val="000000"/>
+              </a:solidFill>
+              <a:effectLst/>
+              <a:uLnTx/>
+              <a:uFillTx/>
+              <a:latin typeface="Arial"/>
+              <a:ea typeface="+mn-ea"/>
+              <a:cs typeface="+mn-cs"/>
+              <a:sym typeface="Arial"/>
+            </a:endParaRPr>
+          </a:p>
+          <a:p>
+            <a:pPr marL="0" marR="0" lvl="0" indent="0" algn="l" defTabSz="914400" rtl="0" eaLnBrk="1" fontAlgn="auto" latinLnBrk="0" hangingPunct="1">
+              <a:lnSpc>
+                <a:spcPct val="80000"/>
+              </a:lnSpc>
+              <a:spcBef>
+                <a:spcPts val="280"/>
+              </a:spcBef>
+              <a:spcAft>
+                <a:spcPts val="0"/>
+              </a:spcAft>
+              <a:buClr>
+                <a:srgbClr val="000000"/>
+              </a:buClr>
+              <a:buSzPts val="1400"/>
+              <a:buFont typeface="Arial"/>
+              <a:buNone/>
+              <a:tabLst/>
+              <a:defRPr/>
+            </a:pPr>
+            <a:r>
+              <a:rPr kumimoji="0" lang="en-US" sz="1400" b="0" i="0" u="none" strike="noStrike" kern="0" cap="none" spc="0" normalizeH="0" baseline="0" noProof="0" dirty="0">
+                <a:ln>
+                  <a:noFill/>
+                </a:ln>
+                <a:solidFill>
+                  <a:srgbClr val="000000"/>
+                </a:solidFill>
+                <a:effectLst/>
+                <a:uLnTx/>
+                <a:uFillTx/>
+                <a:latin typeface="Courier New"/>
+                <a:ea typeface="Courier New"/>
+                <a:cs typeface="Courier New"/>
+                <a:sym typeface="Courier New"/>
+              </a:rPr>
+              <a:t>    }</a:t>
+            </a:r>
+            <a:endParaRPr kumimoji="0" lang="en-US" sz="1400" b="0" i="0" u="none" strike="noStrike" kern="0" cap="none" spc="0" normalizeH="0" baseline="0" noProof="0" dirty="0">
+              <a:ln>
+                <a:noFill/>
+              </a:ln>
+              <a:solidFill>
+                <a:srgbClr val="000000"/>
+              </a:solidFill>
+              <a:effectLst/>
+              <a:uLnTx/>
+              <a:uFillTx/>
+              <a:latin typeface="Arial"/>
+              <a:ea typeface="+mn-ea"/>
+              <a:cs typeface="+mn-cs"/>
+              <a:sym typeface="Arial"/>
+            </a:endParaRPr>
+          </a:p>
+          <a:p>
+            <a:pPr marL="0" marR="0" lvl="0" indent="0" algn="l" defTabSz="914400" rtl="0" eaLnBrk="1" fontAlgn="auto" latinLnBrk="0" hangingPunct="1">
+              <a:lnSpc>
+                <a:spcPct val="80000"/>
+              </a:lnSpc>
+              <a:spcBef>
+                <a:spcPts val="280"/>
+              </a:spcBef>
+              <a:spcAft>
+                <a:spcPts val="0"/>
+              </a:spcAft>
+              <a:buClr>
+                <a:srgbClr val="000000"/>
+              </a:buClr>
+              <a:buSzPts val="1400"/>
+              <a:buFont typeface="Arial"/>
+              <a:buNone/>
+              <a:tabLst/>
+              <a:defRPr/>
+            </a:pPr>
+            <a:r>
+              <a:rPr kumimoji="0" lang="en-US" sz="1400" b="0" i="0" u="none" strike="noStrike" kern="0" cap="none" spc="0" normalizeH="0" baseline="0" noProof="0" dirty="0">
+                <a:ln>
+                  <a:noFill/>
+                </a:ln>
+                <a:solidFill>
+                  <a:srgbClr val="000000"/>
+                </a:solidFill>
+                <a:effectLst/>
+                <a:uLnTx/>
+                <a:uFillTx/>
+                <a:latin typeface="Courier New"/>
+                <a:ea typeface="Courier New"/>
+                <a:cs typeface="Courier New"/>
+                <a:sym typeface="Courier New"/>
+              </a:rPr>
+              <a:t>}</a:t>
+            </a:r>
+            <a:endParaRPr kumimoji="0" lang="en-US" sz="1400" b="0" i="0" u="none" strike="noStrike" kern="0" cap="none" spc="0" normalizeH="0" baseline="0" noProof="0" dirty="0">
+              <a:ln>
+                <a:noFill/>
+              </a:ln>
+              <a:solidFill>
+                <a:srgbClr val="000000"/>
+              </a:solidFill>
+              <a:effectLst/>
+              <a:uLnTx/>
+              <a:uFillTx/>
+              <a:latin typeface="Arial"/>
+              <a:ea typeface="+mn-ea"/>
+              <a:cs typeface="+mn-cs"/>
+              <a:sym typeface="Arial"/>
+            </a:endParaRPr>
+          </a:p>
+        </p:txBody>
+      </p:sp>
+    </p:spTree>
+    <p:extLst>
+      <p:ext uri="{BB962C8B-B14F-4D97-AF65-F5344CB8AC3E}">
+        <p14:creationId xmlns:p14="http://schemas.microsoft.com/office/powerpoint/2010/main" val="2546056288"/>
+      </p:ext>
+    </p:extLst>
+  </p:cSld>
+  <p:clrMapOvr>
+    <a:masterClrMapping/>
+  </p:clrMapOvr>
 </p:sld>
 </file>
 
